--- a/_posts/商业需求.pptx
+++ b/_posts/商业需求.pptx
@@ -6,32 +6,30 @@
   </p:sldMasterIdLst>
   <p:sldIdLst>
     <p:sldId id="256" r:id="rId2"/>
-    <p:sldId id="265" r:id="rId3"/>
-    <p:sldId id="257" r:id="rId4"/>
-    <p:sldId id="258" r:id="rId5"/>
-    <p:sldId id="259" r:id="rId6"/>
-    <p:sldId id="260" r:id="rId7"/>
-    <p:sldId id="261" r:id="rId8"/>
-    <p:sldId id="262" r:id="rId9"/>
-    <p:sldId id="263" r:id="rId10"/>
-    <p:sldId id="264" r:id="rId11"/>
-    <p:sldId id="266" r:id="rId12"/>
-    <p:sldId id="267" r:id="rId13"/>
-    <p:sldId id="268" r:id="rId14"/>
-    <p:sldId id="269" r:id="rId15"/>
-    <p:sldId id="270" r:id="rId16"/>
-    <p:sldId id="271" r:id="rId17"/>
-    <p:sldId id="272" r:id="rId18"/>
-    <p:sldId id="273" r:id="rId19"/>
-    <p:sldId id="274" r:id="rId20"/>
-    <p:sldId id="275" r:id="rId21"/>
-    <p:sldId id="276" r:id="rId22"/>
-    <p:sldId id="277" r:id="rId23"/>
-    <p:sldId id="278" r:id="rId24"/>
-    <p:sldId id="283" r:id="rId25"/>
-    <p:sldId id="280" r:id="rId26"/>
-    <p:sldId id="281" r:id="rId27"/>
-    <p:sldId id="282" r:id="rId28"/>
+    <p:sldId id="292" r:id="rId3"/>
+    <p:sldId id="284" r:id="rId4"/>
+    <p:sldId id="285" r:id="rId5"/>
+    <p:sldId id="290" r:id="rId6"/>
+    <p:sldId id="291" r:id="rId7"/>
+    <p:sldId id="289" r:id="rId8"/>
+    <p:sldId id="258" r:id="rId9"/>
+    <p:sldId id="294" r:id="rId10"/>
+    <p:sldId id="261" r:id="rId11"/>
+    <p:sldId id="262" r:id="rId12"/>
+    <p:sldId id="263" r:id="rId13"/>
+    <p:sldId id="264" r:id="rId14"/>
+    <p:sldId id="266" r:id="rId15"/>
+    <p:sldId id="295" r:id="rId16"/>
+    <p:sldId id="269" r:id="rId17"/>
+    <p:sldId id="270" r:id="rId18"/>
+    <p:sldId id="274" r:id="rId19"/>
+    <p:sldId id="277" r:id="rId20"/>
+    <p:sldId id="296" r:id="rId21"/>
+    <p:sldId id="278" r:id="rId22"/>
+    <p:sldId id="283" r:id="rId23"/>
+    <p:sldId id="280" r:id="rId24"/>
+    <p:sldId id="281" r:id="rId25"/>
+    <p:sldId id="282" r:id="rId26"/>
   </p:sldIdLst>
   <p:sldSz cx="12192000" cy="6858000"/>
   <p:notesSz cx="6858000" cy="9144000"/>
@@ -130,6 +128,11 @@
       </a:defRPr>
     </a:lvl9pPr>
   </p:defaultTextStyle>
+  <p:extLst>
+    <p:ext uri="{EFAFB233-063F-42B5-8137-9DF3F51BA10A}">
+      <p15:sldGuideLst xmlns:p15="http://schemas.microsoft.com/office/powerpoint/2012/main"/>
+    </p:ext>
+  </p:extLst>
 </p:presentation>
 </file>
 
@@ -280,7 +283,7 @@
           <a:p>
             <a:fld id="{8F0B1BDA-AC58-414F-B6B2-D608BDDDC0ED}" type="datetimeFigureOut">
               <a:rPr kumimoji="1" lang="zh-CN" altLang="en-US" smtClean="0"/>
-              <a:t>2020/12/25</a:t>
+              <a:t>2020/12/31</a:t>
             </a:fld>
             <a:endParaRPr kumimoji="1" lang="zh-CN" altLang="en-US"/>
           </a:p>
@@ -453,7 +456,7 @@
           <a:p>
             <a:fld id="{8F0B1BDA-AC58-414F-B6B2-D608BDDDC0ED}" type="datetimeFigureOut">
               <a:rPr kumimoji="1" lang="zh-CN" altLang="en-US" smtClean="0"/>
-              <a:t>2020/12/25</a:t>
+              <a:t>2020/12/31</a:t>
             </a:fld>
             <a:endParaRPr kumimoji="1" lang="zh-CN" altLang="en-US"/>
           </a:p>
@@ -636,7 +639,7 @@
           <a:p>
             <a:fld id="{8F0B1BDA-AC58-414F-B6B2-D608BDDDC0ED}" type="datetimeFigureOut">
               <a:rPr kumimoji="1" lang="zh-CN" altLang="en-US" smtClean="0"/>
-              <a:t>2020/12/25</a:t>
+              <a:t>2020/12/31</a:t>
             </a:fld>
             <a:endParaRPr kumimoji="1" lang="zh-CN" altLang="en-US"/>
           </a:p>
@@ -809,7 +812,7 @@
           <a:p>
             <a:fld id="{8F0B1BDA-AC58-414F-B6B2-D608BDDDC0ED}" type="datetimeFigureOut">
               <a:rPr kumimoji="1" lang="zh-CN" altLang="en-US" smtClean="0"/>
-              <a:t>2020/12/25</a:t>
+              <a:t>2020/12/31</a:t>
             </a:fld>
             <a:endParaRPr kumimoji="1" lang="zh-CN" altLang="en-US"/>
           </a:p>
@@ -1087,7 +1090,7 @@
           <a:p>
             <a:fld id="{8F0B1BDA-AC58-414F-B6B2-D608BDDDC0ED}" type="datetimeFigureOut">
               <a:rPr kumimoji="1" lang="zh-CN" altLang="en-US" smtClean="0"/>
-              <a:t>2020/12/25</a:t>
+              <a:t>2020/12/31</a:t>
             </a:fld>
             <a:endParaRPr kumimoji="1" lang="zh-CN" altLang="en-US"/>
           </a:p>
@@ -1302,7 +1305,7 @@
           <a:p>
             <a:fld id="{8F0B1BDA-AC58-414F-B6B2-D608BDDDC0ED}" type="datetimeFigureOut">
               <a:rPr kumimoji="1" lang="zh-CN" altLang="en-US" smtClean="0"/>
-              <a:t>2020/12/25</a:t>
+              <a:t>2020/12/31</a:t>
             </a:fld>
             <a:endParaRPr kumimoji="1" lang="zh-CN" altLang="en-US"/>
           </a:p>
@@ -1670,7 +1673,7 @@
           <a:p>
             <a:fld id="{8F0B1BDA-AC58-414F-B6B2-D608BDDDC0ED}" type="datetimeFigureOut">
               <a:rPr kumimoji="1" lang="zh-CN" altLang="en-US" smtClean="0"/>
-              <a:t>2020/12/25</a:t>
+              <a:t>2020/12/31</a:t>
             </a:fld>
             <a:endParaRPr kumimoji="1" lang="zh-CN" altLang="en-US"/>
           </a:p>
@@ -1811,7 +1814,7 @@
           <a:p>
             <a:fld id="{8F0B1BDA-AC58-414F-B6B2-D608BDDDC0ED}" type="datetimeFigureOut">
               <a:rPr kumimoji="1" lang="zh-CN" altLang="en-US" smtClean="0"/>
-              <a:t>2020/12/25</a:t>
+              <a:t>2020/12/31</a:t>
             </a:fld>
             <a:endParaRPr kumimoji="1" lang="zh-CN" altLang="en-US"/>
           </a:p>
@@ -1924,7 +1927,7 @@
           <a:p>
             <a:fld id="{8F0B1BDA-AC58-414F-B6B2-D608BDDDC0ED}" type="datetimeFigureOut">
               <a:rPr kumimoji="1" lang="zh-CN" altLang="en-US" smtClean="0"/>
-              <a:t>2020/12/25</a:t>
+              <a:t>2020/12/31</a:t>
             </a:fld>
             <a:endParaRPr kumimoji="1" lang="zh-CN" altLang="en-US"/>
           </a:p>
@@ -2213,7 +2216,7 @@
           <a:p>
             <a:fld id="{8F0B1BDA-AC58-414F-B6B2-D608BDDDC0ED}" type="datetimeFigureOut">
               <a:rPr kumimoji="1" lang="zh-CN" altLang="en-US" smtClean="0"/>
-              <a:t>2020/12/25</a:t>
+              <a:t>2020/12/31</a:t>
             </a:fld>
             <a:endParaRPr kumimoji="1" lang="zh-CN" altLang="en-US"/>
           </a:p>
@@ -2504,7 +2507,7 @@
           <a:p>
             <a:fld id="{8F0B1BDA-AC58-414F-B6B2-D608BDDDC0ED}" type="datetimeFigureOut">
               <a:rPr kumimoji="1" lang="zh-CN" altLang="en-US" smtClean="0"/>
-              <a:t>2020/12/25</a:t>
+              <a:t>2020/12/31</a:t>
             </a:fld>
             <a:endParaRPr kumimoji="1" lang="zh-CN" altLang="en-US"/>
           </a:p>
@@ -2720,7 +2723,7 @@
           <a:p>
             <a:fld id="{8F0B1BDA-AC58-414F-B6B2-D608BDDDC0ED}" type="datetimeFigureOut">
               <a:rPr kumimoji="1" lang="zh-CN" altLang="en-US" smtClean="0"/>
-              <a:t>2020/12/25</a:t>
+              <a:t>2020/12/31</a:t>
             </a:fld>
             <a:endParaRPr kumimoji="1" lang="zh-CN" altLang="en-US"/>
           </a:p>
@@ -3229,7 +3232,7 @@
           <p:cNvPr id="2" name="标题 1">
             <a:extLst>
               <a:ext uri="{FF2B5EF4-FFF2-40B4-BE49-F238E27FC236}">
-                <a16:creationId xmlns:a16="http://schemas.microsoft.com/office/drawing/2014/main" id="{723F984C-2F5A-7346-B0BD-55579DB9BE0D}"/>
+                <a16:creationId xmlns:a16="http://schemas.microsoft.com/office/drawing/2014/main" id="{B95709DD-0EB1-3441-89D4-E1BCD52D3CBE}"/>
               </a:ext>
             </a:extLst>
           </p:cNvPr>
@@ -3247,7 +3250,7 @@
           <a:p>
             <a:r>
               <a:rPr lang="zh-CN" altLang="en-US" b="1" dirty="0"/>
-              <a:t>产品定位</a:t>
+              <a:t>发展趋势</a:t>
             </a:r>
             <a:endParaRPr kumimoji="1" lang="zh-CN" altLang="en-US" dirty="0"/>
           </a:p>
@@ -3258,7 +3261,7 @@
           <p:cNvPr id="3" name="内容占位符 2">
             <a:extLst>
               <a:ext uri="{FF2B5EF4-FFF2-40B4-BE49-F238E27FC236}">
-                <a16:creationId xmlns:a16="http://schemas.microsoft.com/office/drawing/2014/main" id="{10272F9B-3167-B743-9E3E-8ACCF8DB6BF6}"/>
+                <a16:creationId xmlns:a16="http://schemas.microsoft.com/office/drawing/2014/main" id="{01A9921D-121D-C14A-A744-7129A3ACF4C2}"/>
               </a:ext>
             </a:extLst>
           </p:cNvPr>
@@ -3275,22 +3278,50 @@
           <a:lstStyle/>
           <a:p>
             <a:r>
-              <a:rPr lang="zh-CN" altLang="en-US" dirty="0"/>
-              <a:t>一句话描述想要做一件什么样的产品；</a:t>
-            </a:r>
-          </a:p>
-          <a:p>
-            <a:br>
-              <a:rPr lang="zh-CN" altLang="en-US" dirty="0"/>
-            </a:br>
-            <a:endParaRPr kumimoji="1" lang="zh-CN" altLang="en-US" dirty="0"/>
+              <a:rPr kumimoji="1" lang="zh-CN" altLang="en-US" dirty="0"/>
+              <a:t>从</a:t>
+            </a:r>
+            <a:r>
+              <a:rPr kumimoji="1" lang="en-US" altLang="zh-CN" dirty="0"/>
+              <a:t>2010</a:t>
+            </a:r>
+            <a:r>
+              <a:rPr kumimoji="1" lang="zh-CN" altLang="en-US" dirty="0"/>
+              <a:t>年开始逐渐有大量公司开展相关服务</a:t>
+            </a:r>
+            <a:endParaRPr kumimoji="1" lang="en-US" altLang="zh-CN" dirty="0"/>
+          </a:p>
+          <a:p>
+            <a:r>
+              <a:rPr kumimoji="1" lang="zh-CN" altLang="en-US" dirty="0"/>
+              <a:t>但是暂时没有建材类相关的大型互联网公司</a:t>
+            </a:r>
+            <a:endParaRPr kumimoji="1" lang="en-US" altLang="zh-CN" dirty="0"/>
+          </a:p>
+          <a:p>
+            <a:r>
+              <a:rPr kumimoji="1" lang="en-US" altLang="zh-CN" dirty="0"/>
+              <a:t>2020</a:t>
+            </a:r>
+            <a:r>
+              <a:rPr kumimoji="1" lang="zh-CN" altLang="en-US" dirty="0"/>
+              <a:t>年大量互联网公司进入企业</a:t>
+            </a:r>
+            <a:r>
+              <a:rPr kumimoji="1" lang="en-US" altLang="zh-CN" dirty="0"/>
+              <a:t>SAAS</a:t>
+            </a:r>
+            <a:r>
+              <a:rPr kumimoji="1" lang="zh-CN" altLang="en-US" dirty="0"/>
+              <a:t>服务相关领域</a:t>
+            </a:r>
           </a:p>
         </p:txBody>
       </p:sp>
     </p:spTree>
     <p:extLst>
       <p:ext uri="{BB962C8B-B14F-4D97-AF65-F5344CB8AC3E}">
-        <p14:creationId xmlns:p14="http://schemas.microsoft.com/office/powerpoint/2010/main" val="2671284339"/>
+        <p14:creationId xmlns:p14="http://schemas.microsoft.com/office/powerpoint/2010/main" val="4135372465"/>
       </p:ext>
     </p:extLst>
   </p:cSld>
@@ -3322,7 +3353,7 @@
           <p:cNvPr id="2" name="标题 1">
             <a:extLst>
               <a:ext uri="{FF2B5EF4-FFF2-40B4-BE49-F238E27FC236}">
-                <a16:creationId xmlns:a16="http://schemas.microsoft.com/office/drawing/2014/main" id="{1814BB56-DEBA-DF4B-BF25-DE679D59D517}"/>
+                <a16:creationId xmlns:a16="http://schemas.microsoft.com/office/drawing/2014/main" id="{1289F460-8251-FC43-B641-9A208F4376BB}"/>
               </a:ext>
             </a:extLst>
           </p:cNvPr>
@@ -3340,7 +3371,7 @@
           <a:p>
             <a:r>
               <a:rPr lang="zh-CN" altLang="en-US" b="1" dirty="0"/>
-              <a:t>核心目标</a:t>
+              <a:t>竞争对手发展情况</a:t>
             </a:r>
             <a:endParaRPr kumimoji="1" lang="zh-CN" altLang="en-US" dirty="0"/>
           </a:p>
@@ -3351,7 +3382,7 @@
           <p:cNvPr id="3" name="内容占位符 2">
             <a:extLst>
               <a:ext uri="{FF2B5EF4-FFF2-40B4-BE49-F238E27FC236}">
-                <a16:creationId xmlns:a16="http://schemas.microsoft.com/office/drawing/2014/main" id="{A80F9524-FEF4-CC43-95B5-3ED124C4BD1D}"/>
+                <a16:creationId xmlns:a16="http://schemas.microsoft.com/office/drawing/2014/main" id="{666BCBC3-6B34-614D-8D9D-7DD26E488D83}"/>
               </a:ext>
             </a:extLst>
           </p:cNvPr>
@@ -3364,18 +3395,58 @@
         </p:nvSpPr>
         <p:spPr/>
         <p:txBody>
-          <a:bodyPr/>
+          <a:bodyPr>
+            <a:normAutofit/>
+          </a:bodyPr>
           <a:lstStyle/>
           <a:p>
             <a:r>
               <a:rPr lang="zh-CN" altLang="en-US" dirty="0"/>
-              <a:t>做这个产品想要实现的目标，从产品的定位为基准，目标内容可以包括经济收益、用户的增长、影响力、市场占有率以及对于公司战略的重要性等方面来写；</a:t>
-            </a:r>
-          </a:p>
-          <a:p>
+              <a:t>找钢网从最开始的钢铁交易平台，慢慢做到走出国门，甚至在今年拿到国家主权基金“中俄投资基金”的投资，成为</a:t>
+            </a:r>
+            <a:r>
+              <a:rPr lang="en-US" altLang="zh-CN" dirty="0"/>
+              <a:t>500</a:t>
+            </a:r>
+            <a:r>
+              <a:rPr lang="zh-CN" altLang="en-US" dirty="0"/>
+              <a:t>强企业</a:t>
+            </a:r>
+            <a:r>
+              <a:rPr lang="en-US" altLang="zh-CN" dirty="0"/>
+              <a:t>.</a:t>
+            </a:r>
             <a:br>
               <a:rPr lang="zh-CN" altLang="en-US" dirty="0"/>
             </a:br>
+            <a:endParaRPr lang="en-US" altLang="zh-CN" dirty="0"/>
+          </a:p>
+          <a:p>
+            <a:r>
+              <a:rPr lang="zh-CN" altLang="en-US" dirty="0"/>
+              <a:t>找钢网自创立以来，到现在成为全国最大的钢铁电商平台，它所创建的找钢网上市模式被三百多家钢铁电商所模仿，不仅如此，它还影响了众多大宗商品行业，什么找塑料网、找纸浆网、找化工网等相继出现，这么看来，找钢网俨然就是国内“找字辈”电商的鼻祖。</a:t>
+            </a:r>
+          </a:p>
+          <a:p>
+            <a:r>
+              <a:rPr lang="zh-CN" altLang="en-US" dirty="0"/>
+              <a:t>然而三年亏损近</a:t>
+            </a:r>
+            <a:r>
+              <a:rPr lang="en-US" altLang="zh-CN" dirty="0"/>
+              <a:t>20</a:t>
+            </a:r>
+            <a:r>
+              <a:rPr lang="zh-CN" altLang="en-US" dirty="0"/>
+              <a:t>亿 找钢网再递招股书放弃上市</a:t>
+            </a:r>
+            <a:r>
+              <a:rPr lang="en-US" altLang="zh-CN" dirty="0"/>
+              <a:t>.</a:t>
+            </a:r>
+            <a:endParaRPr kumimoji="1" lang="zh-CN" altLang="en-US" dirty="0"/>
+          </a:p>
+          <a:p>
             <a:endParaRPr kumimoji="1" lang="zh-CN" altLang="en-US" dirty="0"/>
           </a:p>
         </p:txBody>
@@ -3383,7 +3454,7 @@
     </p:spTree>
     <p:extLst>
       <p:ext uri="{BB962C8B-B14F-4D97-AF65-F5344CB8AC3E}">
-        <p14:creationId xmlns:p14="http://schemas.microsoft.com/office/powerpoint/2010/main" val="2005127023"/>
+        <p14:creationId xmlns:p14="http://schemas.microsoft.com/office/powerpoint/2010/main" val="1970406261"/>
       </p:ext>
     </p:extLst>
   </p:cSld>
@@ -3415,7 +3486,7 @@
           <p:cNvPr id="2" name="标题 1">
             <a:extLst>
               <a:ext uri="{FF2B5EF4-FFF2-40B4-BE49-F238E27FC236}">
-                <a16:creationId xmlns:a16="http://schemas.microsoft.com/office/drawing/2014/main" id="{579D3A71-7545-954C-80E3-10C25A79C769}"/>
+                <a16:creationId xmlns:a16="http://schemas.microsoft.com/office/drawing/2014/main" id="{8F891772-BE83-C441-A40F-BA6E1E3572D5}"/>
               </a:ext>
             </a:extLst>
           </p:cNvPr>
@@ -3433,7 +3504,7 @@
           <a:p>
             <a:r>
               <a:rPr lang="zh-CN" altLang="en-US" b="1" dirty="0"/>
-              <a:t>产品结构</a:t>
+              <a:t>产品规划</a:t>
             </a:r>
             <a:endParaRPr kumimoji="1" lang="zh-CN" altLang="en-US" dirty="0"/>
           </a:p>
@@ -3444,7 +3515,7 @@
           <p:cNvPr id="3" name="内容占位符 2">
             <a:extLst>
               <a:ext uri="{FF2B5EF4-FFF2-40B4-BE49-F238E27FC236}">
-                <a16:creationId xmlns:a16="http://schemas.microsoft.com/office/drawing/2014/main" id="{67276A77-B2B2-8B46-B204-FFF85728AE46}"/>
+                <a16:creationId xmlns:a16="http://schemas.microsoft.com/office/drawing/2014/main" id="{6152BE8B-E992-2B49-911A-D7C5B6CB08AA}"/>
               </a:ext>
             </a:extLst>
           </p:cNvPr>
@@ -3460,31 +3531,64 @@
           <a:bodyPr/>
           <a:lstStyle/>
           <a:p>
+            <a:pPr marL="0" indent="0">
+              <a:buNone/>
+            </a:pPr>
+            <a:r>
+              <a:rPr kumimoji="1" lang="zh-CN" altLang="en-US" dirty="0"/>
+              <a:t>建议做建材类一站式解决方案</a:t>
+            </a:r>
+            <a:r>
+              <a:rPr kumimoji="1" lang="en-US" altLang="zh-CN" dirty="0"/>
+              <a:t>,</a:t>
+            </a:r>
             <a:r>
               <a:rPr lang="zh-CN" altLang="en-US" dirty="0"/>
-              <a:t>描述产品矩阵及产品形态，无需精确到细节；以</a:t>
-            </a:r>
-            <a:r>
-              <a:rPr lang="en" altLang="zh-CN" dirty="0" err="1"/>
-              <a:t>xmind</a:t>
-            </a:r>
+              <a:t>与找子头差异化竞争</a:t>
+            </a:r>
+            <a:endParaRPr lang="en-US" altLang="zh-CN" dirty="0"/>
+          </a:p>
+          <a:p>
+            <a:pPr marL="0" indent="0">
+              <a:buNone/>
+            </a:pPr>
+            <a:endParaRPr lang="en-US" altLang="zh-CN" dirty="0"/>
+          </a:p>
+          <a:p>
+            <a:pPr marL="0" indent="0">
+              <a:buNone/>
+            </a:pPr>
             <a:r>
               <a:rPr lang="zh-CN" altLang="en-US" dirty="0"/>
-              <a:t>等思维导图软件，将产品结构直接画出来</a:t>
-            </a:r>
-          </a:p>
-          <a:p>
-            <a:br>
+              <a:t>支付上做创新</a:t>
+            </a:r>
+            <a:r>
+              <a:rPr lang="en-US" altLang="zh-CN" dirty="0"/>
+              <a:t>(</a:t>
+            </a:r>
+            <a:r>
               <a:rPr lang="zh-CN" altLang="en-US" dirty="0"/>
-            </a:br>
-            <a:endParaRPr kumimoji="1" lang="zh-CN" altLang="en-US" dirty="0"/>
+              <a:t>小宗交易建议直接支付</a:t>
+            </a:r>
+            <a:r>
+              <a:rPr lang="en-US" altLang="zh-CN" dirty="0"/>
+              <a:t>,</a:t>
+            </a:r>
+            <a:r>
+              <a:rPr lang="zh-CN" altLang="en-US" dirty="0"/>
+              <a:t>大宗交易建议做反向保理</a:t>
+            </a:r>
+            <a:r>
+              <a:rPr lang="en-US" altLang="zh-CN" dirty="0"/>
+              <a:t>)</a:t>
+            </a:r>
           </a:p>
         </p:txBody>
       </p:sp>
     </p:spTree>
     <p:extLst>
       <p:ext uri="{BB962C8B-B14F-4D97-AF65-F5344CB8AC3E}">
-        <p14:creationId xmlns:p14="http://schemas.microsoft.com/office/powerpoint/2010/main" val="2940961511"/>
+        <p14:creationId xmlns:p14="http://schemas.microsoft.com/office/powerpoint/2010/main" val="573681592"/>
       </p:ext>
     </p:extLst>
   </p:cSld>
@@ -3516,7 +3620,7 @@
           <p:cNvPr id="2" name="标题 1">
             <a:extLst>
               <a:ext uri="{FF2B5EF4-FFF2-40B4-BE49-F238E27FC236}">
-                <a16:creationId xmlns:a16="http://schemas.microsoft.com/office/drawing/2014/main" id="{25FB7692-6E51-EF42-9CBA-969A832D3EF7}"/>
+                <a16:creationId xmlns:a16="http://schemas.microsoft.com/office/drawing/2014/main" id="{723F984C-2F5A-7346-B0BD-55579DB9BE0D}"/>
               </a:ext>
             </a:extLst>
           </p:cNvPr>
@@ -3534,7 +3638,7 @@
           <a:p>
             <a:r>
               <a:rPr lang="zh-CN" altLang="en-US" b="1" dirty="0"/>
-              <a:t>产品路线</a:t>
+              <a:t>产品定位</a:t>
             </a:r>
             <a:endParaRPr kumimoji="1" lang="zh-CN" altLang="en-US" dirty="0"/>
           </a:p>
@@ -3545,7 +3649,7 @@
           <p:cNvPr id="3" name="内容占位符 2">
             <a:extLst>
               <a:ext uri="{FF2B5EF4-FFF2-40B4-BE49-F238E27FC236}">
-                <a16:creationId xmlns:a16="http://schemas.microsoft.com/office/drawing/2014/main" id="{2972431C-3976-1D45-AC23-1DA60CC8814D}"/>
+                <a16:creationId xmlns:a16="http://schemas.microsoft.com/office/drawing/2014/main" id="{10272F9B-3167-B743-9E3E-8ACCF8DB6BF6}"/>
               </a:ext>
             </a:extLst>
           </p:cNvPr>
@@ -3563,21 +3667,25 @@
           <a:p>
             <a:r>
               <a:rPr lang="zh-CN" altLang="en-US" dirty="0"/>
-              <a:t>主要描写各个阶段达成的目标及产品完成度；把产品的迭代更新路线写出来，新产品一般写到第三版就差不多了，把每个版本的功能、特点、目标写出来，这里的内容和产品迭代更新文件基本上是重合的，这里的产品迭代要精练，讲重点。</a:t>
-            </a:r>
-          </a:p>
-          <a:p>
-            <a:br>
-              <a:rPr lang="zh-CN" altLang="en-US" dirty="0"/>
-            </a:br>
-            <a:endParaRPr kumimoji="1" lang="zh-CN" altLang="en-US" dirty="0"/>
+              <a:t>撮合建筑材料供应商、需求方、金融机构</a:t>
+            </a:r>
+            <a:r>
+              <a:rPr lang="en-US" altLang="zh-CN" dirty="0"/>
+              <a:t>.</a:t>
+            </a:r>
+          </a:p>
+          <a:p>
+            <a:r>
+              <a:rPr kumimoji="1" lang="zh-CN" altLang="en-US" dirty="0"/>
+              <a:t>提供定制的供应链综合解决方案</a:t>
+            </a:r>
           </a:p>
         </p:txBody>
       </p:sp>
     </p:spTree>
     <p:extLst>
       <p:ext uri="{BB962C8B-B14F-4D97-AF65-F5344CB8AC3E}">
-        <p14:creationId xmlns:p14="http://schemas.microsoft.com/office/powerpoint/2010/main" val="3001909812"/>
+        <p14:creationId xmlns:p14="http://schemas.microsoft.com/office/powerpoint/2010/main" val="2671284339"/>
       </p:ext>
     </p:extLst>
   </p:cSld>
@@ -3609,7 +3717,7 @@
           <p:cNvPr id="2" name="标题 1">
             <a:extLst>
               <a:ext uri="{FF2B5EF4-FFF2-40B4-BE49-F238E27FC236}">
-                <a16:creationId xmlns:a16="http://schemas.microsoft.com/office/drawing/2014/main" id="{298E28D4-2452-5F48-993B-0228EFAF9243}"/>
+                <a16:creationId xmlns:a16="http://schemas.microsoft.com/office/drawing/2014/main" id="{1814BB56-DEBA-DF4B-BF25-DE679D59D517}"/>
               </a:ext>
             </a:extLst>
           </p:cNvPr>
@@ -3627,36 +3735,42 @@
           <a:p>
             <a:r>
               <a:rPr lang="zh-CN" altLang="en-US" b="1" dirty="0"/>
-              <a:t>运营规划</a:t>
-            </a:r>
+              <a:t>核心目标</a:t>
+            </a:r>
+            <a:endParaRPr kumimoji="1" lang="zh-CN" altLang="en-US" dirty="0"/>
+          </a:p>
+        </p:txBody>
+      </p:sp>
+      <p:sp>
+        <p:nvSpPr>
+          <p:cNvPr id="3" name="内容占位符 2">
+            <a:extLst>
+              <a:ext uri="{FF2B5EF4-FFF2-40B4-BE49-F238E27FC236}">
+                <a16:creationId xmlns:a16="http://schemas.microsoft.com/office/drawing/2014/main" id="{A80F9524-FEF4-CC43-95B5-3ED124C4BD1D}"/>
+              </a:ext>
+            </a:extLst>
+          </p:cNvPr>
+          <p:cNvSpPr>
+            <a:spLocks noGrp="1"/>
+          </p:cNvSpPr>
+          <p:nvPr>
+            <p:ph idx="1"/>
+          </p:nvPr>
+        </p:nvSpPr>
+        <p:spPr/>
+        <p:txBody>
+          <a:bodyPr/>
+          <a:lstStyle/>
+          <a:p>
+            <a:r>
+              <a:rPr lang="zh-CN" altLang="en-US" dirty="0"/>
+              <a:t>做这个产品想要实现的目标，从产品的定位为基准，目标内容可以包括经济收益、用户的增长、影响力、市场占有率以及对于公司战略的重要性等方面来写；</a:t>
+            </a:r>
+          </a:p>
+          <a:p>
             <a:br>
-              <a:rPr lang="zh-CN" altLang="en-US" b="1" dirty="0"/>
+              <a:rPr lang="zh-CN" altLang="en-US" dirty="0"/>
             </a:br>
-            <a:endParaRPr kumimoji="1" lang="zh-CN" altLang="en-US" dirty="0"/>
-          </a:p>
-        </p:txBody>
-      </p:sp>
-      <p:sp>
-        <p:nvSpPr>
-          <p:cNvPr id="3" name="内容占位符 2">
-            <a:extLst>
-              <a:ext uri="{FF2B5EF4-FFF2-40B4-BE49-F238E27FC236}">
-                <a16:creationId xmlns:a16="http://schemas.microsoft.com/office/drawing/2014/main" id="{A5185738-A5D5-E043-A3E7-F2B2E127B743}"/>
-              </a:ext>
-            </a:extLst>
-          </p:cNvPr>
-          <p:cNvSpPr>
-            <a:spLocks noGrp="1"/>
-          </p:cNvSpPr>
-          <p:nvPr>
-            <p:ph idx="1"/>
-          </p:nvPr>
-        </p:nvSpPr>
-        <p:spPr/>
-        <p:txBody>
-          <a:bodyPr/>
-          <a:lstStyle/>
-          <a:p>
             <a:endParaRPr kumimoji="1" lang="zh-CN" altLang="en-US" dirty="0"/>
           </a:p>
         </p:txBody>
@@ -3664,7 +3778,7 @@
     </p:spTree>
     <p:extLst>
       <p:ext uri="{BB962C8B-B14F-4D97-AF65-F5344CB8AC3E}">
-        <p14:creationId xmlns:p14="http://schemas.microsoft.com/office/powerpoint/2010/main" val="1706349286"/>
+        <p14:creationId xmlns:p14="http://schemas.microsoft.com/office/powerpoint/2010/main" val="2005127023"/>
       </p:ext>
     </p:extLst>
   </p:cSld>
@@ -3696,7 +3810,7 @@
           <p:cNvPr id="2" name="标题 1">
             <a:extLst>
               <a:ext uri="{FF2B5EF4-FFF2-40B4-BE49-F238E27FC236}">
-                <a16:creationId xmlns:a16="http://schemas.microsoft.com/office/drawing/2014/main" id="{574D60C7-51C2-1840-B6FB-5647180E31B5}"/>
+                <a16:creationId xmlns:a16="http://schemas.microsoft.com/office/drawing/2014/main" id="{CE4AEF53-5BDB-2145-85BD-DA6BCBAFB7F5}"/>
               </a:ext>
             </a:extLst>
           </p:cNvPr>
@@ -3714,7 +3828,7 @@
           <a:p>
             <a:r>
               <a:rPr lang="zh-CN" altLang="en-US" b="1" dirty="0"/>
-              <a:t>内容运营</a:t>
+              <a:t>产品结构</a:t>
             </a:r>
             <a:endParaRPr kumimoji="1" lang="zh-CN" altLang="en-US" dirty="0"/>
           </a:p>
@@ -3722,42 +3836,69 @@
       </p:sp>
       <p:sp>
         <p:nvSpPr>
-          <p:cNvPr id="3" name="内容占位符 2">
-            <a:extLst>
-              <a:ext uri="{FF2B5EF4-FFF2-40B4-BE49-F238E27FC236}">
-                <a16:creationId xmlns:a16="http://schemas.microsoft.com/office/drawing/2014/main" id="{E847CC5F-AA62-D544-83C7-C6462A6D1763}"/>
-              </a:ext>
-            </a:extLst>
-          </p:cNvPr>
-          <p:cNvSpPr>
-            <a:spLocks noGrp="1"/>
-          </p:cNvSpPr>
+          <p:cNvPr id="4" name="文本占位符 3">
+            <a:extLst>
+              <a:ext uri="{FF2B5EF4-FFF2-40B4-BE49-F238E27FC236}">
+                <a16:creationId xmlns:a16="http://schemas.microsoft.com/office/drawing/2014/main" id="{506C6A53-15FC-6549-90A7-990883F05B9E}"/>
+              </a:ext>
+            </a:extLst>
+          </p:cNvPr>
+          <p:cNvSpPr>
+            <a:spLocks noGrp="1"/>
+          </p:cNvSpPr>
+          <p:nvPr>
+            <p:ph type="body" sz="half" idx="2"/>
+          </p:nvPr>
+        </p:nvSpPr>
+        <p:spPr/>
+        <p:txBody>
+          <a:bodyPr/>
+          <a:lstStyle/>
+          <a:p>
+            <a:r>
+              <a:rPr lang="zh-CN" altLang="en-US" dirty="0"/>
+              <a:t>描述产品矩阵及产品形态</a:t>
+            </a:r>
+            <a:endParaRPr kumimoji="1" lang="zh-CN" altLang="en-US" dirty="0"/>
+          </a:p>
+        </p:txBody>
+      </p:sp>
+      <p:pic>
+        <p:nvPicPr>
+          <p:cNvPr id="5" name="内容占位符 4">
+            <a:extLst>
+              <a:ext uri="{FF2B5EF4-FFF2-40B4-BE49-F238E27FC236}">
+                <a16:creationId xmlns:a16="http://schemas.microsoft.com/office/drawing/2014/main" id="{4B4AA36F-C171-BE4E-ABDC-8390316AC442}"/>
+              </a:ext>
+            </a:extLst>
+          </p:cNvPr>
+          <p:cNvPicPr>
+            <a:picLocks noGrp="1" noChangeAspect="1"/>
+          </p:cNvPicPr>
           <p:nvPr>
             <p:ph idx="1"/>
           </p:nvPr>
-        </p:nvSpPr>
-        <p:spPr/>
-        <p:txBody>
-          <a:bodyPr/>
-          <a:lstStyle/>
-          <a:p>
-            <a:r>
-              <a:rPr lang="zh-CN" altLang="en-US" dirty="0"/>
-              <a:t>内容运营主要是分析产品中的内容的安排（内容生产、内容传播），内容谁来生产，内容生产的策略有哪些？以什么方式呈现给用户？这部分对于内容型、资讯型产品要求会更高，尤其是对于内容的生产、呈现、板块，最好写得越细节越好，这样既方便计算之后的成本和盈利，也能够对产品之后的运营展开更加明确的方向。</a:t>
-            </a:r>
-          </a:p>
-          <a:p>
-            <a:br>
-              <a:rPr lang="zh-CN" altLang="en-US" dirty="0"/>
-            </a:br>
-            <a:endParaRPr kumimoji="1" lang="zh-CN" altLang="en-US" dirty="0"/>
-          </a:p>
-        </p:txBody>
-      </p:sp>
+        </p:nvPicPr>
+        <p:blipFill>
+          <a:blip r:embed="rId2"/>
+          <a:stretch>
+            <a:fillRect/>
+          </a:stretch>
+        </p:blipFill>
+        <p:spPr>
+          <a:xfrm>
+            <a:off x="5621338" y="1112837"/>
+            <a:ext cx="5295900" cy="4622800"/>
+          </a:xfrm>
+          <a:prstGeom prst="rect">
+            <a:avLst/>
+          </a:prstGeom>
+        </p:spPr>
+      </p:pic>
     </p:spTree>
     <p:extLst>
       <p:ext uri="{BB962C8B-B14F-4D97-AF65-F5344CB8AC3E}">
-        <p14:creationId xmlns:p14="http://schemas.microsoft.com/office/powerpoint/2010/main" val="2652026173"/>
+        <p14:creationId xmlns:p14="http://schemas.microsoft.com/office/powerpoint/2010/main" val="3338092890"/>
       </p:ext>
     </p:extLst>
   </p:cSld>
@@ -3789,7 +3930,7 @@
           <p:cNvPr id="2" name="标题 1">
             <a:extLst>
               <a:ext uri="{FF2B5EF4-FFF2-40B4-BE49-F238E27FC236}">
-                <a16:creationId xmlns:a16="http://schemas.microsoft.com/office/drawing/2014/main" id="{343D2573-3DA2-614F-9D50-7BD4AEDF106C}"/>
+                <a16:creationId xmlns:a16="http://schemas.microsoft.com/office/drawing/2014/main" id="{298E28D4-2452-5F48-993B-0228EFAF9243}"/>
               </a:ext>
             </a:extLst>
           </p:cNvPr>
@@ -3807,8 +3948,11 @@
           <a:p>
             <a:r>
               <a:rPr lang="zh-CN" altLang="en-US" b="1" dirty="0"/>
-              <a:t>用户运营</a:t>
-            </a:r>
+              <a:t>运营规划</a:t>
+            </a:r>
+            <a:br>
+              <a:rPr lang="zh-CN" altLang="en-US" b="1" dirty="0"/>
+            </a:br>
             <a:endParaRPr kumimoji="1" lang="zh-CN" altLang="en-US" dirty="0"/>
           </a:p>
         </p:txBody>
@@ -3818,7 +3962,7 @@
           <p:cNvPr id="3" name="内容占位符 2">
             <a:extLst>
               <a:ext uri="{FF2B5EF4-FFF2-40B4-BE49-F238E27FC236}">
-                <a16:creationId xmlns:a16="http://schemas.microsoft.com/office/drawing/2014/main" id="{7BB4F4FD-B250-5E40-8116-274892FD3568}"/>
+                <a16:creationId xmlns:a16="http://schemas.microsoft.com/office/drawing/2014/main" id="{A5185738-A5D5-E043-A3E7-F2B2E127B743}"/>
               </a:ext>
             </a:extLst>
           </p:cNvPr>
@@ -3834,15 +3978,6 @@
           <a:bodyPr/>
           <a:lstStyle/>
           <a:p>
-            <a:r>
-              <a:rPr lang="zh-CN" altLang="en-US" dirty="0"/>
-              <a:t>用户运营的目标主要是拉新，维持活跃，提升留存，唤醒沉睡用户。写出产品在用户规划方面要如何开展，包括拉新的方式选择什么？通过什么样的方式刺激用户注册？有什么方式提高用户的活跃？用户的分级机制、裂变增长机制等规则都要在用户运营里结合自己的产品说清楚；在这个部分讲明白用户要通过什么样的方式了解、注册、使用且持续使用我们的产品</a:t>
-            </a:r>
-          </a:p>
-          <a:p>
-            <a:br>
-              <a:rPr lang="zh-CN" altLang="en-US" dirty="0"/>
-            </a:br>
             <a:endParaRPr kumimoji="1" lang="zh-CN" altLang="en-US" dirty="0"/>
           </a:p>
         </p:txBody>
@@ -3850,7 +3985,7 @@
     </p:spTree>
     <p:extLst>
       <p:ext uri="{BB962C8B-B14F-4D97-AF65-F5344CB8AC3E}">
-        <p14:creationId xmlns:p14="http://schemas.microsoft.com/office/powerpoint/2010/main" val="1660049233"/>
+        <p14:creationId xmlns:p14="http://schemas.microsoft.com/office/powerpoint/2010/main" val="1706349286"/>
       </p:ext>
     </p:extLst>
   </p:cSld>
@@ -3882,7 +4017,7 @@
           <p:cNvPr id="2" name="标题 1">
             <a:extLst>
               <a:ext uri="{FF2B5EF4-FFF2-40B4-BE49-F238E27FC236}">
-                <a16:creationId xmlns:a16="http://schemas.microsoft.com/office/drawing/2014/main" id="{B640B5C5-599B-834C-A86B-873373069C62}"/>
+                <a16:creationId xmlns:a16="http://schemas.microsoft.com/office/drawing/2014/main" id="{574D60C7-51C2-1840-B6FB-5647180E31B5}"/>
               </a:ext>
             </a:extLst>
           </p:cNvPr>
@@ -3900,7 +4035,7 @@
           <a:p>
             <a:r>
               <a:rPr lang="zh-CN" altLang="en-US" b="1" dirty="0"/>
-              <a:t>社区运营</a:t>
+              <a:t>内容运营</a:t>
             </a:r>
             <a:endParaRPr kumimoji="1" lang="zh-CN" altLang="en-US" dirty="0"/>
           </a:p>
@@ -3911,7 +4046,7 @@
           <p:cNvPr id="3" name="内容占位符 2">
             <a:extLst>
               <a:ext uri="{FF2B5EF4-FFF2-40B4-BE49-F238E27FC236}">
-                <a16:creationId xmlns:a16="http://schemas.microsoft.com/office/drawing/2014/main" id="{F5B2D6F4-1BA9-EC49-9E61-801FAAEDACC9}"/>
+                <a16:creationId xmlns:a16="http://schemas.microsoft.com/office/drawing/2014/main" id="{E847CC5F-AA62-D544-83C7-C6462A6D1763}"/>
               </a:ext>
             </a:extLst>
           </p:cNvPr>
@@ -3927,12 +4062,40 @@
           <a:bodyPr/>
           <a:lstStyle/>
           <a:p>
+            <a:endParaRPr lang="en-US" altLang="zh-CN" dirty="0"/>
+          </a:p>
+          <a:p>
             <a:r>
               <a:rPr lang="zh-CN" altLang="en-US" dirty="0"/>
-              <a:t>社区运营不是每个产品都需要做的，主要是对于那些内容社区型产品来说需要更加重点考虑的部分，做社区型的产品，需要考虑社区要如何活跃？社区讨论是否有限制。社区的内容由谁来做，谁来管？等方面的问题。尤其对于社区的角色问题说清楚说明白，例如有涉及到论坛管理员、论坛主、小编等角色的产品，要将这些角色的职责内容都写出来</a:t>
-            </a:r>
-          </a:p>
-          <a:p>
+              <a:t>各个材料价格和涨跌数据</a:t>
+            </a:r>
+            <a:endParaRPr lang="en-US" altLang="zh-CN" dirty="0"/>
+          </a:p>
+          <a:p>
+            <a:r>
+              <a:rPr lang="zh-CN" altLang="en-US" dirty="0"/>
+              <a:t>商品信息价格</a:t>
+            </a:r>
+            <a:r>
+              <a:rPr lang="en-US" altLang="zh-CN" dirty="0"/>
+              <a:t>,</a:t>
+            </a:r>
+            <a:r>
+              <a:rPr lang="zh-CN" altLang="en-US" dirty="0"/>
+              <a:t>产地</a:t>
+            </a:r>
+            <a:r>
+              <a:rPr lang="en-US" altLang="zh-CN" dirty="0"/>
+              <a:t>(</a:t>
+            </a:r>
+            <a:r>
+              <a:rPr lang="zh-CN" altLang="en-US" dirty="0"/>
+              <a:t>材料供应商</a:t>
+            </a:r>
+            <a:r>
+              <a:rPr lang="en-US" altLang="zh-CN" dirty="0"/>
+              <a:t>)</a:t>
+            </a:r>
             <a:br>
               <a:rPr lang="zh-CN" altLang="en-US" dirty="0"/>
             </a:br>
@@ -3943,7 +4106,7 @@
     </p:spTree>
     <p:extLst>
       <p:ext uri="{BB962C8B-B14F-4D97-AF65-F5344CB8AC3E}">
-        <p14:creationId xmlns:p14="http://schemas.microsoft.com/office/powerpoint/2010/main" val="641054357"/>
+        <p14:creationId xmlns:p14="http://schemas.microsoft.com/office/powerpoint/2010/main" val="2652026173"/>
       </p:ext>
     </p:extLst>
   </p:cSld>
@@ -3975,99 +4138,6 @@
           <p:cNvPr id="2" name="标题 1">
             <a:extLst>
               <a:ext uri="{FF2B5EF4-FFF2-40B4-BE49-F238E27FC236}">
-                <a16:creationId xmlns:a16="http://schemas.microsoft.com/office/drawing/2014/main" id="{4EF5F5C3-7ECE-C245-879F-A620A3D7F3CD}"/>
-              </a:ext>
-            </a:extLst>
-          </p:cNvPr>
-          <p:cNvSpPr>
-            <a:spLocks noGrp="1"/>
-          </p:cNvSpPr>
-          <p:nvPr>
-            <p:ph type="title"/>
-          </p:nvPr>
-        </p:nvSpPr>
-        <p:spPr/>
-        <p:txBody>
-          <a:bodyPr/>
-          <a:lstStyle/>
-          <a:p>
-            <a:r>
-              <a:rPr lang="zh-CN" altLang="en-US" b="1" dirty="0"/>
-              <a:t>活动运营</a:t>
-            </a:r>
-            <a:endParaRPr kumimoji="1" lang="zh-CN" altLang="en-US" dirty="0"/>
-          </a:p>
-        </p:txBody>
-      </p:sp>
-      <p:sp>
-        <p:nvSpPr>
-          <p:cNvPr id="3" name="内容占位符 2">
-            <a:extLst>
-              <a:ext uri="{FF2B5EF4-FFF2-40B4-BE49-F238E27FC236}">
-                <a16:creationId xmlns:a16="http://schemas.microsoft.com/office/drawing/2014/main" id="{146CF107-955A-4D41-9921-30CEFD37B2F6}"/>
-              </a:ext>
-            </a:extLst>
-          </p:cNvPr>
-          <p:cNvSpPr>
-            <a:spLocks noGrp="1"/>
-          </p:cNvSpPr>
-          <p:nvPr>
-            <p:ph idx="1"/>
-          </p:nvPr>
-        </p:nvSpPr>
-        <p:spPr/>
-        <p:txBody>
-          <a:bodyPr/>
-          <a:lstStyle/>
-          <a:p>
-            <a:r>
-              <a:rPr lang="zh-CN" altLang="en-US" dirty="0"/>
-              <a:t>活动运营是将产品所涉及的各类活动策划，活动执行，活动复盘，活动转化规划清楚。例如，某某社交类产品举办“寻找最美的人”这个活动，那么就需要将这个活动如何执行，谁来执行，怎么执行，如何推广等各项细节都需要尽量的细化写明白。当然，这个部分需要和运营人员进行沟通。</a:t>
-            </a:r>
-          </a:p>
-          <a:p>
-            <a:br>
-              <a:rPr lang="zh-CN" altLang="en-US" dirty="0"/>
-            </a:br>
-            <a:endParaRPr kumimoji="1" lang="zh-CN" altLang="en-US" dirty="0"/>
-          </a:p>
-        </p:txBody>
-      </p:sp>
-    </p:spTree>
-    <p:extLst>
-      <p:ext uri="{BB962C8B-B14F-4D97-AF65-F5344CB8AC3E}">
-        <p14:creationId xmlns:p14="http://schemas.microsoft.com/office/powerpoint/2010/main" val="4050473810"/>
-      </p:ext>
-    </p:extLst>
-  </p:cSld>
-  <p:clrMapOvr>
-    <a:masterClrMapping/>
-  </p:clrMapOvr>
-</p:sld>
-</file>
-
-<file path=ppt/slides/slide19.xml><?xml version="1.0" encoding="utf-8"?>
-<p:sld xmlns:a="http://schemas.openxmlformats.org/drawingml/2006/main" xmlns:r="http://schemas.openxmlformats.org/officeDocument/2006/relationships" xmlns:p="http://schemas.openxmlformats.org/presentationml/2006/main">
-  <p:cSld>
-    <p:spTree>
-      <p:nvGrpSpPr>
-        <p:cNvPr id="1" name=""/>
-        <p:cNvGrpSpPr/>
-        <p:nvPr/>
-      </p:nvGrpSpPr>
-      <p:grpSpPr>
-        <a:xfrm>
-          <a:off x="0" y="0"/>
-          <a:ext cx="0" cy="0"/>
-          <a:chOff x="0" y="0"/>
-          <a:chExt cx="0" cy="0"/>
-        </a:xfrm>
-      </p:grpSpPr>
-      <p:sp>
-        <p:nvSpPr>
-          <p:cNvPr id="2" name="标题 1">
-            <a:extLst>
-              <a:ext uri="{FF2B5EF4-FFF2-40B4-BE49-F238E27FC236}">
                 <a16:creationId xmlns:a16="http://schemas.microsoft.com/office/drawing/2014/main" id="{960C7802-4E1F-FC4D-B013-C70E7319AC63}"/>
               </a:ext>
             </a:extLst>
@@ -4115,10 +4185,15 @@
           <a:p>
             <a:r>
               <a:rPr lang="zh-CN" altLang="en-US" dirty="0"/>
-              <a:t>这个部分主要是通过运营数据，埋点数据，总产品数据的反馈而进行的产品规划运营，通过分析产品的各类数据来进行优化。更新改善产品的各项指标的运营活动，这里需要根据各产品的数据进行不同侧重点的优化，例如，如果发现产品中文章阅读板块用户活跃度低，那说明该板块的内容不够吸引人，需要通过分析用户的偏好来对内容。进行针对性的优化升级，提高该。部分的用户活跃量，或者考虑是否将该板块取消等</a:t>
-            </a:r>
-          </a:p>
-          <a:p>
+              <a:t>需要找供应商</a:t>
+            </a:r>
+            <a:endParaRPr lang="en-US" altLang="zh-CN" dirty="0"/>
+          </a:p>
+          <a:p>
+            <a:r>
+              <a:rPr lang="zh-CN" altLang="en-US" dirty="0"/>
+              <a:t>地推和整体推广</a:t>
+            </a:r>
             <a:br>
               <a:rPr lang="zh-CN" altLang="en-US" dirty="0"/>
             </a:br>
@@ -4139,368 +4214,7 @@
 </p:sld>
 </file>
 
-<file path=ppt/slides/slide2.xml><?xml version="1.0" encoding="utf-8"?>
-<p:sld xmlns:a="http://schemas.openxmlformats.org/drawingml/2006/main" xmlns:r="http://schemas.openxmlformats.org/officeDocument/2006/relationships" xmlns:p="http://schemas.openxmlformats.org/presentationml/2006/main">
-  <p:cSld>
-    <p:spTree>
-      <p:nvGrpSpPr>
-        <p:cNvPr id="1" name=""/>
-        <p:cNvGrpSpPr/>
-        <p:nvPr/>
-      </p:nvGrpSpPr>
-      <p:grpSpPr>
-        <a:xfrm>
-          <a:off x="0" y="0"/>
-          <a:ext cx="0" cy="0"/>
-          <a:chOff x="0" y="0"/>
-          <a:chExt cx="0" cy="0"/>
-        </a:xfrm>
-      </p:grpSpPr>
-      <p:sp>
-        <p:nvSpPr>
-          <p:cNvPr id="2" name="标题 1">
-            <a:extLst>
-              <a:ext uri="{FF2B5EF4-FFF2-40B4-BE49-F238E27FC236}">
-                <a16:creationId xmlns:a16="http://schemas.microsoft.com/office/drawing/2014/main" id="{119B06B3-6974-9F4A-9C46-AAD9CE1780F1}"/>
-              </a:ext>
-            </a:extLst>
-          </p:cNvPr>
-          <p:cNvSpPr>
-            <a:spLocks noGrp="1"/>
-          </p:cNvSpPr>
-          <p:nvPr>
-            <p:ph type="title"/>
-          </p:nvPr>
-        </p:nvSpPr>
-        <p:spPr/>
-        <p:txBody>
-          <a:bodyPr/>
-          <a:lstStyle/>
-          <a:p>
-            <a:r>
-              <a:rPr lang="zh-CN" altLang="en-US" b="1" dirty="0"/>
-              <a:t>方案背景</a:t>
-            </a:r>
-            <a:br>
-              <a:rPr lang="zh-CN" altLang="en-US" b="1" dirty="0"/>
-            </a:br>
-            <a:endParaRPr kumimoji="1" lang="zh-CN" altLang="en-US" dirty="0"/>
-          </a:p>
-        </p:txBody>
-      </p:sp>
-      <p:sp>
-        <p:nvSpPr>
-          <p:cNvPr id="3" name="内容占位符 2">
-            <a:extLst>
-              <a:ext uri="{FF2B5EF4-FFF2-40B4-BE49-F238E27FC236}">
-                <a16:creationId xmlns:a16="http://schemas.microsoft.com/office/drawing/2014/main" id="{2D7A0C2B-3EC9-D149-A9A5-41FB53352EA1}"/>
-              </a:ext>
-            </a:extLst>
-          </p:cNvPr>
-          <p:cNvSpPr>
-            <a:spLocks noGrp="1"/>
-          </p:cNvSpPr>
-          <p:nvPr>
-            <p:ph idx="1"/>
-          </p:nvPr>
-        </p:nvSpPr>
-        <p:spPr/>
-        <p:txBody>
-          <a:bodyPr/>
-          <a:lstStyle/>
-          <a:p>
-            <a:endParaRPr kumimoji="1" lang="zh-CN" altLang="en-US" dirty="0"/>
-          </a:p>
-        </p:txBody>
-      </p:sp>
-    </p:spTree>
-    <p:extLst>
-      <p:ext uri="{BB962C8B-B14F-4D97-AF65-F5344CB8AC3E}">
-        <p14:creationId xmlns:p14="http://schemas.microsoft.com/office/powerpoint/2010/main" val="1371232142"/>
-      </p:ext>
-    </p:extLst>
-  </p:cSld>
-  <p:clrMapOvr>
-    <a:masterClrMapping/>
-  </p:clrMapOvr>
-</p:sld>
-</file>
-
-<file path=ppt/slides/slide20.xml><?xml version="1.0" encoding="utf-8"?>
-<p:sld xmlns:a="http://schemas.openxmlformats.org/drawingml/2006/main" xmlns:r="http://schemas.openxmlformats.org/officeDocument/2006/relationships" xmlns:p="http://schemas.openxmlformats.org/presentationml/2006/main">
-  <p:cSld>
-    <p:spTree>
-      <p:nvGrpSpPr>
-        <p:cNvPr id="1" name=""/>
-        <p:cNvGrpSpPr/>
-        <p:nvPr/>
-      </p:nvGrpSpPr>
-      <p:grpSpPr>
-        <a:xfrm>
-          <a:off x="0" y="0"/>
-          <a:ext cx="0" cy="0"/>
-          <a:chOff x="0" y="0"/>
-          <a:chExt cx="0" cy="0"/>
-        </a:xfrm>
-      </p:grpSpPr>
-      <p:sp>
-        <p:nvSpPr>
-          <p:cNvPr id="2" name="标题 1">
-            <a:extLst>
-              <a:ext uri="{FF2B5EF4-FFF2-40B4-BE49-F238E27FC236}">
-                <a16:creationId xmlns:a16="http://schemas.microsoft.com/office/drawing/2014/main" id="{864593E8-C557-8545-9BDA-9C3C98ED70B3}"/>
-              </a:ext>
-            </a:extLst>
-          </p:cNvPr>
-          <p:cNvSpPr>
-            <a:spLocks noGrp="1"/>
-          </p:cNvSpPr>
-          <p:nvPr>
-            <p:ph type="title"/>
-          </p:nvPr>
-        </p:nvSpPr>
-        <p:spPr/>
-        <p:txBody>
-          <a:bodyPr/>
-          <a:lstStyle/>
-          <a:p>
-            <a:r>
-              <a:rPr lang="zh-CN" altLang="en-US" b="1" dirty="0"/>
-              <a:t> 盈利模式</a:t>
-            </a:r>
-            <a:br>
-              <a:rPr lang="zh-CN" altLang="en-US" b="1" dirty="0"/>
-            </a:br>
-            <a:endParaRPr kumimoji="1" lang="zh-CN" altLang="en-US" dirty="0"/>
-          </a:p>
-        </p:txBody>
-      </p:sp>
-      <p:sp>
-        <p:nvSpPr>
-          <p:cNvPr id="3" name="内容占位符 2">
-            <a:extLst>
-              <a:ext uri="{FF2B5EF4-FFF2-40B4-BE49-F238E27FC236}">
-                <a16:creationId xmlns:a16="http://schemas.microsoft.com/office/drawing/2014/main" id="{A1E45F82-E38C-194E-B8DF-ABA5ABAF999A}"/>
-              </a:ext>
-            </a:extLst>
-          </p:cNvPr>
-          <p:cNvSpPr>
-            <a:spLocks noGrp="1"/>
-          </p:cNvSpPr>
-          <p:nvPr>
-            <p:ph idx="1"/>
-          </p:nvPr>
-        </p:nvSpPr>
-        <p:spPr/>
-        <p:txBody>
-          <a:bodyPr/>
-          <a:lstStyle/>
-          <a:p>
-            <a:endParaRPr kumimoji="1" lang="zh-CN" altLang="en-US"/>
-          </a:p>
-        </p:txBody>
-      </p:sp>
-    </p:spTree>
-    <p:extLst>
-      <p:ext uri="{BB962C8B-B14F-4D97-AF65-F5344CB8AC3E}">
-        <p14:creationId xmlns:p14="http://schemas.microsoft.com/office/powerpoint/2010/main" val="4161502845"/>
-      </p:ext>
-    </p:extLst>
-  </p:cSld>
-  <p:clrMapOvr>
-    <a:masterClrMapping/>
-  </p:clrMapOvr>
-</p:sld>
-</file>
-
-<file path=ppt/slides/slide21.xml><?xml version="1.0" encoding="utf-8"?>
-<p:sld xmlns:a="http://schemas.openxmlformats.org/drawingml/2006/main" xmlns:r="http://schemas.openxmlformats.org/officeDocument/2006/relationships" xmlns:p="http://schemas.openxmlformats.org/presentationml/2006/main">
-  <p:cSld>
-    <p:spTree>
-      <p:nvGrpSpPr>
-        <p:cNvPr id="1" name=""/>
-        <p:cNvGrpSpPr/>
-        <p:nvPr/>
-      </p:nvGrpSpPr>
-      <p:grpSpPr>
-        <a:xfrm>
-          <a:off x="0" y="0"/>
-          <a:ext cx="0" cy="0"/>
-          <a:chOff x="0" y="0"/>
-          <a:chExt cx="0" cy="0"/>
-        </a:xfrm>
-      </p:grpSpPr>
-      <p:sp>
-        <p:nvSpPr>
-          <p:cNvPr id="2" name="标题 1">
-            <a:extLst>
-              <a:ext uri="{FF2B5EF4-FFF2-40B4-BE49-F238E27FC236}">
-                <a16:creationId xmlns:a16="http://schemas.microsoft.com/office/drawing/2014/main" id="{A1C0CE9D-868B-FA40-9F7D-CA25BA5FCA5B}"/>
-              </a:ext>
-            </a:extLst>
-          </p:cNvPr>
-          <p:cNvSpPr>
-            <a:spLocks noGrp="1"/>
-          </p:cNvSpPr>
-          <p:nvPr>
-            <p:ph type="title"/>
-          </p:nvPr>
-        </p:nvSpPr>
-        <p:spPr/>
-        <p:txBody>
-          <a:bodyPr/>
-          <a:lstStyle/>
-          <a:p>
-            <a:r>
-              <a:rPr lang="zh-CN" altLang="en-US" b="1" dirty="0"/>
-              <a:t>收益结构</a:t>
-            </a:r>
-            <a:endParaRPr kumimoji="1" lang="zh-CN" altLang="en-US" dirty="0"/>
-          </a:p>
-        </p:txBody>
-      </p:sp>
-      <p:sp>
-        <p:nvSpPr>
-          <p:cNvPr id="3" name="内容占位符 2">
-            <a:extLst>
-              <a:ext uri="{FF2B5EF4-FFF2-40B4-BE49-F238E27FC236}">
-                <a16:creationId xmlns:a16="http://schemas.microsoft.com/office/drawing/2014/main" id="{D5055F81-FC41-4D41-95D2-FA09ED9564F9}"/>
-              </a:ext>
-            </a:extLst>
-          </p:cNvPr>
-          <p:cNvSpPr>
-            <a:spLocks noGrp="1"/>
-          </p:cNvSpPr>
-          <p:nvPr>
-            <p:ph idx="1"/>
-          </p:nvPr>
-        </p:nvSpPr>
-        <p:spPr/>
-        <p:txBody>
-          <a:bodyPr>
-            <a:normAutofit fontScale="47500" lnSpcReduction="20000"/>
-          </a:bodyPr>
-          <a:lstStyle/>
-          <a:p>
-            <a:r>
-              <a:rPr lang="zh-CN" altLang="en-US" b="1" dirty="0"/>
-              <a:t>（</a:t>
-            </a:r>
-            <a:r>
-              <a:rPr lang="en-US" altLang="zh-CN" b="1" dirty="0"/>
-              <a:t>1</a:t>
-            </a:r>
-            <a:r>
-              <a:rPr lang="zh-CN" altLang="en-US" b="1" dirty="0"/>
-              <a:t>）收益结构</a:t>
-            </a:r>
-            <a:endParaRPr lang="zh-CN" altLang="en-US" dirty="0"/>
-          </a:p>
-          <a:p>
-            <a:r>
-              <a:rPr lang="zh-CN" altLang="en-US" dirty="0"/>
-              <a:t>收益并不只是代表产品带来的经济收益。产品带来的收益包括经济收益，也包括用户增长、影响力、市场占有率、以及对整个公司战略层带来的收益。由于产品定位和公司的目标不同，每个产品所需要达到的收益可能也不尽相同。总地来说，收益结构最全面的话主要是包括了以下五个方面：</a:t>
-            </a:r>
-          </a:p>
-          <a:p>
-            <a:r>
-              <a:rPr lang="en-US" altLang="zh-CN" dirty="0"/>
-              <a:t>1</a:t>
-            </a:r>
-            <a:r>
-              <a:rPr lang="zh-CN" altLang="en-US" dirty="0"/>
-              <a:t>）经济收益</a:t>
-            </a:r>
-          </a:p>
-          <a:p>
-            <a:r>
-              <a:rPr lang="zh-CN" altLang="en-US" dirty="0"/>
-              <a:t>可以按照按照盈利模式，从不同的渠道进行分析，如广告收益、付费会员收益；这里主要是将产品会带来的经济收益进行一个较为细节的汇总和预算。</a:t>
-            </a:r>
-          </a:p>
-          <a:p>
-            <a:r>
-              <a:rPr lang="en-US" altLang="zh-CN" dirty="0"/>
-              <a:t>2</a:t>
-            </a:r>
-            <a:r>
-              <a:rPr lang="zh-CN" altLang="en-US" dirty="0"/>
-              <a:t>）用户规模</a:t>
-            </a:r>
-          </a:p>
-          <a:p>
-            <a:r>
-              <a:rPr lang="zh-CN" altLang="en-US" dirty="0"/>
-              <a:t>主要在于分析产品目标体系内用户数量级的提升；许多产品在前期的目标就是积累用户并不在于经济的收益。因此，对于这类产品需要重点将用户的数量提升和增长作为收益中比较重要的数值体现精准</a:t>
-            </a:r>
-          </a:p>
-          <a:p>
-            <a:r>
-              <a:rPr lang="en-US" altLang="zh-CN" dirty="0"/>
-              <a:t>3</a:t>
-            </a:r>
-            <a:r>
-              <a:rPr lang="zh-CN" altLang="en-US" dirty="0"/>
-              <a:t>）提升品牌影响力</a:t>
-            </a:r>
-          </a:p>
-          <a:p>
-            <a:r>
-              <a:rPr lang="zh-CN" altLang="en-US" dirty="0"/>
-              <a:t>不同地区、线上和线下用户的认知度，获取品牌溢价效应；有一部分产品是为了塑造更好的品牌或者是扩大品牌形象而开展的产品，在针对这些产品的收益模式时，我们要重点对于品牌影响力进行重点的描写。品牌渗透的不同地区，不同人群等细节尽量的写仔细。</a:t>
-            </a:r>
-          </a:p>
-          <a:p>
-            <a:r>
-              <a:rPr lang="en-US" altLang="zh-CN" dirty="0"/>
-              <a:t>4</a:t>
-            </a:r>
-            <a:r>
-              <a:rPr lang="zh-CN" altLang="en-US" dirty="0"/>
-              <a:t>）市场份额</a:t>
-            </a:r>
-          </a:p>
-          <a:p>
-            <a:r>
-              <a:rPr lang="zh-CN" altLang="en-US" dirty="0"/>
-              <a:t>可结合目前的市场情况描述，根据产品的目标和现状综合来说明产品市场份额的预期占有率，因为有些产品的目标就是占有市场份额，所以市场份额的占有大小是作为产品收益的价值参考。</a:t>
-            </a:r>
-          </a:p>
-          <a:p>
-            <a:r>
-              <a:rPr lang="en-US" altLang="zh-CN" dirty="0"/>
-              <a:t>5</a:t>
-            </a:r>
-            <a:r>
-              <a:rPr lang="zh-CN" altLang="en-US" dirty="0"/>
-              <a:t>）战略规划</a:t>
-            </a:r>
-          </a:p>
-          <a:p>
-            <a:r>
-              <a:rPr lang="zh-CN" altLang="en-US" dirty="0"/>
-              <a:t>从公司的战略规划入手，尤其对于一些需要转型的公司来说，某些产品的成功运作就是公司战略转型的拐点，所以在这个时候，产品能够给公司带来的战略层的影响会更加重要，如果是这样的情况，在收益这部分就需要将产品给公司层面带来的影响写详细、写明白。</a:t>
-            </a:r>
-          </a:p>
-          <a:p>
-            <a:endParaRPr kumimoji="1" lang="zh-CN" altLang="en-US" dirty="0"/>
-          </a:p>
-        </p:txBody>
-      </p:sp>
-    </p:spTree>
-    <p:extLst>
-      <p:ext uri="{BB962C8B-B14F-4D97-AF65-F5344CB8AC3E}">
-        <p14:creationId xmlns:p14="http://schemas.microsoft.com/office/powerpoint/2010/main" val="2467807962"/>
-      </p:ext>
-    </p:extLst>
-  </p:cSld>
-  <p:clrMapOvr>
-    <a:masterClrMapping/>
-  </p:clrMapOvr>
-</p:sld>
-</file>
-
-<file path=ppt/slides/slide22.xml><?xml version="1.0" encoding="utf-8"?>
+<file path=ppt/slides/slide19.xml><?xml version="1.0" encoding="utf-8"?>
 <p:sld xmlns:a="http://schemas.openxmlformats.org/drawingml/2006/main" xmlns:r="http://schemas.openxmlformats.org/officeDocument/2006/relationships" xmlns:p="http://schemas.openxmlformats.org/presentationml/2006/main">
   <p:cSld>
     <p:spTree>
@@ -4623,6 +4337,629 @@
 </p:sld>
 </file>
 
+<file path=ppt/slides/slide2.xml><?xml version="1.0" encoding="utf-8"?>
+<p:sld xmlns:a="http://schemas.openxmlformats.org/drawingml/2006/main" xmlns:r="http://schemas.openxmlformats.org/officeDocument/2006/relationships" xmlns:p="http://schemas.openxmlformats.org/presentationml/2006/main">
+  <p:cSld>
+    <p:spTree>
+      <p:nvGrpSpPr>
+        <p:cNvPr id="1" name=""/>
+        <p:cNvGrpSpPr/>
+        <p:nvPr/>
+      </p:nvGrpSpPr>
+      <p:grpSpPr>
+        <a:xfrm>
+          <a:off x="0" y="0"/>
+          <a:ext cx="0" cy="0"/>
+          <a:chOff x="0" y="0"/>
+          <a:chExt cx="0" cy="0"/>
+        </a:xfrm>
+      </p:grpSpPr>
+      <p:sp>
+        <p:nvSpPr>
+          <p:cNvPr id="2" name="标题 1">
+            <a:extLst>
+              <a:ext uri="{FF2B5EF4-FFF2-40B4-BE49-F238E27FC236}">
+                <a16:creationId xmlns:a16="http://schemas.microsoft.com/office/drawing/2014/main" id="{6A7AD8FE-9487-9741-8A73-732DFECC65C4}"/>
+              </a:ext>
+            </a:extLst>
+          </p:cNvPr>
+          <p:cNvSpPr>
+            <a:spLocks noGrp="1"/>
+          </p:cNvSpPr>
+          <p:nvPr>
+            <p:ph type="title"/>
+          </p:nvPr>
+        </p:nvSpPr>
+        <p:spPr/>
+        <p:txBody>
+          <a:bodyPr/>
+          <a:lstStyle/>
+          <a:p>
+            <a:r>
+              <a:rPr lang="zh-CN" altLang="en-US" b="1" dirty="0"/>
+              <a:t>方案背景</a:t>
+            </a:r>
+            <a:endParaRPr kumimoji="1" lang="zh-CN" altLang="en-US" dirty="0"/>
+          </a:p>
+        </p:txBody>
+      </p:sp>
+      <p:sp>
+        <p:nvSpPr>
+          <p:cNvPr id="3" name="文本占位符 2">
+            <a:extLst>
+              <a:ext uri="{FF2B5EF4-FFF2-40B4-BE49-F238E27FC236}">
+                <a16:creationId xmlns:a16="http://schemas.microsoft.com/office/drawing/2014/main" id="{D3C00ED1-76BD-EA49-BDC9-F5C25A1935F6}"/>
+              </a:ext>
+            </a:extLst>
+          </p:cNvPr>
+          <p:cNvSpPr>
+            <a:spLocks noGrp="1"/>
+          </p:cNvSpPr>
+          <p:nvPr>
+            <p:ph type="body" idx="1"/>
+          </p:nvPr>
+        </p:nvSpPr>
+        <p:spPr/>
+        <p:txBody>
+          <a:bodyPr/>
+          <a:lstStyle/>
+          <a:p>
+            <a:endParaRPr kumimoji="1" lang="zh-CN" altLang="en-US" dirty="0"/>
+          </a:p>
+        </p:txBody>
+      </p:sp>
+    </p:spTree>
+    <p:extLst>
+      <p:ext uri="{BB962C8B-B14F-4D97-AF65-F5344CB8AC3E}">
+        <p14:creationId xmlns:p14="http://schemas.microsoft.com/office/powerpoint/2010/main" val="1390360318"/>
+      </p:ext>
+    </p:extLst>
+  </p:cSld>
+  <p:clrMapOvr>
+    <a:masterClrMapping/>
+  </p:clrMapOvr>
+</p:sld>
+</file>
+
+<file path=ppt/slides/slide20.xml><?xml version="1.0" encoding="utf-8"?>
+<p:sld xmlns:a="http://schemas.openxmlformats.org/drawingml/2006/main" xmlns:r="http://schemas.openxmlformats.org/officeDocument/2006/relationships" xmlns:p="http://schemas.openxmlformats.org/presentationml/2006/main">
+  <p:cSld>
+    <p:spTree>
+      <p:nvGrpSpPr>
+        <p:cNvPr id="1" name=""/>
+        <p:cNvGrpSpPr/>
+        <p:nvPr/>
+      </p:nvGrpSpPr>
+      <p:grpSpPr>
+        <a:xfrm>
+          <a:off x="0" y="0"/>
+          <a:ext cx="0" cy="0"/>
+          <a:chOff x="0" y="0"/>
+          <a:chExt cx="0" cy="0"/>
+        </a:xfrm>
+      </p:grpSpPr>
+      <p:sp>
+        <p:nvSpPr>
+          <p:cNvPr id="3" name="内容占位符 2">
+            <a:extLst>
+              <a:ext uri="{FF2B5EF4-FFF2-40B4-BE49-F238E27FC236}">
+                <a16:creationId xmlns:a16="http://schemas.microsoft.com/office/drawing/2014/main" id="{0010C1A8-88E1-D547-A2A8-482DB4CBE495}"/>
+              </a:ext>
+            </a:extLst>
+          </p:cNvPr>
+          <p:cNvSpPr>
+            <a:spLocks noGrp="1"/>
+          </p:cNvSpPr>
+          <p:nvPr>
+            <p:ph idx="1"/>
+          </p:nvPr>
+        </p:nvSpPr>
+        <p:spPr>
+          <a:xfrm>
+            <a:off x="838200" y="441789"/>
+            <a:ext cx="10515600" cy="5735174"/>
+          </a:xfrm>
+        </p:spPr>
+        <p:txBody>
+          <a:bodyPr>
+            <a:normAutofit fontScale="77500" lnSpcReduction="20000"/>
+          </a:bodyPr>
+          <a:lstStyle/>
+          <a:p>
+            <a:r>
+              <a:rPr kumimoji="1" lang="zh-CN" altLang="en-US" dirty="0"/>
+              <a:t>人员成本</a:t>
+            </a:r>
+            <a:endParaRPr kumimoji="1" lang="en-US" altLang="zh-CN" dirty="0"/>
+          </a:p>
+          <a:p>
+            <a:pPr marL="0" indent="0">
+              <a:buNone/>
+            </a:pPr>
+            <a:r>
+              <a:rPr kumimoji="1" lang="zh-CN" altLang="en-US" sz="1800" dirty="0"/>
+              <a:t>产品 </a:t>
+            </a:r>
+            <a:r>
+              <a:rPr kumimoji="1" lang="en-US" altLang="zh-CN" sz="1800" dirty="0"/>
+              <a:t>1</a:t>
+            </a:r>
+          </a:p>
+          <a:p>
+            <a:pPr marL="0" indent="0">
+              <a:buNone/>
+            </a:pPr>
+            <a:r>
+              <a:rPr kumimoji="1" lang="en-US" altLang="zh-CN" sz="1800" dirty="0"/>
+              <a:t>UI</a:t>
+            </a:r>
+            <a:r>
+              <a:rPr kumimoji="1" lang="zh-CN" altLang="en-US" sz="1800" dirty="0"/>
+              <a:t>设计 </a:t>
+            </a:r>
+            <a:r>
+              <a:rPr kumimoji="1" lang="en-US" altLang="zh-CN" sz="1800" dirty="0"/>
+              <a:t>1</a:t>
+            </a:r>
+          </a:p>
+          <a:p>
+            <a:pPr marL="0" indent="0">
+              <a:buNone/>
+            </a:pPr>
+            <a:r>
+              <a:rPr kumimoji="1" lang="zh-CN" altLang="en-US" sz="1800" dirty="0"/>
+              <a:t>前端研发  </a:t>
+            </a:r>
+            <a:r>
+              <a:rPr kumimoji="1" lang="en-US" altLang="zh-CN" sz="1800" dirty="0"/>
+              <a:t>1</a:t>
+            </a:r>
+          </a:p>
+          <a:p>
+            <a:pPr marL="0" indent="0">
+              <a:buNone/>
+            </a:pPr>
+            <a:r>
+              <a:rPr kumimoji="1" lang="zh-CN" altLang="en-US" sz="1800" dirty="0"/>
+              <a:t>安卓研发 </a:t>
+            </a:r>
+            <a:r>
+              <a:rPr kumimoji="1" lang="en-US" altLang="zh-CN" sz="1800" dirty="0"/>
+              <a:t>1</a:t>
+            </a:r>
+          </a:p>
+          <a:p>
+            <a:pPr marL="0" indent="0">
+              <a:buNone/>
+            </a:pPr>
+            <a:r>
+              <a:rPr kumimoji="1" lang="zh-CN" altLang="en-US" sz="1800" dirty="0"/>
+              <a:t>后台研发 </a:t>
+            </a:r>
+            <a:r>
+              <a:rPr kumimoji="1" lang="en-US" altLang="zh-CN" sz="1800" dirty="0"/>
+              <a:t>1</a:t>
+            </a:r>
+          </a:p>
+          <a:p>
+            <a:pPr marL="0" indent="0">
+              <a:buNone/>
+            </a:pPr>
+            <a:r>
+              <a:rPr kumimoji="1" lang="zh-CN" altLang="en-US" sz="1800" dirty="0"/>
+              <a:t>测试 </a:t>
+            </a:r>
+            <a:r>
+              <a:rPr kumimoji="1" lang="en-US" altLang="zh-CN" sz="1800" dirty="0"/>
+              <a:t>1</a:t>
+            </a:r>
+            <a:r>
+              <a:rPr kumimoji="1" lang="zh-CN" altLang="en-US" sz="1800" dirty="0"/>
+              <a:t>人</a:t>
+            </a:r>
+            <a:endParaRPr kumimoji="1" lang="en-US" altLang="zh-CN" sz="1800" dirty="0"/>
+          </a:p>
+          <a:p>
+            <a:pPr marL="0" indent="0">
+              <a:buNone/>
+            </a:pPr>
+            <a:r>
+              <a:rPr kumimoji="1" lang="zh-CN" altLang="en-US" sz="1800" dirty="0"/>
+              <a:t>营销 </a:t>
+            </a:r>
+            <a:r>
+              <a:rPr kumimoji="1" lang="en-US" altLang="zh-CN" sz="1800" dirty="0"/>
+              <a:t>1</a:t>
+            </a:r>
+            <a:r>
+              <a:rPr kumimoji="1" lang="zh-CN" altLang="en-US" sz="1800" dirty="0"/>
+              <a:t>人</a:t>
+            </a:r>
+            <a:endParaRPr kumimoji="1" lang="en-US" altLang="zh-CN" sz="1800" dirty="0"/>
+          </a:p>
+          <a:p>
+            <a:pPr marL="0" indent="0">
+              <a:buNone/>
+            </a:pPr>
+            <a:r>
+              <a:rPr kumimoji="1" lang="en-US" altLang="zh-CN" sz="1800" dirty="0"/>
+              <a:t>(</a:t>
+            </a:r>
+            <a:r>
+              <a:rPr kumimoji="1" lang="zh-CN" altLang="en-US" sz="1800" dirty="0"/>
+              <a:t>前期可以错开招聘</a:t>
+            </a:r>
+            <a:r>
+              <a:rPr kumimoji="1" lang="en-US" altLang="zh-CN" sz="1800" dirty="0"/>
+              <a:t>,</a:t>
+            </a:r>
+            <a:r>
+              <a:rPr kumimoji="1" lang="zh-CN" altLang="en-US" sz="1800" dirty="0"/>
+              <a:t>可压缩一部分人力</a:t>
+            </a:r>
+            <a:r>
+              <a:rPr kumimoji="1" lang="en-US" altLang="zh-CN" sz="1800" dirty="0"/>
+              <a:t>)</a:t>
+            </a:r>
+          </a:p>
+          <a:p>
+            <a:pPr marL="0" indent="0">
+              <a:buNone/>
+            </a:pPr>
+            <a:endParaRPr kumimoji="1" lang="en-US" altLang="zh-CN" sz="1800" dirty="0"/>
+          </a:p>
+          <a:p>
+            <a:pPr marL="0" indent="0">
+              <a:buNone/>
+            </a:pPr>
+            <a:r>
+              <a:rPr kumimoji="1" lang="en-US" altLang="zh-CN" sz="1800" dirty="0"/>
+              <a:t>7-10w/</a:t>
+            </a:r>
+            <a:r>
+              <a:rPr kumimoji="1" lang="zh-CN" altLang="en-US" sz="1800" dirty="0"/>
+              <a:t>月</a:t>
+            </a:r>
+            <a:endParaRPr kumimoji="1" lang="en-US" altLang="zh-CN" sz="1800" dirty="0"/>
+          </a:p>
+          <a:p>
+            <a:pPr marL="0" indent="0">
+              <a:buNone/>
+            </a:pPr>
+            <a:r>
+              <a:rPr kumimoji="1" lang="en-US" altLang="zh-CN" sz="1800" dirty="0"/>
+              <a:t>100</a:t>
+            </a:r>
+            <a:r>
+              <a:rPr kumimoji="1" lang="zh-CN" altLang="en-US" sz="1800" dirty="0"/>
+              <a:t>万</a:t>
+            </a:r>
+            <a:r>
+              <a:rPr kumimoji="1" lang="en-US" altLang="zh-CN" sz="1800" dirty="0"/>
+              <a:t>/</a:t>
+            </a:r>
+            <a:r>
+              <a:rPr kumimoji="1" lang="zh-CN" altLang="en-US" sz="1800" dirty="0"/>
+              <a:t>年</a:t>
+            </a:r>
+            <a:endParaRPr kumimoji="1" lang="en-US" altLang="zh-CN" sz="1800" dirty="0"/>
+          </a:p>
+          <a:p>
+            <a:pPr marL="0" indent="0">
+              <a:buNone/>
+            </a:pPr>
+            <a:endParaRPr kumimoji="1" lang="en-US" altLang="zh-CN" sz="1800" dirty="0"/>
+          </a:p>
+          <a:p>
+            <a:pPr marL="0" indent="0">
+              <a:buNone/>
+            </a:pPr>
+            <a:r>
+              <a:rPr kumimoji="1" lang="zh-CN" altLang="en-US" sz="1800" dirty="0"/>
+              <a:t>办公设备成本</a:t>
+            </a:r>
+            <a:endParaRPr kumimoji="1" lang="en-US" altLang="zh-CN" sz="1800" dirty="0"/>
+          </a:p>
+          <a:p>
+            <a:pPr marL="0" indent="0">
+              <a:buNone/>
+            </a:pPr>
+            <a:r>
+              <a:rPr kumimoji="1" lang="en-US" altLang="zh-CN" sz="1800" dirty="0"/>
+              <a:t>5</a:t>
+            </a:r>
+            <a:r>
+              <a:rPr kumimoji="1" lang="zh-CN" altLang="en-US" sz="1800" dirty="0"/>
+              <a:t>万  电脑服务器成本</a:t>
+            </a:r>
+            <a:endParaRPr kumimoji="1" lang="en-US" altLang="zh-CN" sz="1800" dirty="0"/>
+          </a:p>
+          <a:p>
+            <a:pPr marL="0" indent="0">
+              <a:buNone/>
+            </a:pPr>
+            <a:r>
+              <a:rPr kumimoji="1" lang="zh-CN" altLang="en-US" sz="1800" dirty="0"/>
+              <a:t>办公地成本  </a:t>
+            </a:r>
+            <a:r>
+              <a:rPr kumimoji="1" lang="en-US" altLang="zh-CN" sz="1800" dirty="0"/>
+              <a:t>????</a:t>
+            </a:r>
+          </a:p>
+          <a:p>
+            <a:pPr marL="0" indent="0">
+              <a:buNone/>
+            </a:pPr>
+            <a:endParaRPr kumimoji="1" lang="en-US" altLang="zh-CN" sz="1800" dirty="0"/>
+          </a:p>
+          <a:p>
+            <a:pPr marL="0" indent="0">
+              <a:buNone/>
+            </a:pPr>
+            <a:r>
+              <a:rPr kumimoji="1" lang="zh-CN" altLang="en-US" sz="1800" dirty="0"/>
+              <a:t>营销推广成本</a:t>
+            </a:r>
+            <a:endParaRPr kumimoji="1" lang="en-US" altLang="zh-CN" sz="1800" dirty="0"/>
+          </a:p>
+          <a:p>
+            <a:pPr marL="0" indent="0">
+              <a:buNone/>
+            </a:pPr>
+            <a:r>
+              <a:rPr kumimoji="1" lang="zh-CN" altLang="en-US" sz="1800" dirty="0"/>
+              <a:t>推广方式  </a:t>
+            </a:r>
+            <a:r>
+              <a:rPr kumimoji="1" lang="en-US" altLang="zh-CN" sz="1800" dirty="0"/>
+              <a:t>30</a:t>
+            </a:r>
+            <a:r>
+              <a:rPr kumimoji="1" lang="zh-CN" altLang="en-US" sz="1800" dirty="0"/>
+              <a:t>万</a:t>
+            </a:r>
+            <a:r>
+              <a:rPr kumimoji="1" lang="en-US" altLang="zh-CN" sz="1800" dirty="0"/>
+              <a:t>??</a:t>
+            </a:r>
+          </a:p>
+          <a:p>
+            <a:pPr marL="0" indent="0">
+              <a:buNone/>
+            </a:pPr>
+            <a:r>
+              <a:rPr kumimoji="1" lang="zh-CN" altLang="en-US" sz="1800" dirty="0"/>
+              <a:t>备用金  </a:t>
+            </a:r>
+            <a:r>
+              <a:rPr kumimoji="1" lang="en-US" altLang="zh-CN" sz="1800" dirty="0"/>
+              <a:t>????</a:t>
+            </a:r>
+          </a:p>
+        </p:txBody>
+      </p:sp>
+    </p:spTree>
+    <p:extLst>
+      <p:ext uri="{BB962C8B-B14F-4D97-AF65-F5344CB8AC3E}">
+        <p14:creationId xmlns:p14="http://schemas.microsoft.com/office/powerpoint/2010/main" val="412315753"/>
+      </p:ext>
+    </p:extLst>
+  </p:cSld>
+  <p:clrMapOvr>
+    <a:masterClrMapping/>
+  </p:clrMapOvr>
+</p:sld>
+</file>
+
+<file path=ppt/slides/slide21.xml><?xml version="1.0" encoding="utf-8"?>
+<p:sld xmlns:a="http://schemas.openxmlformats.org/drawingml/2006/main" xmlns:r="http://schemas.openxmlformats.org/officeDocument/2006/relationships" xmlns:p="http://schemas.openxmlformats.org/presentationml/2006/main">
+  <p:cSld>
+    <p:spTree>
+      <p:nvGrpSpPr>
+        <p:cNvPr id="1" name=""/>
+        <p:cNvGrpSpPr/>
+        <p:nvPr/>
+      </p:nvGrpSpPr>
+      <p:grpSpPr>
+        <a:xfrm>
+          <a:off x="0" y="0"/>
+          <a:ext cx="0" cy="0"/>
+          <a:chOff x="0" y="0"/>
+          <a:chExt cx="0" cy="0"/>
+        </a:xfrm>
+      </p:grpSpPr>
+      <p:sp>
+        <p:nvSpPr>
+          <p:cNvPr id="2" name="标题 1">
+            <a:extLst>
+              <a:ext uri="{FF2B5EF4-FFF2-40B4-BE49-F238E27FC236}">
+                <a16:creationId xmlns:a16="http://schemas.microsoft.com/office/drawing/2014/main" id="{FBFFB2DF-9685-8641-B89E-D6586CF3FFBF}"/>
+              </a:ext>
+            </a:extLst>
+          </p:cNvPr>
+          <p:cNvSpPr>
+            <a:spLocks noGrp="1"/>
+          </p:cNvSpPr>
+          <p:nvPr>
+            <p:ph type="title"/>
+          </p:nvPr>
+        </p:nvSpPr>
+        <p:spPr/>
+        <p:txBody>
+          <a:bodyPr/>
+          <a:lstStyle/>
+          <a:p>
+            <a:r>
+              <a:rPr lang="zh-CN" altLang="en-US" b="1" dirty="0"/>
+              <a:t>风险与对策</a:t>
+            </a:r>
+            <a:br>
+              <a:rPr lang="zh-CN" altLang="en-US" b="1" dirty="0"/>
+            </a:br>
+            <a:endParaRPr kumimoji="1" lang="zh-CN" altLang="en-US" dirty="0"/>
+          </a:p>
+        </p:txBody>
+      </p:sp>
+      <p:sp>
+        <p:nvSpPr>
+          <p:cNvPr id="3" name="内容占位符 2">
+            <a:extLst>
+              <a:ext uri="{FF2B5EF4-FFF2-40B4-BE49-F238E27FC236}">
+                <a16:creationId xmlns:a16="http://schemas.microsoft.com/office/drawing/2014/main" id="{104D793C-D26C-DC49-A4EC-FC0D9AF23F28}"/>
+              </a:ext>
+            </a:extLst>
+          </p:cNvPr>
+          <p:cNvSpPr>
+            <a:spLocks noGrp="1"/>
+          </p:cNvSpPr>
+          <p:nvPr>
+            <p:ph idx="1"/>
+          </p:nvPr>
+        </p:nvSpPr>
+        <p:spPr/>
+        <p:txBody>
+          <a:bodyPr/>
+          <a:lstStyle/>
+          <a:p>
+            <a:endParaRPr kumimoji="1" lang="zh-CN" altLang="en-US" dirty="0"/>
+          </a:p>
+        </p:txBody>
+      </p:sp>
+    </p:spTree>
+    <p:extLst>
+      <p:ext uri="{BB962C8B-B14F-4D97-AF65-F5344CB8AC3E}">
+        <p14:creationId xmlns:p14="http://schemas.microsoft.com/office/powerpoint/2010/main" val="1925169669"/>
+      </p:ext>
+    </p:extLst>
+  </p:cSld>
+  <p:clrMapOvr>
+    <a:masterClrMapping/>
+  </p:clrMapOvr>
+</p:sld>
+</file>
+
+<file path=ppt/slides/slide22.xml><?xml version="1.0" encoding="utf-8"?>
+<p:sld xmlns:a="http://schemas.openxmlformats.org/drawingml/2006/main" xmlns:r="http://schemas.openxmlformats.org/officeDocument/2006/relationships" xmlns:p="http://schemas.openxmlformats.org/presentationml/2006/main">
+  <p:cSld>
+    <p:spTree>
+      <p:nvGrpSpPr>
+        <p:cNvPr id="1" name=""/>
+        <p:cNvGrpSpPr/>
+        <p:nvPr/>
+      </p:nvGrpSpPr>
+      <p:grpSpPr>
+        <a:xfrm>
+          <a:off x="0" y="0"/>
+          <a:ext cx="0" cy="0"/>
+          <a:chOff x="0" y="0"/>
+          <a:chExt cx="0" cy="0"/>
+        </a:xfrm>
+      </p:grpSpPr>
+      <p:sp>
+        <p:nvSpPr>
+          <p:cNvPr id="2" name="标题 1">
+            <a:extLst>
+              <a:ext uri="{FF2B5EF4-FFF2-40B4-BE49-F238E27FC236}">
+                <a16:creationId xmlns:a16="http://schemas.microsoft.com/office/drawing/2014/main" id="{C1A280A4-79E7-8545-911E-50F2A1DB01CE}"/>
+              </a:ext>
+            </a:extLst>
+          </p:cNvPr>
+          <p:cNvSpPr>
+            <a:spLocks noGrp="1"/>
+          </p:cNvSpPr>
+          <p:nvPr>
+            <p:ph type="title"/>
+          </p:nvPr>
+        </p:nvSpPr>
+        <p:spPr/>
+        <p:txBody>
+          <a:bodyPr/>
+          <a:lstStyle/>
+          <a:p>
+            <a:endParaRPr kumimoji="1" lang="zh-CN" altLang="en-US"/>
+          </a:p>
+        </p:txBody>
+      </p:sp>
+      <p:sp>
+        <p:nvSpPr>
+          <p:cNvPr id="3" name="内容占位符 2">
+            <a:extLst>
+              <a:ext uri="{FF2B5EF4-FFF2-40B4-BE49-F238E27FC236}">
+                <a16:creationId xmlns:a16="http://schemas.microsoft.com/office/drawing/2014/main" id="{4A11175E-0D3C-0044-9FA2-C3114758A383}"/>
+              </a:ext>
+            </a:extLst>
+          </p:cNvPr>
+          <p:cNvSpPr>
+            <a:spLocks noGrp="1"/>
+          </p:cNvSpPr>
+          <p:nvPr>
+            <p:ph idx="1"/>
+          </p:nvPr>
+        </p:nvSpPr>
+        <p:spPr/>
+        <p:txBody>
+          <a:bodyPr/>
+          <a:lstStyle/>
+          <a:p>
+            <a:r>
+              <a:rPr lang="zh-CN" altLang="en-US" dirty="0"/>
+              <a:t>是指由于某种全局性的因素弓</a:t>
+            </a:r>
+            <a:r>
+              <a:rPr lang="en-US" altLang="zh-CN" dirty="0"/>
+              <a:t>|</a:t>
+            </a:r>
+            <a:r>
+              <a:rPr lang="zh-CN" altLang="en-US" dirty="0"/>
+              <a:t>起的投资收益的可能变动，这些因素来自公司外部，是公司无法控制和回避的。</a:t>
+            </a:r>
+          </a:p>
+          <a:p>
+            <a:br>
+              <a:rPr lang="zh-CN" altLang="en-US" dirty="0"/>
+            </a:br>
+            <a:r>
+              <a:rPr lang="en" altLang="zh-CN" dirty="0"/>
+              <a:t>SWOT</a:t>
+            </a:r>
+            <a:r>
+              <a:rPr lang="zh-CN" altLang="en-US" dirty="0"/>
+              <a:t>分析：优势、劣势、机会、威胁；（</a:t>
+            </a:r>
+            <a:r>
+              <a:rPr lang="en" altLang="zh-CN" dirty="0"/>
+              <a:t>SWOT</a:t>
+            </a:r>
+            <a:r>
+              <a:rPr lang="zh-CN" altLang="en-US" dirty="0"/>
+              <a:t>就不多叙述了，网站内有详细的介绍哦）</a:t>
+            </a:r>
+          </a:p>
+          <a:p>
+            <a:r>
+              <a:rPr lang="zh-CN" altLang="en-US" dirty="0"/>
+              <a:t>风险分析与对策：</a:t>
+            </a:r>
+          </a:p>
+          <a:p>
+            <a:endParaRPr kumimoji="1" lang="zh-CN" altLang="en-US" dirty="0"/>
+          </a:p>
+        </p:txBody>
+      </p:sp>
+    </p:spTree>
+    <p:extLst>
+      <p:ext uri="{BB962C8B-B14F-4D97-AF65-F5344CB8AC3E}">
+        <p14:creationId xmlns:p14="http://schemas.microsoft.com/office/powerpoint/2010/main" val="2039835555"/>
+      </p:ext>
+    </p:extLst>
+  </p:cSld>
+  <p:clrMapOvr>
+    <a:masterClrMapping/>
+  </p:clrMapOvr>
+</p:sld>
+</file>
+
 <file path=ppt/slides/slide23.xml><?xml version="1.0" encoding="utf-8"?>
 <p:sld xmlns:a="http://schemas.openxmlformats.org/drawingml/2006/main" xmlns:r="http://schemas.openxmlformats.org/officeDocument/2006/relationships" xmlns:p="http://schemas.openxmlformats.org/presentationml/2006/main">
   <p:cSld>
@@ -4645,7 +4982,7 @@
           <p:cNvPr id="2" name="标题 1">
             <a:extLst>
               <a:ext uri="{FF2B5EF4-FFF2-40B4-BE49-F238E27FC236}">
-                <a16:creationId xmlns:a16="http://schemas.microsoft.com/office/drawing/2014/main" id="{FBFFB2DF-9685-8641-B89E-D6586CF3FFBF}"/>
+                <a16:creationId xmlns:a16="http://schemas.microsoft.com/office/drawing/2014/main" id="{79CD60C8-E7A8-104A-A244-C5B0225D35EA}"/>
               </a:ext>
             </a:extLst>
           </p:cNvPr>
@@ -4663,36 +5000,139 @@
           <a:p>
             <a:r>
               <a:rPr lang="zh-CN" altLang="en-US" b="1" dirty="0"/>
-              <a:t>风险与对策</a:t>
+              <a:t>市场风险</a:t>
+            </a:r>
+            <a:endParaRPr kumimoji="1" lang="zh-CN" altLang="en-US" dirty="0"/>
+          </a:p>
+        </p:txBody>
+      </p:sp>
+      <p:sp>
+        <p:nvSpPr>
+          <p:cNvPr id="3" name="内容占位符 2">
+            <a:extLst>
+              <a:ext uri="{FF2B5EF4-FFF2-40B4-BE49-F238E27FC236}">
+                <a16:creationId xmlns:a16="http://schemas.microsoft.com/office/drawing/2014/main" id="{E7601B04-DC92-8C4B-957E-90FC055D9EE1}"/>
+              </a:ext>
+            </a:extLst>
+          </p:cNvPr>
+          <p:cNvSpPr>
+            <a:spLocks noGrp="1"/>
+          </p:cNvSpPr>
+          <p:nvPr>
+            <p:ph idx="1"/>
+          </p:nvPr>
+        </p:nvSpPr>
+        <p:spPr/>
+        <p:txBody>
+          <a:bodyPr/>
+          <a:lstStyle/>
+          <a:p>
+            <a:endParaRPr lang="en-US" altLang="zh-CN" dirty="0"/>
+          </a:p>
+          <a:p>
+            <a:r>
+              <a:rPr lang="zh-CN" altLang="en-US" dirty="0"/>
+              <a:t> 房地产行业如果加速衰退</a:t>
+            </a:r>
+            <a:r>
+              <a:rPr lang="en-US" altLang="zh-CN" dirty="0"/>
+              <a:t>,</a:t>
+            </a:r>
+            <a:r>
+              <a:rPr lang="zh-CN" altLang="en-US" dirty="0"/>
+              <a:t>可能造成商城方式的衰退</a:t>
+            </a:r>
+            <a:endParaRPr lang="en-US" altLang="zh-CN" dirty="0"/>
+          </a:p>
+          <a:p>
+            <a:r>
+              <a:rPr lang="zh-CN" altLang="en-US" dirty="0"/>
+              <a:t>但反向保理业务</a:t>
+            </a:r>
+            <a:r>
+              <a:rPr lang="en-US" altLang="zh-CN" dirty="0"/>
+              <a:t>,</a:t>
+            </a:r>
+            <a:r>
+              <a:rPr lang="zh-CN" altLang="en-US" dirty="0"/>
+              <a:t>由于资金问题可能发展较好</a:t>
+            </a:r>
+            <a:r>
+              <a:rPr lang="en-US" altLang="zh-CN" dirty="0"/>
+              <a:t>,</a:t>
+            </a:r>
+            <a:r>
+              <a:rPr lang="zh-CN" altLang="en-US" dirty="0"/>
+              <a:t>但国家对相关资质的限制</a:t>
+            </a:r>
+            <a:r>
+              <a:rPr lang="en-US" altLang="zh-CN" dirty="0"/>
+              <a:t>,</a:t>
+            </a:r>
+            <a:r>
+              <a:rPr lang="zh-CN" altLang="en-US" dirty="0"/>
+              <a:t>无法开展保理和支付相关的业务</a:t>
+            </a:r>
+            <a:r>
+              <a:rPr lang="en-US" altLang="zh-CN" dirty="0"/>
+              <a:t>.</a:t>
+            </a:r>
+          </a:p>
+          <a:p>
+            <a:r>
+              <a:rPr lang="zh-CN" altLang="en-US" dirty="0"/>
+              <a:t>软件方面核心秘密无法长久保密的</a:t>
+            </a:r>
+            <a:r>
+              <a:rPr lang="en-US" altLang="zh-CN" dirty="0"/>
+              <a:t>,</a:t>
+            </a:r>
+            <a:r>
+              <a:rPr lang="zh-CN" altLang="en-US" dirty="0"/>
+              <a:t>如果做的成功</a:t>
+            </a:r>
+            <a:r>
+              <a:rPr lang="en-US" altLang="zh-CN" dirty="0"/>
+              <a:t>,</a:t>
+            </a:r>
+            <a:r>
+              <a:rPr lang="zh-CN" altLang="en-US" dirty="0"/>
+              <a:t>最多一年就会有大量仿品</a:t>
+            </a:r>
+            <a:r>
+              <a:rPr lang="en-US" altLang="zh-CN" dirty="0"/>
+              <a:t>,</a:t>
+            </a:r>
+            <a:r>
+              <a:rPr lang="zh-CN" altLang="en-US" dirty="0"/>
+              <a:t>所以要保证核心资源</a:t>
+            </a:r>
+            <a:endParaRPr lang="en-US" altLang="zh-CN" dirty="0"/>
+          </a:p>
+          <a:p>
+            <a:r>
+              <a:rPr lang="zh-CN" altLang="en-US" dirty="0"/>
+              <a:t>市场上现已存在大量相似的公司</a:t>
+            </a:r>
+            <a:r>
+              <a:rPr lang="en-US" altLang="zh-CN" dirty="0"/>
+              <a:t>,</a:t>
+            </a:r>
+            <a:r>
+              <a:rPr lang="zh-CN" altLang="en-US" dirty="0"/>
+              <a:t>需要 微创新</a:t>
+            </a:r>
+            <a:r>
+              <a:rPr lang="en-US" altLang="zh-CN" dirty="0"/>
+              <a:t>,</a:t>
+            </a:r>
+            <a:r>
+              <a:rPr lang="zh-CN" altLang="en-US" dirty="0"/>
+              <a:t>错位竞争</a:t>
             </a:r>
             <a:br>
-              <a:rPr lang="zh-CN" altLang="en-US" b="1" dirty="0"/>
+              <a:rPr lang="zh-CN" altLang="en-US" dirty="0"/>
             </a:br>
-            <a:endParaRPr kumimoji="1" lang="zh-CN" altLang="en-US" dirty="0"/>
-          </a:p>
-        </p:txBody>
-      </p:sp>
-      <p:sp>
-        <p:nvSpPr>
-          <p:cNvPr id="3" name="内容占位符 2">
-            <a:extLst>
-              <a:ext uri="{FF2B5EF4-FFF2-40B4-BE49-F238E27FC236}">
-                <a16:creationId xmlns:a16="http://schemas.microsoft.com/office/drawing/2014/main" id="{104D793C-D26C-DC49-A4EC-FC0D9AF23F28}"/>
-              </a:ext>
-            </a:extLst>
-          </p:cNvPr>
-          <p:cNvSpPr>
-            <a:spLocks noGrp="1"/>
-          </p:cNvSpPr>
-          <p:nvPr>
-            <p:ph idx="1"/>
-          </p:nvPr>
-        </p:nvSpPr>
-        <p:spPr/>
-        <p:txBody>
-          <a:bodyPr/>
-          <a:lstStyle/>
-          <a:p>
             <a:endParaRPr kumimoji="1" lang="zh-CN" altLang="en-US" dirty="0"/>
           </a:p>
         </p:txBody>
@@ -4700,7 +5140,7 @@
     </p:spTree>
     <p:extLst>
       <p:ext uri="{BB962C8B-B14F-4D97-AF65-F5344CB8AC3E}">
-        <p14:creationId xmlns:p14="http://schemas.microsoft.com/office/powerpoint/2010/main" val="1925169669"/>
+        <p14:creationId xmlns:p14="http://schemas.microsoft.com/office/powerpoint/2010/main" val="784101920"/>
       </p:ext>
     </p:extLst>
   </p:cSld>
@@ -4732,7 +5172,7 @@
           <p:cNvPr id="2" name="标题 1">
             <a:extLst>
               <a:ext uri="{FF2B5EF4-FFF2-40B4-BE49-F238E27FC236}">
-                <a16:creationId xmlns:a16="http://schemas.microsoft.com/office/drawing/2014/main" id="{C1A280A4-79E7-8545-911E-50F2A1DB01CE}"/>
+                <a16:creationId xmlns:a16="http://schemas.microsoft.com/office/drawing/2014/main" id="{3C067899-8C71-3C47-9970-BF2584B5CDA3}"/>
               </a:ext>
             </a:extLst>
           </p:cNvPr>
@@ -4748,7 +5188,11 @@
           <a:bodyPr/>
           <a:lstStyle/>
           <a:p>
-            <a:endParaRPr kumimoji="1" lang="zh-CN" altLang="en-US"/>
+            <a:r>
+              <a:rPr lang="zh-CN" altLang="en-US" b="1" dirty="0"/>
+              <a:t>技术风险</a:t>
+            </a:r>
+            <a:endParaRPr kumimoji="1" lang="zh-CN" altLang="en-US" dirty="0"/>
           </a:p>
         </p:txBody>
       </p:sp>
@@ -4757,7 +5201,7 @@
           <p:cNvPr id="3" name="内容占位符 2">
             <a:extLst>
               <a:ext uri="{FF2B5EF4-FFF2-40B4-BE49-F238E27FC236}">
-                <a16:creationId xmlns:a16="http://schemas.microsoft.com/office/drawing/2014/main" id="{4A11175E-0D3C-0044-9FA2-C3114758A383}"/>
+                <a16:creationId xmlns:a16="http://schemas.microsoft.com/office/drawing/2014/main" id="{D3C387C4-7BB7-664D-BD6E-8A55569BBAE6}"/>
               </a:ext>
             </a:extLst>
           </p:cNvPr>
@@ -4773,47 +5217,39 @@
           <a:bodyPr/>
           <a:lstStyle/>
           <a:p>
+            <a:endParaRPr lang="en-US" altLang="zh-CN" dirty="0"/>
+          </a:p>
+          <a:p>
             <a:r>
               <a:rPr lang="zh-CN" altLang="en-US" dirty="0"/>
-              <a:t>是指由于某种全局性的因素弓</a:t>
+              <a:t>建材</a:t>
             </a:r>
             <a:r>
               <a:rPr lang="en-US" altLang="zh-CN" dirty="0"/>
-              <a:t>|</a:t>
+              <a:t>B2B</a:t>
             </a:r>
             <a:r>
               <a:rPr lang="zh-CN" altLang="en-US" dirty="0"/>
-              <a:t>起的投资收益的可能变动，这些因素来自公司外部，是公司无法控制和回避的。</a:t>
-            </a:r>
-          </a:p>
-          <a:p>
+              <a:t>业务了解不深刻</a:t>
+            </a:r>
+            <a:r>
+              <a:rPr lang="en-US" altLang="zh-CN" dirty="0"/>
+              <a:t>,</a:t>
+            </a:r>
+            <a:r>
+              <a:rPr lang="zh-CN" altLang="en-US" dirty="0"/>
+              <a:t>可能作出产品与设想差别太大</a:t>
+            </a:r>
+            <a:endParaRPr lang="en-US" altLang="zh-CN" dirty="0"/>
+          </a:p>
+          <a:p>
+            <a:r>
+              <a:rPr lang="zh-CN" altLang="en-US" dirty="0"/>
+              <a:t>业务可能出现无法在规定时间内完成初始版本的情况</a:t>
+            </a:r>
             <a:br>
               <a:rPr lang="zh-CN" altLang="en-US" dirty="0"/>
             </a:br>
-            <a:r>
-              <a:rPr lang="en" altLang="zh-CN" dirty="0"/>
-              <a:t>SWOT</a:t>
-            </a:r>
-            <a:r>
-              <a:rPr lang="zh-CN" altLang="en-US" dirty="0"/>
-              <a:t>分析：优势、劣势、机会、威胁；（</a:t>
-            </a:r>
-            <a:r>
-              <a:rPr lang="en" altLang="zh-CN" dirty="0"/>
-              <a:t>SWOT</a:t>
-            </a:r>
-            <a:r>
-              <a:rPr lang="zh-CN" altLang="en-US" dirty="0"/>
-              <a:t>就不多叙述了，网站内有详细的介绍哦）</a:t>
-            </a:r>
-          </a:p>
-          <a:p>
-            <a:r>
-              <a:rPr lang="zh-CN" altLang="en-US" dirty="0"/>
-              <a:t>风险分析与对策：</a:t>
-            </a:r>
-          </a:p>
-          <a:p>
             <a:endParaRPr kumimoji="1" lang="zh-CN" altLang="en-US" dirty="0"/>
           </a:p>
         </p:txBody>
@@ -4821,7 +5257,7 @@
     </p:spTree>
     <p:extLst>
       <p:ext uri="{BB962C8B-B14F-4D97-AF65-F5344CB8AC3E}">
-        <p14:creationId xmlns:p14="http://schemas.microsoft.com/office/powerpoint/2010/main" val="2039835555"/>
+        <p14:creationId xmlns:p14="http://schemas.microsoft.com/office/powerpoint/2010/main" val="1375993471"/>
       </p:ext>
     </p:extLst>
   </p:cSld>
@@ -4853,200 +5289,6 @@
           <p:cNvPr id="2" name="标题 1">
             <a:extLst>
               <a:ext uri="{FF2B5EF4-FFF2-40B4-BE49-F238E27FC236}">
-                <a16:creationId xmlns:a16="http://schemas.microsoft.com/office/drawing/2014/main" id="{79CD60C8-E7A8-104A-A244-C5B0225D35EA}"/>
-              </a:ext>
-            </a:extLst>
-          </p:cNvPr>
-          <p:cNvSpPr>
-            <a:spLocks noGrp="1"/>
-          </p:cNvSpPr>
-          <p:nvPr>
-            <p:ph type="title"/>
-          </p:nvPr>
-        </p:nvSpPr>
-        <p:spPr/>
-        <p:txBody>
-          <a:bodyPr/>
-          <a:lstStyle/>
-          <a:p>
-            <a:r>
-              <a:rPr lang="zh-CN" altLang="en-US" b="1" dirty="0"/>
-              <a:t>市场风险</a:t>
-            </a:r>
-            <a:endParaRPr kumimoji="1" lang="zh-CN" altLang="en-US" dirty="0"/>
-          </a:p>
-        </p:txBody>
-      </p:sp>
-      <p:sp>
-        <p:nvSpPr>
-          <p:cNvPr id="3" name="内容占位符 2">
-            <a:extLst>
-              <a:ext uri="{FF2B5EF4-FFF2-40B4-BE49-F238E27FC236}">
-                <a16:creationId xmlns:a16="http://schemas.microsoft.com/office/drawing/2014/main" id="{E7601B04-DC92-8C4B-957E-90FC055D9EE1}"/>
-              </a:ext>
-            </a:extLst>
-          </p:cNvPr>
-          <p:cNvSpPr>
-            <a:spLocks noGrp="1"/>
-          </p:cNvSpPr>
-          <p:nvPr>
-            <p:ph idx="1"/>
-          </p:nvPr>
-        </p:nvSpPr>
-        <p:spPr/>
-        <p:txBody>
-          <a:bodyPr/>
-          <a:lstStyle/>
-          <a:p>
-            <a:r>
-              <a:rPr lang="zh-CN" altLang="en-US" dirty="0"/>
-              <a:t>是指由于某种全局性的因素弓</a:t>
-            </a:r>
-            <a:r>
-              <a:rPr lang="en-US" altLang="zh-CN" dirty="0"/>
-              <a:t>|</a:t>
-            </a:r>
-            <a:r>
-              <a:rPr lang="zh-CN" altLang="en-US" dirty="0"/>
-              <a:t>起的投资收益的可能变动，这些因素来自公司外部，是公司无法控制和回避的。</a:t>
-            </a:r>
-          </a:p>
-          <a:p>
-            <a:br>
-              <a:rPr lang="zh-CN" altLang="en-US" dirty="0"/>
-            </a:br>
-            <a:endParaRPr kumimoji="1" lang="zh-CN" altLang="en-US" dirty="0"/>
-          </a:p>
-        </p:txBody>
-      </p:sp>
-    </p:spTree>
-    <p:extLst>
-      <p:ext uri="{BB962C8B-B14F-4D97-AF65-F5344CB8AC3E}">
-        <p14:creationId xmlns:p14="http://schemas.microsoft.com/office/powerpoint/2010/main" val="784101920"/>
-      </p:ext>
-    </p:extLst>
-  </p:cSld>
-  <p:clrMapOvr>
-    <a:masterClrMapping/>
-  </p:clrMapOvr>
-</p:sld>
-</file>
-
-<file path=ppt/slides/slide26.xml><?xml version="1.0" encoding="utf-8"?>
-<p:sld xmlns:a="http://schemas.openxmlformats.org/drawingml/2006/main" xmlns:r="http://schemas.openxmlformats.org/officeDocument/2006/relationships" xmlns:p="http://schemas.openxmlformats.org/presentationml/2006/main">
-  <p:cSld>
-    <p:spTree>
-      <p:nvGrpSpPr>
-        <p:cNvPr id="1" name=""/>
-        <p:cNvGrpSpPr/>
-        <p:nvPr/>
-      </p:nvGrpSpPr>
-      <p:grpSpPr>
-        <a:xfrm>
-          <a:off x="0" y="0"/>
-          <a:ext cx="0" cy="0"/>
-          <a:chOff x="0" y="0"/>
-          <a:chExt cx="0" cy="0"/>
-        </a:xfrm>
-      </p:grpSpPr>
-      <p:sp>
-        <p:nvSpPr>
-          <p:cNvPr id="2" name="标题 1">
-            <a:extLst>
-              <a:ext uri="{FF2B5EF4-FFF2-40B4-BE49-F238E27FC236}">
-                <a16:creationId xmlns:a16="http://schemas.microsoft.com/office/drawing/2014/main" id="{3C067899-8C71-3C47-9970-BF2584B5CDA3}"/>
-              </a:ext>
-            </a:extLst>
-          </p:cNvPr>
-          <p:cNvSpPr>
-            <a:spLocks noGrp="1"/>
-          </p:cNvSpPr>
-          <p:nvPr>
-            <p:ph type="title"/>
-          </p:nvPr>
-        </p:nvSpPr>
-        <p:spPr/>
-        <p:txBody>
-          <a:bodyPr/>
-          <a:lstStyle/>
-          <a:p>
-            <a:r>
-              <a:rPr lang="zh-CN" altLang="en-US" b="1" dirty="0"/>
-              <a:t>技术风险</a:t>
-            </a:r>
-            <a:endParaRPr kumimoji="1" lang="zh-CN" altLang="en-US" dirty="0"/>
-          </a:p>
-        </p:txBody>
-      </p:sp>
-      <p:sp>
-        <p:nvSpPr>
-          <p:cNvPr id="3" name="内容占位符 2">
-            <a:extLst>
-              <a:ext uri="{FF2B5EF4-FFF2-40B4-BE49-F238E27FC236}">
-                <a16:creationId xmlns:a16="http://schemas.microsoft.com/office/drawing/2014/main" id="{D3C387C4-7BB7-664D-BD6E-8A55569BBAE6}"/>
-              </a:ext>
-            </a:extLst>
-          </p:cNvPr>
-          <p:cNvSpPr>
-            <a:spLocks noGrp="1"/>
-          </p:cNvSpPr>
-          <p:nvPr>
-            <p:ph idx="1"/>
-          </p:nvPr>
-        </p:nvSpPr>
-        <p:spPr/>
-        <p:txBody>
-          <a:bodyPr/>
-          <a:lstStyle/>
-          <a:p>
-            <a:r>
-              <a:rPr lang="zh-CN" altLang="en-US" dirty="0"/>
-              <a:t>技术风险主要是指在产品开发的过程中。即使做出了最大限度的努力，但由于企业的认知水平，技术水平和科学技术等其他现有条件的限制，现在仍然发生了无法预见，无法克服的技术困难而导致产品失败的可能性</a:t>
-            </a:r>
-          </a:p>
-          <a:p>
-            <a:br>
-              <a:rPr lang="zh-CN" altLang="en-US" dirty="0"/>
-            </a:br>
-            <a:endParaRPr kumimoji="1" lang="zh-CN" altLang="en-US" dirty="0"/>
-          </a:p>
-        </p:txBody>
-      </p:sp>
-    </p:spTree>
-    <p:extLst>
-      <p:ext uri="{BB962C8B-B14F-4D97-AF65-F5344CB8AC3E}">
-        <p14:creationId xmlns:p14="http://schemas.microsoft.com/office/powerpoint/2010/main" val="1375993471"/>
-      </p:ext>
-    </p:extLst>
-  </p:cSld>
-  <p:clrMapOvr>
-    <a:masterClrMapping/>
-  </p:clrMapOvr>
-</p:sld>
-</file>
-
-<file path=ppt/slides/slide27.xml><?xml version="1.0" encoding="utf-8"?>
-<p:sld xmlns:a="http://schemas.openxmlformats.org/drawingml/2006/main" xmlns:r="http://schemas.openxmlformats.org/officeDocument/2006/relationships" xmlns:p="http://schemas.openxmlformats.org/presentationml/2006/main">
-  <p:cSld>
-    <p:spTree>
-      <p:nvGrpSpPr>
-        <p:cNvPr id="1" name=""/>
-        <p:cNvGrpSpPr/>
-        <p:nvPr/>
-      </p:nvGrpSpPr>
-      <p:grpSpPr>
-        <a:xfrm>
-          <a:off x="0" y="0"/>
-          <a:ext cx="0" cy="0"/>
-          <a:chOff x="0" y="0"/>
-          <a:chExt cx="0" cy="0"/>
-        </a:xfrm>
-      </p:grpSpPr>
-      <p:sp>
-        <p:nvSpPr>
-          <p:cNvPr id="2" name="标题 1">
-            <a:extLst>
-              <a:ext uri="{FF2B5EF4-FFF2-40B4-BE49-F238E27FC236}">
                 <a16:creationId xmlns:a16="http://schemas.microsoft.com/office/drawing/2014/main" id="{843DA5B6-BDD2-C74F-A4DF-1845E48C37A6}"/>
               </a:ext>
             </a:extLst>
@@ -5094,18 +5336,42 @@
           <a:p>
             <a:r>
               <a:rPr lang="zh-CN" altLang="en-US" dirty="0"/>
-              <a:t>是指企业由于不同的资本结构而对企业投资者的收益产生的不确定影响。财务风险来源于企业资金利润率和接入资金利息率差额上的不确定因素以及借入资金与自有资金的比例的大小。借入资金比例越大，风险程度越大</a:t>
+              <a:t>如果项目无法在半年内跑通业务模型</a:t>
             </a:r>
             <a:r>
               <a:rPr lang="en-US" altLang="zh-CN" dirty="0"/>
-              <a:t>;</a:t>
+              <a:t>,</a:t>
             </a:r>
             <a:r>
               <a:rPr lang="zh-CN" altLang="en-US" dirty="0"/>
-              <a:t>反之则越小。</a:t>
-            </a:r>
-          </a:p>
-          <a:p>
+              <a:t>一年内实现收支平衡则由于员工工资的持续消耗</a:t>
+            </a:r>
+            <a:r>
+              <a:rPr lang="en-US" altLang="zh-CN" dirty="0"/>
+              <a:t>,</a:t>
+            </a:r>
+            <a:r>
+              <a:rPr lang="zh-CN" altLang="en-US" dirty="0"/>
+              <a:t>很快就会资金枯竭</a:t>
+            </a:r>
+            <a:endParaRPr lang="en-US" altLang="zh-CN" dirty="0"/>
+          </a:p>
+          <a:p>
+            <a:endParaRPr lang="en-US" altLang="zh-CN" dirty="0"/>
+          </a:p>
+          <a:p>
+            <a:r>
+              <a:rPr lang="zh-CN" altLang="en-US" dirty="0"/>
+              <a:t>外部环境开始进入资本寒冬</a:t>
+            </a:r>
+            <a:r>
+              <a:rPr lang="en-US" altLang="zh-CN" dirty="0"/>
+              <a:t>,</a:t>
+            </a:r>
+            <a:r>
+              <a:rPr lang="zh-CN" altLang="en-US" dirty="0"/>
+              <a:t>融资可能会出现一定困难</a:t>
+            </a:r>
             <a:br>
               <a:rPr lang="zh-CN" altLang="en-US" dirty="0"/>
             </a:br>
@@ -5148,7 +5414,7 @@
           <p:cNvPr id="2" name="标题 1">
             <a:extLst>
               <a:ext uri="{FF2B5EF4-FFF2-40B4-BE49-F238E27FC236}">
-                <a16:creationId xmlns:a16="http://schemas.microsoft.com/office/drawing/2014/main" id="{5E70EE25-3214-D445-AAF7-A92C2441725C}"/>
+                <a16:creationId xmlns:a16="http://schemas.microsoft.com/office/drawing/2014/main" id="{8319EFF8-32DB-6D49-A8F3-DF35C928FFD3}"/>
               </a:ext>
             </a:extLst>
           </p:cNvPr>
@@ -5161,16 +5427,10 @@
         </p:nvSpPr>
         <p:spPr/>
         <p:txBody>
-          <a:bodyPr>
-            <a:normAutofit/>
-          </a:bodyPr>
-          <a:lstStyle/>
-          <a:p>
-            <a:r>
-              <a:rPr lang="zh-CN" altLang="en-US" b="1" dirty="0"/>
-              <a:t>行业背景和现状</a:t>
-            </a:r>
-            <a:endParaRPr kumimoji="1" lang="zh-CN" altLang="en-US" dirty="0"/>
+          <a:bodyPr/>
+          <a:lstStyle/>
+          <a:p>
+            <a:endParaRPr kumimoji="1" lang="zh-CN" altLang="en-US"/>
           </a:p>
         </p:txBody>
       </p:sp>
@@ -5179,7 +5439,7 @@
           <p:cNvPr id="3" name="内容占位符 2">
             <a:extLst>
               <a:ext uri="{FF2B5EF4-FFF2-40B4-BE49-F238E27FC236}">
-                <a16:creationId xmlns:a16="http://schemas.microsoft.com/office/drawing/2014/main" id="{3B8276E2-5506-0A4F-83F8-1361278F2DB8}"/>
+                <a16:creationId xmlns:a16="http://schemas.microsoft.com/office/drawing/2014/main" id="{383CDE2A-9793-134C-AEAC-5161543CFDED}"/>
               </a:ext>
             </a:extLst>
           </p:cNvPr>
@@ -5196,14 +5456,53 @@
           <a:lstStyle/>
           <a:p>
             <a:r>
-              <a:rPr lang="zh-CN" altLang="en-US" dirty="0"/>
-              <a:t>行业背景的数据来源必须要准确，并且最好具有权威性，可以在艾瑞网，国家统计局等比较专业的数据网站进行查询。行业背景和现状这个板块主要包括对行业简单的介绍、行业目前的市场特征、写出当前行业下对企业所产生的影响，具体分析一下行业目前的现状，可以适当的添加一下自己的（客观的）见解。</a:t>
-            </a:r>
-          </a:p>
-          <a:p>
-            <a:br>
-              <a:rPr lang="zh-CN" altLang="en-US" dirty="0"/>
-            </a:br>
+              <a:rPr kumimoji="1" lang="zh-CN" altLang="en-US" dirty="0"/>
+              <a:t>建材类商城</a:t>
+            </a:r>
+            <a:r>
+              <a:rPr kumimoji="1" lang="en-US" altLang="zh-CN" dirty="0"/>
+              <a:t>(</a:t>
+            </a:r>
+            <a:r>
+              <a:rPr kumimoji="1" lang="zh-CN" altLang="en-US" dirty="0"/>
+              <a:t>核心在支付</a:t>
+            </a:r>
+            <a:r>
+              <a:rPr kumimoji="1" lang="en-US" altLang="zh-CN" dirty="0"/>
+              <a:t>)</a:t>
+            </a:r>
+          </a:p>
+          <a:p>
+            <a:r>
+              <a:rPr kumimoji="1" lang="zh-CN" altLang="en-US" dirty="0"/>
+              <a:t>招投标</a:t>
+            </a:r>
+            <a:r>
+              <a:rPr kumimoji="1" lang="en-US" altLang="zh-CN" dirty="0"/>
+              <a:t>(</a:t>
+            </a:r>
+            <a:r>
+              <a:rPr kumimoji="1" lang="zh-CN" altLang="en-US" dirty="0"/>
+              <a:t>邀请核心企业进行招标</a:t>
+            </a:r>
+            <a:r>
+              <a:rPr kumimoji="1" lang="en-US" altLang="zh-CN" dirty="0"/>
+              <a:t>)</a:t>
+            </a:r>
+          </a:p>
+          <a:p>
+            <a:r>
+              <a:rPr kumimoji="1" lang="en" altLang="zh-CN" dirty="0"/>
+              <a:t>http://</a:t>
+            </a:r>
+            <a:r>
+              <a:rPr kumimoji="1" lang="en" altLang="zh-CN" dirty="0" err="1"/>
+              <a:t>www.zhaojiancai.com</a:t>
+            </a:r>
+            <a:r>
+              <a:rPr kumimoji="1" lang="en" altLang="zh-CN" dirty="0"/>
+              <a:t>/</a:t>
+            </a:r>
             <a:endParaRPr kumimoji="1" lang="zh-CN" altLang="en-US" dirty="0"/>
           </a:p>
         </p:txBody>
@@ -5211,7 +5510,7 @@
     </p:spTree>
     <p:extLst>
       <p:ext uri="{BB962C8B-B14F-4D97-AF65-F5344CB8AC3E}">
-        <p14:creationId xmlns:p14="http://schemas.microsoft.com/office/powerpoint/2010/main" val="2510275576"/>
+        <p14:creationId xmlns:p14="http://schemas.microsoft.com/office/powerpoint/2010/main" val="984303370"/>
       </p:ext>
     </p:extLst>
   </p:cSld>
@@ -5243,7 +5542,7 @@
           <p:cNvPr id="2" name="标题 1">
             <a:extLst>
               <a:ext uri="{FF2B5EF4-FFF2-40B4-BE49-F238E27FC236}">
-                <a16:creationId xmlns:a16="http://schemas.microsoft.com/office/drawing/2014/main" id="{CBE62D40-B66F-AB4F-82CF-CADE1DBBC493}"/>
+                <a16:creationId xmlns:a16="http://schemas.microsoft.com/office/drawing/2014/main" id="{31618B1B-EA98-B448-A37C-65CCD989A640}"/>
               </a:ext>
             </a:extLst>
           </p:cNvPr>
@@ -5259,19 +5558,7 @@
           <a:bodyPr/>
           <a:lstStyle/>
           <a:p>
-            <a:r>
-              <a:rPr lang="zh-CN" altLang="en-US" b="1" dirty="0"/>
-              <a:t>商业价值</a:t>
-            </a:r>
-            <a:r>
-              <a:rPr lang="en-US" altLang="zh-CN" b="1" dirty="0"/>
-              <a:t>/</a:t>
-            </a:r>
-            <a:r>
-              <a:rPr lang="zh-CN" altLang="en-US" b="1" dirty="0"/>
-              <a:t>市场规模</a:t>
-            </a:r>
-            <a:endParaRPr kumimoji="1" lang="zh-CN" altLang="en-US" dirty="0"/>
+            <a:endParaRPr kumimoji="1" lang="zh-CN" altLang="en-US"/>
           </a:p>
         </p:txBody>
       </p:sp>
@@ -5280,7 +5567,7 @@
           <p:cNvPr id="3" name="内容占位符 2">
             <a:extLst>
               <a:ext uri="{FF2B5EF4-FFF2-40B4-BE49-F238E27FC236}">
-                <a16:creationId xmlns:a16="http://schemas.microsoft.com/office/drawing/2014/main" id="{EF1711A4-591D-DF45-8987-610E4E6CE652}"/>
+                <a16:creationId xmlns:a16="http://schemas.microsoft.com/office/drawing/2014/main" id="{6B31D3BD-CE0D-8D43-888F-5DAD0267AE5B}"/>
               </a:ext>
             </a:extLst>
           </p:cNvPr>
@@ -5293,18 +5580,73 @@
         </p:nvSpPr>
         <p:spPr/>
         <p:txBody>
-          <a:bodyPr/>
+          <a:bodyPr>
+            <a:normAutofit fontScale="85000" lnSpcReduction="20000"/>
+          </a:bodyPr>
           <a:lstStyle/>
           <a:p>
             <a:r>
               <a:rPr lang="zh-CN" altLang="en-US" dirty="0"/>
-              <a:t>商业价值是针对自己的产品，结合当前市场现状来具体分析自己的产品是否有盈利的空间，能否有杀出市场的潜力。这里主要针对自己的产品来进行具体的分析。</a:t>
-            </a:r>
-          </a:p>
-          <a:p>
-            <a:br>
+              <a:t>其实在</a:t>
+            </a:r>
+            <a:r>
+              <a:rPr lang="en" altLang="zh-CN" dirty="0"/>
+              <a:t>B2B</a:t>
+            </a:r>
+            <a:r>
               <a:rPr lang="zh-CN" altLang="en-US" dirty="0"/>
-            </a:br>
+              <a:t>行业内，找钢网上市应该算无人不知无人不晓，找钢网从最开始的钢铁交易平台，慢慢做到走出国门，甚至在今年拿到国家主权基金“中俄投资基金”的投资，成为</a:t>
+            </a:r>
+            <a:r>
+              <a:rPr lang="en-US" altLang="zh-CN" dirty="0"/>
+              <a:t>500</a:t>
+            </a:r>
+            <a:r>
+              <a:rPr lang="zh-CN" altLang="en-US" dirty="0"/>
+              <a:t>强企业，一波过一波真让人大开眼界，真正实现开挂式企业里程碑。</a:t>
+            </a:r>
+          </a:p>
+          <a:p>
+            <a:r>
+              <a:rPr lang="zh-CN" altLang="en-US" dirty="0"/>
+              <a:t>所以，我特别想谈谈找钢网上市的影响力这个问题，作为一个累计融资金额超过</a:t>
+            </a:r>
+            <a:r>
+              <a:rPr lang="en-US" altLang="zh-CN" dirty="0"/>
+              <a:t>20</a:t>
+            </a:r>
+            <a:r>
+              <a:rPr lang="zh-CN" altLang="en-US" dirty="0"/>
+              <a:t>亿元人民币的钢材行业</a:t>
+            </a:r>
+            <a:r>
+              <a:rPr lang="en" altLang="zh-CN" dirty="0"/>
+              <a:t>B2B</a:t>
+            </a:r>
+            <a:r>
+              <a:rPr lang="zh-CN" altLang="en-US" dirty="0"/>
+              <a:t>平台，找钢网的影响力到底有多大？</a:t>
+            </a:r>
+          </a:p>
+          <a:p>
+            <a:r>
+              <a:rPr lang="zh-CN" altLang="en-US" dirty="0"/>
+              <a:t>就像江湖传言那样，你要看一个事物的影响力有多大，就看山寨它的人有多少。</a:t>
+            </a:r>
+          </a:p>
+          <a:p>
+            <a:r>
+              <a:rPr lang="zh-CN" altLang="en-US" dirty="0"/>
+              <a:t>找钢网自创立以来，到现在成为全国最大的钢铁电商平台，它所创建的找钢网上市模式被三百多家钢铁电商所模仿，不仅如此，它还影响了众多大宗商品行业，什么找塑料网、找纸浆网、找化工网等相继出现，这么看来，找钢网俨然就是国内“找字辈”电商的鼻祖。</a:t>
+            </a:r>
+          </a:p>
+          <a:p>
+            <a:r>
+              <a:rPr lang="zh-CN" altLang="en-US" dirty="0"/>
+              <a:t>所有。商业转载请联系作者获得授权，非商业转载请注明出处。</a:t>
+            </a:r>
+          </a:p>
+          <a:p>
             <a:endParaRPr kumimoji="1" lang="zh-CN" altLang="en-US" dirty="0"/>
           </a:p>
         </p:txBody>
@@ -5312,7 +5654,7 @@
     </p:spTree>
     <p:extLst>
       <p:ext uri="{BB962C8B-B14F-4D97-AF65-F5344CB8AC3E}">
-        <p14:creationId xmlns:p14="http://schemas.microsoft.com/office/powerpoint/2010/main" val="1055695383"/>
+        <p14:creationId xmlns:p14="http://schemas.microsoft.com/office/powerpoint/2010/main" val="488665616"/>
       </p:ext>
     </p:extLst>
   </p:cSld>
@@ -5344,7 +5686,7 @@
           <p:cNvPr id="2" name="标题 1">
             <a:extLst>
               <a:ext uri="{FF2B5EF4-FFF2-40B4-BE49-F238E27FC236}">
-                <a16:creationId xmlns:a16="http://schemas.microsoft.com/office/drawing/2014/main" id="{2930CF88-FA1C-A647-829B-FC76185C2087}"/>
+                <a16:creationId xmlns:a16="http://schemas.microsoft.com/office/drawing/2014/main" id="{57DECFA4-9EAF-104A-9D10-217FD7956C01}"/>
               </a:ext>
             </a:extLst>
           </p:cNvPr>
@@ -5362,7 +5704,7 @@
           <a:p>
             <a:r>
               <a:rPr lang="zh-CN" altLang="en-US" b="1" dirty="0"/>
-              <a:t>用户需求</a:t>
+              <a:t>行业背景和现状</a:t>
             </a:r>
             <a:endParaRPr kumimoji="1" lang="zh-CN" altLang="en-US" dirty="0"/>
           </a:p>
@@ -5370,42 +5712,25 @@
       </p:sp>
       <p:sp>
         <p:nvSpPr>
-          <p:cNvPr id="3" name="内容占位符 2">
-            <a:extLst>
-              <a:ext uri="{FF2B5EF4-FFF2-40B4-BE49-F238E27FC236}">
-                <a16:creationId xmlns:a16="http://schemas.microsoft.com/office/drawing/2014/main" id="{AB50EC53-EBDE-BD4C-A879-C6888A5A46EC}"/>
-              </a:ext>
-            </a:extLst>
-          </p:cNvPr>
-          <p:cNvSpPr>
-            <a:spLocks noGrp="1"/>
-          </p:cNvSpPr>
-          <p:nvPr>
-            <p:ph idx="1"/>
-          </p:nvPr>
-        </p:nvSpPr>
-        <p:spPr/>
-        <p:txBody>
-          <a:bodyPr/>
-          <a:lstStyle/>
-          <a:p>
-            <a:r>
-              <a:rPr lang="zh-CN" altLang="en-US" dirty="0"/>
-              <a:t>针对产品和对应的市场进行用户分析，主要通过数据的分析得出该市场的用户具有什么特征，有什么需求痛点，整体用户需求侧重什么方面等用户研究的分析，如有需要，可以描绘三至五个用户画像，直观的构建产品</a:t>
-            </a:r>
-            <a:r>
-              <a:rPr lang="en-US" altLang="zh-CN" dirty="0"/>
-              <a:t>/</a:t>
-            </a:r>
-            <a:r>
-              <a:rPr lang="zh-CN" altLang="en-US" dirty="0"/>
-              <a:t>该市场的用户特征。</a:t>
-            </a:r>
-          </a:p>
-          <a:p>
-            <a:br>
-              <a:rPr lang="zh-CN" altLang="en-US" dirty="0"/>
-            </a:br>
+          <p:cNvPr id="3" name="文本占位符 2">
+            <a:extLst>
+              <a:ext uri="{FF2B5EF4-FFF2-40B4-BE49-F238E27FC236}">
+                <a16:creationId xmlns:a16="http://schemas.microsoft.com/office/drawing/2014/main" id="{43A82C6E-CD11-5042-B487-293163A3AFC9}"/>
+              </a:ext>
+            </a:extLst>
+          </p:cNvPr>
+          <p:cNvSpPr>
+            <a:spLocks noGrp="1"/>
+          </p:cNvSpPr>
+          <p:nvPr>
+            <p:ph type="body" idx="1"/>
+          </p:nvPr>
+        </p:nvSpPr>
+        <p:spPr/>
+        <p:txBody>
+          <a:bodyPr/>
+          <a:lstStyle/>
+          <a:p>
             <a:endParaRPr kumimoji="1" lang="zh-CN" altLang="en-US" dirty="0"/>
           </a:p>
         </p:txBody>
@@ -5413,7 +5738,7 @@
     </p:spTree>
     <p:extLst>
       <p:ext uri="{BB962C8B-B14F-4D97-AF65-F5344CB8AC3E}">
-        <p14:creationId xmlns:p14="http://schemas.microsoft.com/office/powerpoint/2010/main" val="2249272251"/>
+        <p14:creationId xmlns:p14="http://schemas.microsoft.com/office/powerpoint/2010/main" val="1859477890"/>
       </p:ext>
     </p:extLst>
   </p:cSld>
@@ -5445,7 +5770,7 @@
           <p:cNvPr id="2" name="标题 1">
             <a:extLst>
               <a:ext uri="{FF2B5EF4-FFF2-40B4-BE49-F238E27FC236}">
-                <a16:creationId xmlns:a16="http://schemas.microsoft.com/office/drawing/2014/main" id="{F9E71D09-1414-594E-85FE-3469ED6AD5E4}"/>
+                <a16:creationId xmlns:a16="http://schemas.microsoft.com/office/drawing/2014/main" id="{C1AAB01C-1E47-484C-96C1-3C1A14F93DDE}"/>
               </a:ext>
             </a:extLst>
           </p:cNvPr>
@@ -5456,57 +5781,232 @@
             <p:ph type="title"/>
           </p:nvPr>
         </p:nvSpPr>
-        <p:spPr/>
-        <p:txBody>
-          <a:bodyPr/>
-          <a:lstStyle/>
-          <a:p>
-            <a:r>
-              <a:rPr lang="zh-CN" altLang="en-US" b="1" dirty="0"/>
-              <a:t>盈利模式</a:t>
-            </a:r>
-            <a:endParaRPr kumimoji="1" lang="zh-CN" altLang="en-US" dirty="0"/>
-          </a:p>
-        </p:txBody>
-      </p:sp>
-      <p:sp>
-        <p:nvSpPr>
-          <p:cNvPr id="3" name="内容占位符 2">
-            <a:extLst>
-              <a:ext uri="{FF2B5EF4-FFF2-40B4-BE49-F238E27FC236}">
-                <a16:creationId xmlns:a16="http://schemas.microsoft.com/office/drawing/2014/main" id="{CAD88F9A-203B-B94D-9F68-77FA24F3A4E8}"/>
-              </a:ext>
-            </a:extLst>
-          </p:cNvPr>
-          <p:cNvSpPr>
-            <a:spLocks noGrp="1"/>
-          </p:cNvSpPr>
+        <p:spPr>
+          <a:xfrm>
+            <a:off x="839789" y="642135"/>
+            <a:ext cx="8910386" cy="827070"/>
+          </a:xfrm>
+        </p:spPr>
+        <p:txBody>
+          <a:bodyPr/>
+          <a:lstStyle/>
+          <a:p>
+            <a:r>
+              <a:rPr kumimoji="1" lang="zh-CN" altLang="en-US" b="1" dirty="0"/>
+              <a:t>房地产投资稳步增长</a:t>
+            </a:r>
+          </a:p>
+        </p:txBody>
+      </p:sp>
+      <p:sp>
+        <p:nvSpPr>
+          <p:cNvPr id="4" name="文本占位符 3">
+            <a:extLst>
+              <a:ext uri="{FF2B5EF4-FFF2-40B4-BE49-F238E27FC236}">
+                <a16:creationId xmlns:a16="http://schemas.microsoft.com/office/drawing/2014/main" id="{ECFBFCFB-A466-2E46-B78B-E3F72C836569}"/>
+              </a:ext>
+            </a:extLst>
+          </p:cNvPr>
+          <p:cNvSpPr>
+            <a:spLocks noGrp="1"/>
+          </p:cNvSpPr>
+          <p:nvPr>
+            <p:ph type="body" sz="half" idx="2"/>
+          </p:nvPr>
+        </p:nvSpPr>
+        <p:spPr>
+          <a:xfrm>
+            <a:off x="839789" y="2057400"/>
+            <a:ext cx="3074666" cy="3811588"/>
+          </a:xfrm>
+        </p:spPr>
+        <p:txBody>
+          <a:bodyPr/>
+          <a:lstStyle/>
+          <a:p>
+            <a:r>
+              <a:rPr kumimoji="1" lang="zh-CN" altLang="en-US" dirty="0">
+                <a:latin typeface="+mn-ea"/>
+              </a:rPr>
+              <a:t>国家统计局数据显示</a:t>
+            </a:r>
+            <a:r>
+              <a:rPr kumimoji="1" lang="en-US" altLang="zh-CN" dirty="0">
+                <a:latin typeface="+mn-ea"/>
+              </a:rPr>
+              <a:t>,2020</a:t>
+            </a:r>
+            <a:r>
+              <a:rPr kumimoji="1" lang="zh-CN" altLang="en-US" dirty="0">
+                <a:latin typeface="+mn-ea"/>
+              </a:rPr>
+              <a:t>年初因为疫情出现房地产投资一定程度下降</a:t>
+            </a:r>
+            <a:r>
+              <a:rPr kumimoji="1" lang="en-US" altLang="zh-CN" dirty="0">
+                <a:latin typeface="+mn-ea"/>
+              </a:rPr>
+              <a:t>,</a:t>
+            </a:r>
+            <a:r>
+              <a:rPr kumimoji="1" lang="zh-CN" altLang="en-US" dirty="0">
+                <a:latin typeface="+mn-ea"/>
+              </a:rPr>
+              <a:t>但到年底相对</a:t>
+            </a:r>
+            <a:r>
+              <a:rPr kumimoji="1" lang="en-US" altLang="zh-CN" dirty="0">
+                <a:latin typeface="+mn-ea"/>
+              </a:rPr>
+              <a:t>2019</a:t>
+            </a:r>
+            <a:r>
+              <a:rPr kumimoji="1" lang="zh-CN" altLang="en-US" dirty="0">
+                <a:latin typeface="+mn-ea"/>
+              </a:rPr>
+              <a:t>年出现一定程度上涨</a:t>
+            </a:r>
+            <a:r>
+              <a:rPr kumimoji="1" lang="en-US" altLang="zh-CN" dirty="0">
+                <a:latin typeface="+mn-ea"/>
+              </a:rPr>
+              <a:t>.</a:t>
+            </a:r>
+          </a:p>
+          <a:p>
+            <a:endParaRPr lang="en-US" altLang="zh-CN" dirty="0">
+              <a:latin typeface="+mn-ea"/>
+            </a:endParaRPr>
+          </a:p>
+          <a:p>
+            <a:r>
+              <a:rPr lang="en-US" altLang="zh-CN" dirty="0">
+                <a:latin typeface="+mn-ea"/>
+              </a:rPr>
+              <a:t>2020</a:t>
+            </a:r>
+            <a:r>
+              <a:rPr lang="zh-CN" altLang="en-US" dirty="0">
+                <a:latin typeface="+mn-ea"/>
+              </a:rPr>
+              <a:t>年</a:t>
+            </a:r>
+            <a:r>
+              <a:rPr lang="en-US" altLang="zh-CN" dirty="0">
+                <a:latin typeface="+mn-ea"/>
+              </a:rPr>
+              <a:t>11</a:t>
+            </a:r>
+            <a:r>
+              <a:rPr lang="zh-CN" altLang="en-US" dirty="0">
+                <a:latin typeface="+mn-ea"/>
+              </a:rPr>
+              <a:t>月     </a:t>
+            </a:r>
+            <a:r>
+              <a:rPr lang="en-US" altLang="zh-CN" dirty="0">
+                <a:latin typeface="+mn-ea"/>
+              </a:rPr>
+              <a:t>129492.36(</a:t>
+            </a:r>
+            <a:r>
+              <a:rPr lang="zh-CN" altLang="en-US" dirty="0">
+                <a:latin typeface="+mn-ea"/>
+              </a:rPr>
+              <a:t>亿元</a:t>
+            </a:r>
+            <a:r>
+              <a:rPr lang="en-US" altLang="zh-CN" dirty="0">
+                <a:latin typeface="+mn-ea"/>
+              </a:rPr>
+              <a:t>)</a:t>
+            </a:r>
+          </a:p>
+          <a:p>
+            <a:r>
+              <a:rPr lang="en-US" altLang="zh-CN" dirty="0">
+                <a:latin typeface="+mn-ea"/>
+              </a:rPr>
+              <a:t>2019</a:t>
+            </a:r>
+            <a:r>
+              <a:rPr lang="zh-CN" altLang="en-US" dirty="0">
+                <a:latin typeface="+mn-ea"/>
+              </a:rPr>
+              <a:t>年</a:t>
+            </a:r>
+            <a:r>
+              <a:rPr lang="en-US" altLang="zh-CN" dirty="0">
+                <a:latin typeface="+mn-ea"/>
+              </a:rPr>
+              <a:t>11</a:t>
+            </a:r>
+            <a:r>
+              <a:rPr lang="zh-CN" altLang="en-US" dirty="0">
+                <a:latin typeface="+mn-ea"/>
+              </a:rPr>
+              <a:t>月      </a:t>
+            </a:r>
+            <a:r>
+              <a:rPr lang="en-US" altLang="zh-CN" dirty="0">
+                <a:latin typeface="+mn-ea"/>
+              </a:rPr>
+              <a:t>121265.05 (</a:t>
+            </a:r>
+            <a:r>
+              <a:rPr lang="zh-CN" altLang="en-US" dirty="0">
+                <a:latin typeface="+mn-ea"/>
+              </a:rPr>
+              <a:t>亿元</a:t>
+            </a:r>
+            <a:r>
+              <a:rPr lang="en-US" altLang="zh-CN" dirty="0">
+                <a:latin typeface="+mn-ea"/>
+              </a:rPr>
+              <a:t>)</a:t>
+            </a:r>
+            <a:endParaRPr kumimoji="1" lang="en-US" altLang="zh-CN" dirty="0">
+              <a:latin typeface="+mn-ea"/>
+            </a:endParaRPr>
+          </a:p>
+        </p:txBody>
+      </p:sp>
+      <p:pic>
+        <p:nvPicPr>
+          <p:cNvPr id="5" name="内容占位符 3">
+            <a:extLst>
+              <a:ext uri="{FF2B5EF4-FFF2-40B4-BE49-F238E27FC236}">
+                <a16:creationId xmlns:a16="http://schemas.microsoft.com/office/drawing/2014/main" id="{6EE8E61C-BE6F-BC42-BA1B-4CC4F94AF45A}"/>
+              </a:ext>
+            </a:extLst>
+          </p:cNvPr>
+          <p:cNvPicPr>
+            <a:picLocks noGrp="1" noChangeAspect="1"/>
+          </p:cNvPicPr>
           <p:nvPr>
             <p:ph idx="1"/>
           </p:nvPr>
-        </p:nvSpPr>
-        <p:spPr/>
-        <p:txBody>
-          <a:bodyPr/>
-          <a:lstStyle/>
-          <a:p>
-            <a:r>
-              <a:rPr lang="zh-CN" altLang="en-US" dirty="0"/>
-              <a:t>根据市场分析和调研，找出这个行业市场中的盈利模式有哪些。将该市场的盈利模式全部列出，并说明其具体盈利的方式，主要是为自己的产品盈利模式提供参考</a:t>
-            </a:r>
-          </a:p>
-          <a:p>
-            <a:br>
-              <a:rPr lang="zh-CN" altLang="en-US" dirty="0"/>
-            </a:br>
-            <a:endParaRPr kumimoji="1" lang="zh-CN" altLang="en-US" dirty="0"/>
-          </a:p>
-        </p:txBody>
-      </p:sp>
+        </p:nvPicPr>
+        <p:blipFill>
+          <a:blip r:embed="rId2"/>
+          <a:stretch>
+            <a:fillRect/>
+          </a:stretch>
+        </p:blipFill>
+        <p:spPr>
+          <a:xfrm>
+            <a:off x="4315146" y="2090793"/>
+            <a:ext cx="7040242" cy="3292865"/>
+          </a:xfrm>
+          <a:prstGeom prst="rect">
+            <a:avLst/>
+          </a:prstGeom>
+        </p:spPr>
+      </p:pic>
     </p:spTree>
     <p:extLst>
       <p:ext uri="{BB962C8B-B14F-4D97-AF65-F5344CB8AC3E}">
-        <p14:creationId xmlns:p14="http://schemas.microsoft.com/office/powerpoint/2010/main" val="707559872"/>
+        <p14:creationId xmlns:p14="http://schemas.microsoft.com/office/powerpoint/2010/main" val="1847076915"/>
       </p:ext>
     </p:extLst>
   </p:cSld>
@@ -5538,7 +6038,7 @@
           <p:cNvPr id="2" name="标题 1">
             <a:extLst>
               <a:ext uri="{FF2B5EF4-FFF2-40B4-BE49-F238E27FC236}">
-                <a16:creationId xmlns:a16="http://schemas.microsoft.com/office/drawing/2014/main" id="{B95709DD-0EB1-3441-89D4-E1BCD52D3CBE}"/>
+                <a16:creationId xmlns:a16="http://schemas.microsoft.com/office/drawing/2014/main" id="{BCAA7C0A-46FF-D04F-80A0-EC666024C32D}"/>
               </a:ext>
             </a:extLst>
           </p:cNvPr>
@@ -5551,14 +6051,16 @@
         </p:nvSpPr>
         <p:spPr/>
         <p:txBody>
-          <a:bodyPr/>
-          <a:lstStyle/>
-          <a:p>
-            <a:r>
-              <a:rPr lang="zh-CN" altLang="en-US" b="1" dirty="0"/>
-              <a:t>发展趋势</a:t>
-            </a:r>
-            <a:endParaRPr kumimoji="1" lang="zh-CN" altLang="en-US" dirty="0"/>
+          <a:bodyPr>
+            <a:normAutofit/>
+          </a:bodyPr>
+          <a:lstStyle/>
+          <a:p>
+            <a:r>
+              <a:rPr kumimoji="1" lang="zh-CN" altLang="en-US" sz="3200" b="1" dirty="0"/>
+              <a:t>房地产今后投资可能受政策影响</a:t>
+            </a:r>
+            <a:endParaRPr kumimoji="1" lang="zh-CN" altLang="en-US" sz="3200" dirty="0"/>
           </a:p>
         </p:txBody>
       </p:sp>
@@ -5567,7 +6069,7 @@
           <p:cNvPr id="3" name="内容占位符 2">
             <a:extLst>
               <a:ext uri="{FF2B5EF4-FFF2-40B4-BE49-F238E27FC236}">
-                <a16:creationId xmlns:a16="http://schemas.microsoft.com/office/drawing/2014/main" id="{01A9921D-121D-C14A-A744-7129A3ACF4C2}"/>
+                <a16:creationId xmlns:a16="http://schemas.microsoft.com/office/drawing/2014/main" id="{759A940B-284B-614D-BB04-87B4DF67631F}"/>
               </a:ext>
             </a:extLst>
           </p:cNvPr>
@@ -5584,14 +6086,247 @@
           <a:lstStyle/>
           <a:p>
             <a:r>
-              <a:rPr lang="zh-CN" altLang="en-US" dirty="0"/>
-              <a:t>对行业的成长性进行分析，要写出行业当前所处的阶段以及今后的大体方向。尽可能全面的解析出所写行业的生命周期，由此再来分析市场的变化与发展方向，通过综合前面的数据等做出更准确的判断。</a:t>
-            </a:r>
-          </a:p>
-          <a:p>
-            <a:br>
-              <a:rPr lang="zh-CN" altLang="en-US" dirty="0"/>
-            </a:br>
+              <a:rPr lang="zh-CN" altLang="en-US" sz="1800" dirty="0">
+                <a:solidFill>
+                  <a:srgbClr val="191919"/>
+                </a:solidFill>
+                <a:latin typeface="+mn-ea"/>
+              </a:rPr>
+              <a:t>监管层为控制房地产企业有息债务增长，设置了“三条红线”：</a:t>
+            </a:r>
+            <a:endParaRPr lang="en-US" altLang="zh-CN" sz="1800" dirty="0">
+              <a:solidFill>
+                <a:srgbClr val="191919"/>
+              </a:solidFill>
+              <a:latin typeface="+mn-ea"/>
+            </a:endParaRPr>
+          </a:p>
+          <a:p>
+            <a:r>
+              <a:rPr lang="zh-CN" altLang="en-US" sz="1800" dirty="0">
+                <a:solidFill>
+                  <a:srgbClr val="191919"/>
+                </a:solidFill>
+                <a:latin typeface="+mn-ea"/>
+              </a:rPr>
+              <a:t>第一，剔除预收款的资产负债率不得大于</a:t>
+            </a:r>
+            <a:r>
+              <a:rPr lang="en-US" altLang="zh-CN" sz="1800" dirty="0">
+                <a:solidFill>
+                  <a:srgbClr val="191919"/>
+                </a:solidFill>
+                <a:latin typeface="+mn-ea"/>
+              </a:rPr>
+              <a:t>70%</a:t>
+            </a:r>
+            <a:r>
+              <a:rPr lang="zh-CN" altLang="en-US" sz="1800" dirty="0">
+                <a:solidFill>
+                  <a:srgbClr val="191919"/>
+                </a:solidFill>
+                <a:latin typeface="+mn-ea"/>
+              </a:rPr>
+              <a:t>；</a:t>
+            </a:r>
+            <a:endParaRPr lang="en-US" altLang="zh-CN" sz="1800" dirty="0">
+              <a:solidFill>
+                <a:srgbClr val="191919"/>
+              </a:solidFill>
+              <a:latin typeface="+mn-ea"/>
+            </a:endParaRPr>
+          </a:p>
+          <a:p>
+            <a:r>
+              <a:rPr lang="zh-CN" altLang="en-US" sz="1800" dirty="0">
+                <a:solidFill>
+                  <a:srgbClr val="191919"/>
+                </a:solidFill>
+                <a:latin typeface="+mn-ea"/>
+              </a:rPr>
+              <a:t>第二，净负债率不得大于</a:t>
+            </a:r>
+            <a:r>
+              <a:rPr lang="en-US" altLang="zh-CN" sz="1800" dirty="0">
+                <a:solidFill>
+                  <a:srgbClr val="191919"/>
+                </a:solidFill>
+                <a:latin typeface="+mn-ea"/>
+              </a:rPr>
+              <a:t>100%</a:t>
+            </a:r>
+            <a:r>
+              <a:rPr lang="zh-CN" altLang="en-US" sz="1800" dirty="0">
+                <a:solidFill>
+                  <a:srgbClr val="191919"/>
+                </a:solidFill>
+                <a:latin typeface="+mn-ea"/>
+              </a:rPr>
+              <a:t>；</a:t>
+            </a:r>
+            <a:endParaRPr lang="en-US" altLang="zh-CN" sz="1800" dirty="0">
+              <a:solidFill>
+                <a:srgbClr val="191919"/>
+              </a:solidFill>
+              <a:latin typeface="+mn-ea"/>
+            </a:endParaRPr>
+          </a:p>
+          <a:p>
+            <a:r>
+              <a:rPr lang="zh-CN" altLang="en-US" sz="1800" dirty="0">
+                <a:solidFill>
+                  <a:srgbClr val="191919"/>
+                </a:solidFill>
+                <a:latin typeface="+mn-ea"/>
+              </a:rPr>
+              <a:t>第三，现金短债比不得小于</a:t>
+            </a:r>
+            <a:r>
+              <a:rPr lang="en-US" altLang="zh-CN" sz="1800" dirty="0">
+                <a:solidFill>
+                  <a:srgbClr val="191919"/>
+                </a:solidFill>
+                <a:latin typeface="+mn-ea"/>
+              </a:rPr>
+              <a:t>1</a:t>
+            </a:r>
+            <a:r>
+              <a:rPr lang="zh-CN" altLang="en-US" sz="1800" dirty="0">
+                <a:solidFill>
+                  <a:srgbClr val="191919"/>
+                </a:solidFill>
+                <a:latin typeface="+mn-ea"/>
+              </a:rPr>
+              <a:t>倍。</a:t>
+            </a:r>
+            <a:endParaRPr lang="en-US" altLang="zh-CN" sz="1800" dirty="0">
+              <a:solidFill>
+                <a:srgbClr val="191919"/>
+              </a:solidFill>
+              <a:latin typeface="+mn-ea"/>
+            </a:endParaRPr>
+          </a:p>
+          <a:p>
+            <a:pPr marL="0" indent="0">
+              <a:buNone/>
+            </a:pPr>
+            <a:endParaRPr lang="zh-CN" altLang="en-US" sz="1800" dirty="0">
+              <a:solidFill>
+                <a:srgbClr val="191919"/>
+              </a:solidFill>
+              <a:latin typeface="+mn-ea"/>
+            </a:endParaRPr>
+          </a:p>
+          <a:p>
+            <a:r>
+              <a:rPr lang="zh-CN" altLang="en-US" sz="1800" dirty="0">
+                <a:solidFill>
+                  <a:srgbClr val="191919"/>
+                </a:solidFill>
+                <a:latin typeface="+mn-ea"/>
+              </a:rPr>
+              <a:t>根据“三条红线”的触线情况，可将房企分为“红、橙、黄、绿”四挡：</a:t>
+            </a:r>
+          </a:p>
+          <a:p>
+            <a:r>
+              <a:rPr lang="zh-CN" altLang="en-US" sz="1800" dirty="0">
+                <a:solidFill>
+                  <a:srgbClr val="191919"/>
+                </a:solidFill>
+                <a:latin typeface="+mn-ea"/>
+              </a:rPr>
+              <a:t>红色档：如果三条红线都触碰到了，则不得新增有息负债；</a:t>
+            </a:r>
+          </a:p>
+          <a:p>
+            <a:r>
+              <a:rPr lang="zh-CN" altLang="en-US" sz="1800" dirty="0">
+                <a:solidFill>
+                  <a:srgbClr val="191919"/>
+                </a:solidFill>
+                <a:latin typeface="+mn-ea"/>
+              </a:rPr>
+              <a:t>橙色档：如果碰到两条线，负债年增速不得超过</a:t>
+            </a:r>
+            <a:r>
+              <a:rPr lang="en-US" altLang="zh-CN" sz="1800" dirty="0">
+                <a:solidFill>
+                  <a:srgbClr val="191919"/>
+                </a:solidFill>
+                <a:latin typeface="+mn-ea"/>
+              </a:rPr>
+              <a:t>5%</a:t>
+            </a:r>
+            <a:r>
+              <a:rPr lang="zh-CN" altLang="en-US" sz="1800" dirty="0">
+                <a:solidFill>
+                  <a:srgbClr val="191919"/>
+                </a:solidFill>
+                <a:latin typeface="+mn-ea"/>
+              </a:rPr>
+              <a:t>；</a:t>
+            </a:r>
+          </a:p>
+          <a:p>
+            <a:r>
+              <a:rPr lang="zh-CN" altLang="en-US" sz="1800" dirty="0">
+                <a:solidFill>
+                  <a:srgbClr val="191919"/>
+                </a:solidFill>
+                <a:latin typeface="+mn-ea"/>
+              </a:rPr>
+              <a:t>黄色档：碰到一条线，负债年增速不得超过</a:t>
+            </a:r>
+            <a:r>
+              <a:rPr lang="en-US" altLang="zh-CN" sz="1800" dirty="0">
+                <a:solidFill>
+                  <a:srgbClr val="191919"/>
+                </a:solidFill>
+                <a:latin typeface="+mn-ea"/>
+              </a:rPr>
+              <a:t>10%</a:t>
+            </a:r>
+            <a:r>
+              <a:rPr lang="zh-CN" altLang="en-US" sz="1800" dirty="0">
+                <a:solidFill>
+                  <a:srgbClr val="191919"/>
+                </a:solidFill>
+                <a:latin typeface="+mn-ea"/>
+              </a:rPr>
+              <a:t>；</a:t>
+            </a:r>
+          </a:p>
+          <a:p>
+            <a:r>
+              <a:rPr lang="zh-CN" altLang="en-US" sz="1800" dirty="0">
+                <a:solidFill>
+                  <a:srgbClr val="191919"/>
+                </a:solidFill>
+                <a:latin typeface="+mn-ea"/>
+              </a:rPr>
+              <a:t>绿色档：三条线都未碰到，负债年增速不得超过</a:t>
+            </a:r>
+            <a:r>
+              <a:rPr lang="en-US" altLang="zh-CN" sz="1800" dirty="0">
+                <a:solidFill>
+                  <a:srgbClr val="191919"/>
+                </a:solidFill>
+                <a:latin typeface="+mn-ea"/>
+              </a:rPr>
+              <a:t>15%</a:t>
+            </a:r>
+            <a:r>
+              <a:rPr lang="zh-CN" altLang="en-US" sz="1800" dirty="0">
+                <a:solidFill>
+                  <a:srgbClr val="191919"/>
+                </a:solidFill>
+                <a:latin typeface="+mn-ea"/>
+              </a:rPr>
+              <a:t>。</a:t>
+            </a:r>
+          </a:p>
+          <a:p>
             <a:endParaRPr kumimoji="1" lang="zh-CN" altLang="en-US" dirty="0"/>
           </a:p>
         </p:txBody>
@@ -5599,7 +6334,7 @@
     </p:spTree>
     <p:extLst>
       <p:ext uri="{BB962C8B-B14F-4D97-AF65-F5344CB8AC3E}">
-        <p14:creationId xmlns:p14="http://schemas.microsoft.com/office/powerpoint/2010/main" val="4135372465"/>
+        <p14:creationId xmlns:p14="http://schemas.microsoft.com/office/powerpoint/2010/main" val="2975558578"/>
       </p:ext>
     </p:extLst>
   </p:cSld>
@@ -5631,7 +6366,7 @@
           <p:cNvPr id="2" name="标题 1">
             <a:extLst>
               <a:ext uri="{FF2B5EF4-FFF2-40B4-BE49-F238E27FC236}">
-                <a16:creationId xmlns:a16="http://schemas.microsoft.com/office/drawing/2014/main" id="{1289F460-8251-FC43-B641-9A208F4376BB}"/>
+                <a16:creationId xmlns:a16="http://schemas.microsoft.com/office/drawing/2014/main" id="{CBE62D40-B66F-AB4F-82CF-CADE1DBBC493}"/>
               </a:ext>
             </a:extLst>
           </p:cNvPr>
@@ -5649,7 +6384,15 @@
           <a:p>
             <a:r>
               <a:rPr lang="zh-CN" altLang="en-US" b="1" dirty="0"/>
-              <a:t>竞争对手发展情况</a:t>
+              <a:t>商业价值</a:t>
+            </a:r>
+            <a:r>
+              <a:rPr lang="en-US" altLang="zh-CN" b="1" dirty="0"/>
+              <a:t>/</a:t>
+            </a:r>
+            <a:r>
+              <a:rPr lang="zh-CN" altLang="en-US" b="1" dirty="0"/>
+              <a:t>市场规模</a:t>
             </a:r>
             <a:endParaRPr kumimoji="1" lang="zh-CN" altLang="en-US" dirty="0"/>
           </a:p>
@@ -5660,7 +6403,7 @@
           <p:cNvPr id="3" name="内容占位符 2">
             <a:extLst>
               <a:ext uri="{FF2B5EF4-FFF2-40B4-BE49-F238E27FC236}">
-                <a16:creationId xmlns:a16="http://schemas.microsoft.com/office/drawing/2014/main" id="{666BCBC3-6B34-614D-8D9D-7DD26E488D83}"/>
+                <a16:creationId xmlns:a16="http://schemas.microsoft.com/office/drawing/2014/main" id="{EF1711A4-591D-DF45-8987-610E4E6CE652}"/>
               </a:ext>
             </a:extLst>
           </p:cNvPr>
@@ -5674,82 +6417,74 @@
         <p:spPr/>
         <p:txBody>
           <a:bodyPr>
-            <a:normAutofit fontScale="92500"/>
+            <a:normAutofit/>
           </a:bodyPr>
           <a:lstStyle/>
           <a:p>
+            <a:pPr marL="0" indent="0">
+              <a:buNone/>
+            </a:pPr>
+            <a:endParaRPr lang="en-US" altLang="zh-CN" dirty="0"/>
+          </a:p>
+          <a:p>
+            <a:r>
+              <a:rPr lang="en-US" altLang="zh-CN" dirty="0"/>
+              <a:t>2020</a:t>
+            </a:r>
             <a:r>
               <a:rPr lang="zh-CN" altLang="en-US" dirty="0"/>
-              <a:t>可使用五力分析模型分析，行业竞争对手</a:t>
-            </a:r>
-            <a:r>
-              <a:rPr lang="en" altLang="zh-CN" dirty="0"/>
-              <a:t>VS</a:t>
-            </a:r>
-          </a:p>
-          <a:p>
+              <a:t>到</a:t>
+            </a:r>
+            <a:r>
+              <a:rPr lang="en-US" altLang="zh-CN" dirty="0"/>
+              <a:t>11</a:t>
+            </a:r>
             <a:r>
               <a:rPr lang="zh-CN" altLang="en-US" dirty="0"/>
-              <a:t>供应商</a:t>
+              <a:t>月份房地产年</a:t>
             </a:r>
             <a:r>
               <a:rPr lang="en-US" altLang="zh-CN" dirty="0"/>
-              <a:t>——</a:t>
+              <a:t>12</a:t>
             </a:r>
             <a:r>
               <a:rPr lang="zh-CN" altLang="en-US" dirty="0"/>
-              <a:t>集中程度、转化成本、供应链资金流、供应量 （供方议价能力）</a:t>
-            </a:r>
-          </a:p>
-          <a:p>
+              <a:t>万亿投资规模</a:t>
+            </a:r>
+            <a:r>
+              <a:rPr lang="en-US" altLang="zh-CN" dirty="0"/>
+              <a:t>.</a:t>
+            </a:r>
             <a:r>
               <a:rPr lang="zh-CN" altLang="en-US" dirty="0"/>
-              <a:t>购买者</a:t>
+              <a:t>全国商品房商品房</a:t>
             </a:r>
             <a:r>
               <a:rPr lang="en-US" altLang="zh-CN" dirty="0"/>
-              <a:t>——</a:t>
+              <a:t>14</a:t>
             </a:r>
             <a:r>
               <a:rPr lang="zh-CN" altLang="en-US" dirty="0"/>
-              <a:t>购买周期购买量、价格敏感、利润认识 （消费者议价能力）</a:t>
-            </a:r>
+              <a:t>万亿销售额</a:t>
+            </a:r>
+            <a:r>
+              <a:rPr lang="en-US" altLang="zh-CN" dirty="0"/>
+              <a:t>.</a:t>
+            </a:r>
+            <a:endParaRPr lang="zh-CN" altLang="en-US" dirty="0"/>
           </a:p>
           <a:p>
             <a:r>
               <a:rPr lang="zh-CN" altLang="en-US" dirty="0"/>
-              <a:t>替代品</a:t>
+              <a:t>相关建材的交易规模预计至少万亿规模</a:t>
             </a:r>
             <a:r>
               <a:rPr lang="en-US" altLang="zh-CN" dirty="0"/>
-              <a:t>——</a:t>
-            </a:r>
-            <a:r>
+              <a:t>.</a:t>
+            </a:r>
+            <a:br>
               <a:rPr lang="zh-CN" altLang="en-US" dirty="0"/>
-              <a:t>购买者偏好、替代品价格 （替代品竞争力）</a:t>
-            </a:r>
-          </a:p>
-          <a:p>
-            <a:r>
-              <a:rPr lang="zh-CN" altLang="en-US" dirty="0"/>
-              <a:t>潜在进入者</a:t>
-            </a:r>
-            <a:r>
-              <a:rPr lang="en-US" altLang="zh-CN" dirty="0"/>
-              <a:t>——</a:t>
-            </a:r>
-            <a:r>
-              <a:rPr lang="zh-CN" altLang="en-US" dirty="0"/>
-              <a:t>带来新的生产力；抢占市场蛋糕；威胁程度（受进入障碍和现有企业反映程度影响）（威胁力）</a:t>
-            </a:r>
-          </a:p>
-          <a:p>
-            <a:r>
-              <a:rPr lang="zh-CN" altLang="en-US" dirty="0"/>
-              <a:t>通过五力分析模型得出当前行业竞争对手的发展情况，以及对自身产品进入该市场所可能面对的竞争压力，从而为自己的产品杀出市场提供参考和可行性对比。</a:t>
-            </a:r>
-          </a:p>
-          <a:p>
+            </a:br>
             <a:endParaRPr kumimoji="1" lang="zh-CN" altLang="en-US" dirty="0"/>
           </a:p>
         </p:txBody>
@@ -5757,7 +6492,7 @@
     </p:spTree>
     <p:extLst>
       <p:ext uri="{BB962C8B-B14F-4D97-AF65-F5344CB8AC3E}">
-        <p14:creationId xmlns:p14="http://schemas.microsoft.com/office/powerpoint/2010/main" val="1970406261"/>
+        <p14:creationId xmlns:p14="http://schemas.microsoft.com/office/powerpoint/2010/main" val="1055695383"/>
       </p:ext>
     </p:extLst>
   </p:cSld>
@@ -5789,7 +6524,7 @@
           <p:cNvPr id="2" name="标题 1">
             <a:extLst>
               <a:ext uri="{FF2B5EF4-FFF2-40B4-BE49-F238E27FC236}">
-                <a16:creationId xmlns:a16="http://schemas.microsoft.com/office/drawing/2014/main" id="{8F891772-BE83-C441-A40F-BA6E1E3572D5}"/>
+                <a16:creationId xmlns:a16="http://schemas.microsoft.com/office/drawing/2014/main" id="{DCDE7733-62D3-8048-90E1-44F73761A2C8}"/>
               </a:ext>
             </a:extLst>
           </p:cNvPr>
@@ -5807,7 +6542,7 @@
           <a:p>
             <a:r>
               <a:rPr lang="zh-CN" altLang="en-US" b="1" dirty="0"/>
-              <a:t>产品规划</a:t>
+              <a:t>盈利模式</a:t>
             </a:r>
             <a:endParaRPr kumimoji="1" lang="zh-CN" altLang="en-US" dirty="0"/>
           </a:p>
@@ -5818,21 +6553,378 @@
           <p:cNvPr id="3" name="内容占位符 2">
             <a:extLst>
               <a:ext uri="{FF2B5EF4-FFF2-40B4-BE49-F238E27FC236}">
-                <a16:creationId xmlns:a16="http://schemas.microsoft.com/office/drawing/2014/main" id="{6152BE8B-E992-2B49-911A-D7C5B6CB08AA}"/>
-              </a:ext>
-            </a:extLst>
-          </p:cNvPr>
-          <p:cNvSpPr>
-            <a:spLocks noGrp="1"/>
-          </p:cNvSpPr>
-          <p:nvPr>
-            <p:ph idx="1"/>
-          </p:nvPr>
-        </p:nvSpPr>
-        <p:spPr/>
-        <p:txBody>
-          <a:bodyPr/>
-          <a:lstStyle/>
+                <a16:creationId xmlns:a16="http://schemas.microsoft.com/office/drawing/2014/main" id="{790D324A-4551-F54F-B9FE-4699B29DCFD3}"/>
+              </a:ext>
+            </a:extLst>
+          </p:cNvPr>
+          <p:cNvSpPr>
+            <a:spLocks noGrp="1"/>
+          </p:cNvSpPr>
+          <p:nvPr>
+            <p:ph sz="half" idx="1"/>
+          </p:nvPr>
+        </p:nvSpPr>
+        <p:spPr>
+          <a:xfrm>
+            <a:off x="838200" y="1825625"/>
+            <a:ext cx="3189270" cy="4351338"/>
+          </a:xfrm>
+        </p:spPr>
+        <p:txBody>
+          <a:bodyPr/>
+          <a:lstStyle/>
+          <a:p>
+            <a:r>
+              <a:rPr kumimoji="1" lang="zh-CN" altLang="en-US" dirty="0"/>
+              <a:t>建材类商城</a:t>
+            </a:r>
+            <a:endParaRPr kumimoji="1" lang="en-US" altLang="zh-CN" dirty="0"/>
+          </a:p>
+          <a:p>
+            <a:pPr marL="0" indent="0">
+              <a:buNone/>
+            </a:pPr>
+            <a:r>
+              <a:rPr lang="zh-CN" altLang="en-US" sz="1800" dirty="0"/>
+              <a:t>核心盈利点为支付手续费</a:t>
+            </a:r>
+            <a:endParaRPr lang="en-US" altLang="zh-CN" sz="1800" dirty="0"/>
+          </a:p>
+          <a:p>
+            <a:pPr marL="0" indent="0">
+              <a:buNone/>
+            </a:pPr>
+            <a:r>
+              <a:rPr lang="zh-CN" altLang="en-US" sz="1800" dirty="0"/>
+              <a:t>保理</a:t>
+            </a:r>
+          </a:p>
+          <a:p>
+            <a:endParaRPr kumimoji="1" lang="en-US" altLang="zh-CN" dirty="0"/>
+          </a:p>
+          <a:p>
+            <a:endParaRPr kumimoji="1" lang="zh-CN" altLang="en-US" dirty="0"/>
+          </a:p>
+        </p:txBody>
+      </p:sp>
+      <p:sp>
+        <p:nvSpPr>
+          <p:cNvPr id="4" name="内容占位符 3">
+            <a:extLst>
+              <a:ext uri="{FF2B5EF4-FFF2-40B4-BE49-F238E27FC236}">
+                <a16:creationId xmlns:a16="http://schemas.microsoft.com/office/drawing/2014/main" id="{5BCE154D-2D9E-804C-8D54-968EB7C17E9A}"/>
+              </a:ext>
+            </a:extLst>
+          </p:cNvPr>
+          <p:cNvSpPr>
+            <a:spLocks noGrp="1"/>
+          </p:cNvSpPr>
+          <p:nvPr>
+            <p:ph sz="half" idx="2"/>
+          </p:nvPr>
+        </p:nvSpPr>
+        <p:spPr>
+          <a:xfrm>
+            <a:off x="4415319" y="1825625"/>
+            <a:ext cx="2458092" cy="4351338"/>
+          </a:xfrm>
+        </p:spPr>
+        <p:txBody>
+          <a:bodyPr/>
+          <a:lstStyle/>
+          <a:p>
+            <a:r>
+              <a:rPr kumimoji="1" lang="zh-CN" altLang="en-US" dirty="0"/>
+              <a:t>招投标</a:t>
+            </a:r>
+            <a:r>
+              <a:rPr kumimoji="1" lang="en-US" altLang="zh-CN" dirty="0"/>
+              <a:t>(</a:t>
+            </a:r>
+            <a:r>
+              <a:rPr kumimoji="1" lang="zh-CN" altLang="en-US" dirty="0"/>
+              <a:t>邀请核心企业进行招标</a:t>
+            </a:r>
+            <a:r>
+              <a:rPr kumimoji="1" lang="en-US" altLang="zh-CN" dirty="0"/>
+              <a:t>)</a:t>
+            </a:r>
+          </a:p>
+          <a:p>
+            <a:pPr marL="0" indent="0">
+              <a:buNone/>
+            </a:pPr>
+            <a:r>
+              <a:rPr kumimoji="1" lang="zh-CN" altLang="en-US" sz="2000" dirty="0"/>
+              <a:t>卖招标信息</a:t>
+            </a:r>
+            <a:endParaRPr kumimoji="1" lang="en-US" altLang="zh-CN" sz="2000" dirty="0"/>
+          </a:p>
+          <a:p>
+            <a:pPr marL="0" indent="0">
+              <a:buNone/>
+            </a:pPr>
+            <a:r>
+              <a:rPr kumimoji="1" lang="zh-CN" altLang="en-US" sz="2000" dirty="0"/>
+              <a:t>云招投标</a:t>
+            </a:r>
+          </a:p>
+        </p:txBody>
+      </p:sp>
+      <p:sp>
+        <p:nvSpPr>
+          <p:cNvPr id="5" name="内容占位符 3">
+            <a:extLst>
+              <a:ext uri="{FF2B5EF4-FFF2-40B4-BE49-F238E27FC236}">
+                <a16:creationId xmlns:a16="http://schemas.microsoft.com/office/drawing/2014/main" id="{3318A27D-B47E-7D43-84CA-0CA3B2BC2E44}"/>
+              </a:ext>
+            </a:extLst>
+          </p:cNvPr>
+          <p:cNvSpPr txBox="1">
+            <a:spLocks/>
+          </p:cNvSpPr>
+          <p:nvPr/>
+        </p:nvSpPr>
+        <p:spPr>
+          <a:xfrm>
+            <a:off x="8050658" y="1690688"/>
+            <a:ext cx="2458092" cy="4351338"/>
+          </a:xfrm>
+          <a:prstGeom prst="rect">
+            <a:avLst/>
+          </a:prstGeom>
+        </p:spPr>
+        <p:txBody>
+          <a:bodyPr vert="horz" lIns="91440" tIns="45720" rIns="91440" bIns="45720" rtlCol="0">
+            <a:normAutofit/>
+          </a:bodyPr>
+          <a:lstStyle>
+            <a:lvl1pPr marL="228600" indent="-228600" algn="l" defTabSz="914400" rtl="0" eaLnBrk="1" latinLnBrk="0" hangingPunct="1">
+              <a:lnSpc>
+                <a:spcPct val="90000"/>
+              </a:lnSpc>
+              <a:spcBef>
+                <a:spcPts val="1000"/>
+              </a:spcBef>
+              <a:buFont typeface="Arial" panose="020B0604020202020204" pitchFamily="34" charset="0"/>
+              <a:buChar char="•"/>
+              <a:defRPr sz="2800" kern="1200">
+                <a:solidFill>
+                  <a:schemeClr val="tx1"/>
+                </a:solidFill>
+                <a:latin typeface="+mn-lt"/>
+                <a:ea typeface="+mn-ea"/>
+                <a:cs typeface="+mn-cs"/>
+              </a:defRPr>
+            </a:lvl1pPr>
+            <a:lvl2pPr marL="685800" indent="-228600" algn="l" defTabSz="914400" rtl="0" eaLnBrk="1" latinLnBrk="0" hangingPunct="1">
+              <a:lnSpc>
+                <a:spcPct val="90000"/>
+              </a:lnSpc>
+              <a:spcBef>
+                <a:spcPts val="500"/>
+              </a:spcBef>
+              <a:buFont typeface="Arial" panose="020B0604020202020204" pitchFamily="34" charset="0"/>
+              <a:buChar char="•"/>
+              <a:defRPr sz="2400" kern="1200">
+                <a:solidFill>
+                  <a:schemeClr val="tx1"/>
+                </a:solidFill>
+                <a:latin typeface="+mn-lt"/>
+                <a:ea typeface="+mn-ea"/>
+                <a:cs typeface="+mn-cs"/>
+              </a:defRPr>
+            </a:lvl2pPr>
+            <a:lvl3pPr marL="1143000" indent="-228600" algn="l" defTabSz="914400" rtl="0" eaLnBrk="1" latinLnBrk="0" hangingPunct="1">
+              <a:lnSpc>
+                <a:spcPct val="90000"/>
+              </a:lnSpc>
+              <a:spcBef>
+                <a:spcPts val="500"/>
+              </a:spcBef>
+              <a:buFont typeface="Arial" panose="020B0604020202020204" pitchFamily="34" charset="0"/>
+              <a:buChar char="•"/>
+              <a:defRPr sz="2000" kern="1200">
+                <a:solidFill>
+                  <a:schemeClr val="tx1"/>
+                </a:solidFill>
+                <a:latin typeface="+mn-lt"/>
+                <a:ea typeface="+mn-ea"/>
+                <a:cs typeface="+mn-cs"/>
+              </a:defRPr>
+            </a:lvl3pPr>
+            <a:lvl4pPr marL="1600200" indent="-228600" algn="l" defTabSz="914400" rtl="0" eaLnBrk="1" latinLnBrk="0" hangingPunct="1">
+              <a:lnSpc>
+                <a:spcPct val="90000"/>
+              </a:lnSpc>
+              <a:spcBef>
+                <a:spcPts val="500"/>
+              </a:spcBef>
+              <a:buFont typeface="Arial" panose="020B0604020202020204" pitchFamily="34" charset="0"/>
+              <a:buChar char="•"/>
+              <a:defRPr sz="1800" kern="1200">
+                <a:solidFill>
+                  <a:schemeClr val="tx1"/>
+                </a:solidFill>
+                <a:latin typeface="+mn-lt"/>
+                <a:ea typeface="+mn-ea"/>
+                <a:cs typeface="+mn-cs"/>
+              </a:defRPr>
+            </a:lvl4pPr>
+            <a:lvl5pPr marL="2057400" indent="-228600" algn="l" defTabSz="914400" rtl="0" eaLnBrk="1" latinLnBrk="0" hangingPunct="1">
+              <a:lnSpc>
+                <a:spcPct val="90000"/>
+              </a:lnSpc>
+              <a:spcBef>
+                <a:spcPts val="500"/>
+              </a:spcBef>
+              <a:buFont typeface="Arial" panose="020B0604020202020204" pitchFamily="34" charset="0"/>
+              <a:buChar char="•"/>
+              <a:defRPr sz="1800" kern="1200">
+                <a:solidFill>
+                  <a:schemeClr val="tx1"/>
+                </a:solidFill>
+                <a:latin typeface="+mn-lt"/>
+                <a:ea typeface="+mn-ea"/>
+                <a:cs typeface="+mn-cs"/>
+              </a:defRPr>
+            </a:lvl5pPr>
+            <a:lvl6pPr marL="2514600" indent="-228600" algn="l" defTabSz="914400" rtl="0" eaLnBrk="1" latinLnBrk="0" hangingPunct="1">
+              <a:lnSpc>
+                <a:spcPct val="90000"/>
+              </a:lnSpc>
+              <a:spcBef>
+                <a:spcPts val="500"/>
+              </a:spcBef>
+              <a:buFont typeface="Arial" panose="020B0604020202020204" pitchFamily="34" charset="0"/>
+              <a:buChar char="•"/>
+              <a:defRPr sz="1800" kern="1200">
+                <a:solidFill>
+                  <a:schemeClr val="tx1"/>
+                </a:solidFill>
+                <a:latin typeface="+mn-lt"/>
+                <a:ea typeface="+mn-ea"/>
+                <a:cs typeface="+mn-cs"/>
+              </a:defRPr>
+            </a:lvl6pPr>
+            <a:lvl7pPr marL="2971800" indent="-228600" algn="l" defTabSz="914400" rtl="0" eaLnBrk="1" latinLnBrk="0" hangingPunct="1">
+              <a:lnSpc>
+                <a:spcPct val="90000"/>
+              </a:lnSpc>
+              <a:spcBef>
+                <a:spcPts val="500"/>
+              </a:spcBef>
+              <a:buFont typeface="Arial" panose="020B0604020202020204" pitchFamily="34" charset="0"/>
+              <a:buChar char="•"/>
+              <a:defRPr sz="1800" kern="1200">
+                <a:solidFill>
+                  <a:schemeClr val="tx1"/>
+                </a:solidFill>
+                <a:latin typeface="+mn-lt"/>
+                <a:ea typeface="+mn-ea"/>
+                <a:cs typeface="+mn-cs"/>
+              </a:defRPr>
+            </a:lvl7pPr>
+            <a:lvl8pPr marL="3429000" indent="-228600" algn="l" defTabSz="914400" rtl="0" eaLnBrk="1" latinLnBrk="0" hangingPunct="1">
+              <a:lnSpc>
+                <a:spcPct val="90000"/>
+              </a:lnSpc>
+              <a:spcBef>
+                <a:spcPts val="500"/>
+              </a:spcBef>
+              <a:buFont typeface="Arial" panose="020B0604020202020204" pitchFamily="34" charset="0"/>
+              <a:buChar char="•"/>
+              <a:defRPr sz="1800" kern="1200">
+                <a:solidFill>
+                  <a:schemeClr val="tx1"/>
+                </a:solidFill>
+                <a:latin typeface="+mn-lt"/>
+                <a:ea typeface="+mn-ea"/>
+                <a:cs typeface="+mn-cs"/>
+              </a:defRPr>
+            </a:lvl8pPr>
+            <a:lvl9pPr marL="3886200" indent="-228600" algn="l" defTabSz="914400" rtl="0" eaLnBrk="1" latinLnBrk="0" hangingPunct="1">
+              <a:lnSpc>
+                <a:spcPct val="90000"/>
+              </a:lnSpc>
+              <a:spcBef>
+                <a:spcPts val="500"/>
+              </a:spcBef>
+              <a:buFont typeface="Arial" panose="020B0604020202020204" pitchFamily="34" charset="0"/>
+              <a:buChar char="•"/>
+              <a:defRPr sz="1800" kern="1200">
+                <a:solidFill>
+                  <a:schemeClr val="tx1"/>
+                </a:solidFill>
+                <a:latin typeface="+mn-lt"/>
+                <a:ea typeface="+mn-ea"/>
+                <a:cs typeface="+mn-cs"/>
+              </a:defRPr>
+            </a:lvl9pPr>
+          </a:lstStyle>
+          <a:p>
+            <a:pPr marL="0" indent="0">
+              <a:buNone/>
+            </a:pPr>
+            <a:r>
+              <a:rPr kumimoji="1" lang="zh-CN" altLang="en-US" dirty="0"/>
+              <a:t>买卖信息撮合交易</a:t>
+            </a:r>
+            <a:endParaRPr kumimoji="1" lang="en-US" altLang="zh-CN" dirty="0"/>
+          </a:p>
+          <a:p>
+            <a:pPr marL="0" indent="0">
+              <a:buNone/>
+            </a:pPr>
+            <a:r>
+              <a:rPr kumimoji="1" lang="zh-CN" altLang="en-US" sz="1800" dirty="0"/>
+              <a:t>可以收取会员费</a:t>
+            </a:r>
+            <a:r>
+              <a:rPr kumimoji="1" lang="en-US" altLang="zh-CN" sz="1800" dirty="0"/>
+              <a:t>,</a:t>
+            </a:r>
+            <a:r>
+              <a:rPr kumimoji="1" lang="zh-CN" altLang="en-US" sz="1800" dirty="0"/>
+              <a:t>等信息费用</a:t>
+            </a:r>
+            <a:endParaRPr kumimoji="1" lang="en-US" altLang="zh-CN" sz="1800" dirty="0"/>
+          </a:p>
+        </p:txBody>
+      </p:sp>
+      <p:sp>
+        <p:nvSpPr>
+          <p:cNvPr id="6" name="文本框 5">
+            <a:extLst>
+              <a:ext uri="{FF2B5EF4-FFF2-40B4-BE49-F238E27FC236}">
+                <a16:creationId xmlns:a16="http://schemas.microsoft.com/office/drawing/2014/main" id="{F23B6741-4CA2-DA4B-90D9-2DD2065F7063}"/>
+              </a:ext>
+            </a:extLst>
+          </p:cNvPr>
+          <p:cNvSpPr txBox="1"/>
+          <p:nvPr/>
+        </p:nvSpPr>
+        <p:spPr>
+          <a:xfrm>
+            <a:off x="287675" y="5118696"/>
+            <a:ext cx="11457237" cy="923330"/>
+          </a:xfrm>
+          <a:prstGeom prst="rect">
+            <a:avLst/>
+          </a:prstGeom>
+          <a:noFill/>
+        </p:spPr>
+        <p:txBody>
+          <a:bodyPr wrap="square" rtlCol="0">
+            <a:spAutoFit/>
+          </a:bodyPr>
+          <a:lstStyle/>
+          <a:p>
+            <a:r>
+              <a:rPr lang="zh-CN" altLang="en-US" dirty="0"/>
+              <a:t>根据市场分析和调研，找出这个行业市场中的盈利模式有哪些。将该市场的盈利模式全部列出，并说明其具体盈利的方式，主要是为自己的产品盈利模式提供参考</a:t>
+            </a:r>
+          </a:p>
           <a:p>
             <a:endParaRPr kumimoji="1" lang="zh-CN" altLang="en-US" dirty="0"/>
           </a:p>
@@ -5841,7 +6933,7 @@
     </p:spTree>
     <p:extLst>
       <p:ext uri="{BB962C8B-B14F-4D97-AF65-F5344CB8AC3E}">
-        <p14:creationId xmlns:p14="http://schemas.microsoft.com/office/powerpoint/2010/main" val="573681592"/>
+        <p14:creationId xmlns:p14="http://schemas.microsoft.com/office/powerpoint/2010/main" val="407760817"/>
       </p:ext>
     </p:extLst>
   </p:cSld>

--- a/_posts/商业需求.pptx
+++ b/_posts/商业需求.pptx
@@ -30,6 +30,8 @@
     <p:sldId id="280" r:id="rId24"/>
     <p:sldId id="281" r:id="rId25"/>
     <p:sldId id="282" r:id="rId26"/>
+    <p:sldId id="297" r:id="rId27"/>
+    <p:sldId id="298" r:id="rId28"/>
   </p:sldIdLst>
   <p:sldSz cx="12192000" cy="6858000"/>
   <p:notesSz cx="6858000" cy="9144000"/>
@@ -5392,6 +5394,210 @@
 </p:sld>
 </file>
 
+<file path=ppt/slides/slide26.xml><?xml version="1.0" encoding="utf-8"?>
+<p:sld xmlns:a="http://schemas.openxmlformats.org/drawingml/2006/main" xmlns:r="http://schemas.openxmlformats.org/officeDocument/2006/relationships" xmlns:p="http://schemas.openxmlformats.org/presentationml/2006/main">
+  <p:cSld>
+    <p:spTree>
+      <p:nvGrpSpPr>
+        <p:cNvPr id="1" name=""/>
+        <p:cNvGrpSpPr/>
+        <p:nvPr/>
+      </p:nvGrpSpPr>
+      <p:grpSpPr>
+        <a:xfrm>
+          <a:off x="0" y="0"/>
+          <a:ext cx="0" cy="0"/>
+          <a:chOff x="0" y="0"/>
+          <a:chExt cx="0" cy="0"/>
+        </a:xfrm>
+      </p:grpSpPr>
+      <p:sp>
+        <p:nvSpPr>
+          <p:cNvPr id="2" name="标题 1">
+            <a:extLst>
+              <a:ext uri="{FF2B5EF4-FFF2-40B4-BE49-F238E27FC236}">
+                <a16:creationId xmlns:a16="http://schemas.microsoft.com/office/drawing/2014/main" id="{EF8D0D5E-FD1D-B046-AE38-A5365A58A069}"/>
+              </a:ext>
+            </a:extLst>
+          </p:cNvPr>
+          <p:cNvSpPr>
+            <a:spLocks noGrp="1"/>
+          </p:cNvSpPr>
+          <p:nvPr>
+            <p:ph type="title"/>
+          </p:nvPr>
+        </p:nvSpPr>
+        <p:spPr/>
+        <p:txBody>
+          <a:bodyPr/>
+          <a:lstStyle/>
+          <a:p>
+            <a:r>
+              <a:rPr kumimoji="1" lang="zh-CN" altLang="en-US" dirty="0"/>
+              <a:t>前提</a:t>
+            </a:r>
+          </a:p>
+        </p:txBody>
+      </p:sp>
+      <p:sp>
+        <p:nvSpPr>
+          <p:cNvPr id="3" name="内容占位符 2">
+            <a:extLst>
+              <a:ext uri="{FF2B5EF4-FFF2-40B4-BE49-F238E27FC236}">
+                <a16:creationId xmlns:a16="http://schemas.microsoft.com/office/drawing/2014/main" id="{8EC7FA67-05E2-744C-9D18-B07E0680E412}"/>
+              </a:ext>
+            </a:extLst>
+          </p:cNvPr>
+          <p:cNvSpPr>
+            <a:spLocks noGrp="1"/>
+          </p:cNvSpPr>
+          <p:nvPr>
+            <p:ph idx="1"/>
+          </p:nvPr>
+        </p:nvSpPr>
+        <p:spPr/>
+        <p:txBody>
+          <a:bodyPr/>
+          <a:lstStyle/>
+          <a:p>
+            <a:r>
+              <a:rPr kumimoji="1" lang="zh-CN" altLang="en-US" dirty="0"/>
+              <a:t>确定拍板人</a:t>
+            </a:r>
+            <a:endParaRPr kumimoji="1" lang="en-US" altLang="zh-CN" dirty="0"/>
+          </a:p>
+          <a:p>
+            <a:r>
+              <a:rPr kumimoji="1" lang="zh-CN" altLang="en-US" dirty="0"/>
+              <a:t>意见统一</a:t>
+            </a:r>
+            <a:endParaRPr kumimoji="1" lang="en-US" altLang="zh-CN" dirty="0"/>
+          </a:p>
+          <a:p>
+            <a:r>
+              <a:rPr kumimoji="1" lang="zh-CN" altLang="en-US" dirty="0"/>
+              <a:t>在商言商</a:t>
+            </a:r>
+            <a:endParaRPr kumimoji="1" lang="en-US" altLang="zh-CN" dirty="0"/>
+          </a:p>
+          <a:p>
+            <a:r>
+              <a:rPr kumimoji="1" lang="zh-CN" altLang="en-US"/>
+              <a:t>坦坦正途</a:t>
+            </a:r>
+          </a:p>
+        </p:txBody>
+      </p:sp>
+    </p:spTree>
+    <p:extLst>
+      <p:ext uri="{BB962C8B-B14F-4D97-AF65-F5344CB8AC3E}">
+        <p14:creationId xmlns:p14="http://schemas.microsoft.com/office/powerpoint/2010/main" val="3126329087"/>
+      </p:ext>
+    </p:extLst>
+  </p:cSld>
+  <p:clrMapOvr>
+    <a:masterClrMapping/>
+  </p:clrMapOvr>
+</p:sld>
+</file>
+
+<file path=ppt/slides/slide27.xml><?xml version="1.0" encoding="utf-8"?>
+<p:sld xmlns:a="http://schemas.openxmlformats.org/drawingml/2006/main" xmlns:r="http://schemas.openxmlformats.org/officeDocument/2006/relationships" xmlns:p="http://schemas.openxmlformats.org/presentationml/2006/main">
+  <p:cSld>
+    <p:spTree>
+      <p:nvGrpSpPr>
+        <p:cNvPr id="1" name=""/>
+        <p:cNvGrpSpPr/>
+        <p:nvPr/>
+      </p:nvGrpSpPr>
+      <p:grpSpPr>
+        <a:xfrm>
+          <a:off x="0" y="0"/>
+          <a:ext cx="0" cy="0"/>
+          <a:chOff x="0" y="0"/>
+          <a:chExt cx="0" cy="0"/>
+        </a:xfrm>
+      </p:grpSpPr>
+      <p:sp>
+        <p:nvSpPr>
+          <p:cNvPr id="2" name="标题 1">
+            <a:extLst>
+              <a:ext uri="{FF2B5EF4-FFF2-40B4-BE49-F238E27FC236}">
+                <a16:creationId xmlns:a16="http://schemas.microsoft.com/office/drawing/2014/main" id="{1C289AC6-10C9-7943-8F88-77C2C80CA39E}"/>
+              </a:ext>
+            </a:extLst>
+          </p:cNvPr>
+          <p:cNvSpPr>
+            <a:spLocks noGrp="1"/>
+          </p:cNvSpPr>
+          <p:nvPr>
+            <p:ph type="title"/>
+          </p:nvPr>
+        </p:nvSpPr>
+        <p:spPr/>
+        <p:txBody>
+          <a:bodyPr/>
+          <a:lstStyle/>
+          <a:p>
+            <a:r>
+              <a:rPr kumimoji="1" lang="zh-CN" altLang="en-US" dirty="0"/>
+              <a:t>心理准备</a:t>
+            </a:r>
+          </a:p>
+        </p:txBody>
+      </p:sp>
+      <p:sp>
+        <p:nvSpPr>
+          <p:cNvPr id="3" name="内容占位符 2">
+            <a:extLst>
+              <a:ext uri="{FF2B5EF4-FFF2-40B4-BE49-F238E27FC236}">
+                <a16:creationId xmlns:a16="http://schemas.microsoft.com/office/drawing/2014/main" id="{2A658C5C-0C2D-0247-8B30-0E6B30D41F82}"/>
+              </a:ext>
+            </a:extLst>
+          </p:cNvPr>
+          <p:cNvSpPr>
+            <a:spLocks noGrp="1"/>
+          </p:cNvSpPr>
+          <p:nvPr>
+            <p:ph idx="1"/>
+          </p:nvPr>
+        </p:nvSpPr>
+        <p:spPr/>
+        <p:txBody>
+          <a:bodyPr/>
+          <a:lstStyle/>
+          <a:p>
+            <a:r>
+              <a:rPr kumimoji="1" lang="zh-CN" altLang="en-US" dirty="0"/>
+              <a:t>前路不好走</a:t>
+            </a:r>
+            <a:endParaRPr kumimoji="1" lang="en-US" altLang="zh-CN" dirty="0"/>
+          </a:p>
+          <a:p>
+            <a:r>
+              <a:rPr kumimoji="1" lang="zh-CN" altLang="en-US" dirty="0"/>
+              <a:t>创业风险很大</a:t>
+            </a:r>
+            <a:endParaRPr kumimoji="1" lang="en-US" altLang="zh-CN" dirty="0"/>
+          </a:p>
+          <a:p>
+            <a:endParaRPr kumimoji="1" lang="zh-CN" altLang="en-US" dirty="0"/>
+          </a:p>
+        </p:txBody>
+      </p:sp>
+    </p:spTree>
+    <p:extLst>
+      <p:ext uri="{BB962C8B-B14F-4D97-AF65-F5344CB8AC3E}">
+        <p14:creationId xmlns:p14="http://schemas.microsoft.com/office/powerpoint/2010/main" val="2377383159"/>
+      </p:ext>
+    </p:extLst>
+  </p:cSld>
+  <p:clrMapOvr>
+    <a:masterClrMapping/>
+  </p:clrMapOvr>
+</p:sld>
+</file>
+
 <file path=ppt/slides/slide3.xml><?xml version="1.0" encoding="utf-8"?>
 <p:sld xmlns:a="http://schemas.openxmlformats.org/drawingml/2006/main" xmlns:r="http://schemas.openxmlformats.org/officeDocument/2006/relationships" xmlns:p="http://schemas.openxmlformats.org/presentationml/2006/main">
   <p:cSld>

--- a/_posts/商业需求.pptx
+++ b/_posts/商业需求.pptx
@@ -7,31 +7,31 @@
   <p:sldIdLst>
     <p:sldId id="256" r:id="rId2"/>
     <p:sldId id="292" r:id="rId3"/>
-    <p:sldId id="284" r:id="rId4"/>
-    <p:sldId id="285" r:id="rId5"/>
-    <p:sldId id="290" r:id="rId6"/>
-    <p:sldId id="291" r:id="rId7"/>
-    <p:sldId id="289" r:id="rId8"/>
-    <p:sldId id="258" r:id="rId9"/>
-    <p:sldId id="294" r:id="rId10"/>
-    <p:sldId id="261" r:id="rId11"/>
-    <p:sldId id="262" r:id="rId12"/>
-    <p:sldId id="263" r:id="rId13"/>
-    <p:sldId id="264" r:id="rId14"/>
-    <p:sldId id="266" r:id="rId15"/>
-    <p:sldId id="295" r:id="rId16"/>
-    <p:sldId id="269" r:id="rId17"/>
-    <p:sldId id="270" r:id="rId18"/>
-    <p:sldId id="274" r:id="rId19"/>
-    <p:sldId id="277" r:id="rId20"/>
-    <p:sldId id="296" r:id="rId21"/>
-    <p:sldId id="278" r:id="rId22"/>
-    <p:sldId id="283" r:id="rId23"/>
-    <p:sldId id="280" r:id="rId24"/>
-    <p:sldId id="281" r:id="rId25"/>
-    <p:sldId id="282" r:id="rId26"/>
-    <p:sldId id="297" r:id="rId27"/>
-    <p:sldId id="298" r:id="rId28"/>
+    <p:sldId id="290" r:id="rId4"/>
+    <p:sldId id="291" r:id="rId5"/>
+    <p:sldId id="289" r:id="rId6"/>
+    <p:sldId id="258" r:id="rId7"/>
+    <p:sldId id="294" r:id="rId8"/>
+    <p:sldId id="261" r:id="rId9"/>
+    <p:sldId id="262" r:id="rId10"/>
+    <p:sldId id="300" r:id="rId11"/>
+    <p:sldId id="263" r:id="rId12"/>
+    <p:sldId id="264" r:id="rId13"/>
+    <p:sldId id="266" r:id="rId14"/>
+    <p:sldId id="295" r:id="rId15"/>
+    <p:sldId id="269" r:id="rId16"/>
+    <p:sldId id="270" r:id="rId17"/>
+    <p:sldId id="274" r:id="rId18"/>
+    <p:sldId id="277" r:id="rId19"/>
+    <p:sldId id="296" r:id="rId20"/>
+    <p:sldId id="278" r:id="rId21"/>
+    <p:sldId id="283" r:id="rId22"/>
+    <p:sldId id="280" r:id="rId23"/>
+    <p:sldId id="281" r:id="rId24"/>
+    <p:sldId id="282" r:id="rId25"/>
+    <p:sldId id="297" r:id="rId26"/>
+    <p:sldId id="298" r:id="rId27"/>
+    <p:sldId id="299" r:id="rId28"/>
   </p:sldIdLst>
   <p:sldSz cx="12192000" cy="6858000"/>
   <p:notesSz cx="6858000" cy="9144000"/>
@@ -3234,7 +3234,7 @@
           <p:cNvPr id="2" name="标题 1">
             <a:extLst>
               <a:ext uri="{FF2B5EF4-FFF2-40B4-BE49-F238E27FC236}">
-                <a16:creationId xmlns:a16="http://schemas.microsoft.com/office/drawing/2014/main" id="{B95709DD-0EB1-3441-89D4-E1BCD52D3CBE}"/>
+                <a16:creationId xmlns:a16="http://schemas.microsoft.com/office/drawing/2014/main" id="{EF1E420C-A438-DF46-AEBB-0C01EE8F5E62}"/>
               </a:ext>
             </a:extLst>
           </p:cNvPr>
@@ -3251,71 +3251,110 @@
           <a:lstStyle/>
           <a:p>
             <a:r>
-              <a:rPr lang="zh-CN" altLang="en-US" b="1" dirty="0"/>
-              <a:t>发展趋势</a:t>
-            </a:r>
+              <a:rPr kumimoji="1" lang="zh-CN" altLang="en-US" dirty="0"/>
+              <a:t>直接竞争对手</a:t>
+            </a:r>
+          </a:p>
+        </p:txBody>
+      </p:sp>
+      <p:sp>
+        <p:nvSpPr>
+          <p:cNvPr id="3" name="内容占位符 2">
+            <a:extLst>
+              <a:ext uri="{FF2B5EF4-FFF2-40B4-BE49-F238E27FC236}">
+                <a16:creationId xmlns:a16="http://schemas.microsoft.com/office/drawing/2014/main" id="{411D1317-2D1B-614B-B1E7-4223C0C54FB3}"/>
+              </a:ext>
+            </a:extLst>
+          </p:cNvPr>
+          <p:cNvSpPr>
+            <a:spLocks noGrp="1"/>
+          </p:cNvSpPr>
+          <p:nvPr>
+            <p:ph idx="1"/>
+          </p:nvPr>
+        </p:nvSpPr>
+        <p:spPr/>
+        <p:txBody>
+          <a:bodyPr/>
+          <a:lstStyle/>
+          <a:p>
+            <a:r>
+              <a:rPr kumimoji="1" lang="en" altLang="zh-CN" dirty="0">
+                <a:hlinkClick r:id="rId2"/>
+              </a:rPr>
+              <a:t>http://www.zhaojiancai.com/</a:t>
+            </a:r>
+            <a:endParaRPr kumimoji="1" lang="en" altLang="zh-CN" dirty="0"/>
+          </a:p>
+          <a:p>
+            <a:r>
+              <a:rPr kumimoji="1" lang="en" altLang="zh-CN" dirty="0">
+                <a:hlinkClick r:id="rId3"/>
+              </a:rPr>
+              <a:t>http://www.jc.net.cn</a:t>
+            </a:r>
+            <a:r>
+              <a:rPr kumimoji="1" lang="en" altLang="zh-CN">
+                <a:hlinkClick r:id="rId3"/>
+              </a:rPr>
+              <a:t>/</a:t>
+            </a:r>
+            <a:endParaRPr kumimoji="1" lang="en" altLang="zh-CN"/>
+          </a:p>
+          <a:p>
             <a:endParaRPr kumimoji="1" lang="zh-CN" altLang="en-US" dirty="0"/>
           </a:p>
-        </p:txBody>
-      </p:sp>
-      <p:sp>
-        <p:nvSpPr>
-          <p:cNvPr id="3" name="内容占位符 2">
-            <a:extLst>
-              <a:ext uri="{FF2B5EF4-FFF2-40B4-BE49-F238E27FC236}">
-                <a16:creationId xmlns:a16="http://schemas.microsoft.com/office/drawing/2014/main" id="{01A9921D-121D-C14A-A744-7129A3ACF4C2}"/>
-              </a:ext>
-            </a:extLst>
-          </p:cNvPr>
-          <p:cNvSpPr>
-            <a:spLocks noGrp="1"/>
-          </p:cNvSpPr>
-          <p:nvPr>
-            <p:ph idx="1"/>
-          </p:nvPr>
-        </p:nvSpPr>
-        <p:spPr/>
-        <p:txBody>
-          <a:bodyPr/>
-          <a:lstStyle/>
           <a:p>
             <a:r>
               <a:rPr kumimoji="1" lang="zh-CN" altLang="en-US" dirty="0"/>
-              <a:t>从</a:t>
+              <a:t>建材类商城</a:t>
             </a:r>
             <a:r>
               <a:rPr kumimoji="1" lang="en-US" altLang="zh-CN" dirty="0"/>
-              <a:t>2010</a:t>
+              <a:t>(</a:t>
             </a:r>
             <a:r>
               <a:rPr kumimoji="1" lang="zh-CN" altLang="en-US" dirty="0"/>
-              <a:t>年开始逐渐有大量公司开展相关服务</a:t>
-            </a:r>
+              <a:t>核心在支付</a:t>
+            </a:r>
+            <a:r>
+              <a:rPr kumimoji="1" lang="en-US" altLang="zh-CN" dirty="0"/>
+              <a:t>)</a:t>
+            </a:r>
+          </a:p>
+          <a:p>
+            <a:r>
+              <a:rPr kumimoji="1" lang="zh-CN" altLang="en-US" dirty="0"/>
+              <a:t>招投标</a:t>
+            </a:r>
+            <a:r>
+              <a:rPr kumimoji="1" lang="en-US" altLang="zh-CN" dirty="0"/>
+              <a:t>(</a:t>
+            </a:r>
+            <a:r>
+              <a:rPr kumimoji="1" lang="zh-CN" altLang="en-US" dirty="0"/>
+              <a:t>邀请核心企业进行招标</a:t>
+            </a:r>
+            <a:r>
+              <a:rPr kumimoji="1" lang="en-US" altLang="zh-CN" dirty="0"/>
+              <a:t>)</a:t>
+            </a:r>
+          </a:p>
+          <a:p>
             <a:endParaRPr kumimoji="1" lang="en-US" altLang="zh-CN" dirty="0"/>
           </a:p>
           <a:p>
             <a:r>
               <a:rPr kumimoji="1" lang="zh-CN" altLang="en-US" dirty="0"/>
-              <a:t>但是暂时没有建材类相关的大型互联网公司</a:t>
-            </a:r>
-            <a:endParaRPr kumimoji="1" lang="en-US" altLang="zh-CN" dirty="0"/>
-          </a:p>
-          <a:p>
+              <a:t>做差异化竞争</a:t>
+            </a:r>
             <a:r>
               <a:rPr kumimoji="1" lang="en-US" altLang="zh-CN" dirty="0"/>
-              <a:t>2020</a:t>
+              <a:t>,</a:t>
             </a:r>
             <a:r>
               <a:rPr kumimoji="1" lang="zh-CN" altLang="en-US" dirty="0"/>
-              <a:t>年大量互联网公司进入企业</a:t>
-            </a:r>
-            <a:r>
-              <a:rPr kumimoji="1" lang="en-US" altLang="zh-CN" dirty="0"/>
-              <a:t>SAAS</a:t>
-            </a:r>
-            <a:r>
-              <a:rPr kumimoji="1" lang="zh-CN" altLang="en-US" dirty="0"/>
-              <a:t>服务相关领域</a:t>
+              <a:t>同时</a:t>
             </a:r>
           </a:p>
         </p:txBody>
@@ -3323,7 +3362,7 @@
     </p:spTree>
     <p:extLst>
       <p:ext uri="{BB962C8B-B14F-4D97-AF65-F5344CB8AC3E}">
-        <p14:creationId xmlns:p14="http://schemas.microsoft.com/office/powerpoint/2010/main" val="4135372465"/>
+        <p14:creationId xmlns:p14="http://schemas.microsoft.com/office/powerpoint/2010/main" val="193446838"/>
       </p:ext>
     </p:extLst>
   </p:cSld>
@@ -3355,7 +3394,7 @@
           <p:cNvPr id="2" name="标题 1">
             <a:extLst>
               <a:ext uri="{FF2B5EF4-FFF2-40B4-BE49-F238E27FC236}">
-                <a16:creationId xmlns:a16="http://schemas.microsoft.com/office/drawing/2014/main" id="{1289F460-8251-FC43-B641-9A208F4376BB}"/>
+                <a16:creationId xmlns:a16="http://schemas.microsoft.com/office/drawing/2014/main" id="{8F891772-BE83-C441-A40F-BA6E1E3572D5}"/>
               </a:ext>
             </a:extLst>
           </p:cNvPr>
@@ -3373,7 +3412,7 @@
           <a:p>
             <a:r>
               <a:rPr lang="zh-CN" altLang="en-US" b="1" dirty="0"/>
-              <a:t>竞争对手发展情况</a:t>
+              <a:t>产品规划</a:t>
             </a:r>
             <a:endParaRPr kumimoji="1" lang="zh-CN" altLang="en-US" dirty="0"/>
           </a:p>
@@ -3384,7 +3423,7 @@
           <p:cNvPr id="3" name="内容占位符 2">
             <a:extLst>
               <a:ext uri="{FF2B5EF4-FFF2-40B4-BE49-F238E27FC236}">
-                <a16:creationId xmlns:a16="http://schemas.microsoft.com/office/drawing/2014/main" id="{666BCBC3-6B34-614D-8D9D-7DD26E488D83}"/>
+                <a16:creationId xmlns:a16="http://schemas.microsoft.com/office/drawing/2014/main" id="{6152BE8B-E992-2B49-911A-D7C5B6CB08AA}"/>
               </a:ext>
             </a:extLst>
           </p:cNvPr>
@@ -3397,66 +3436,67 @@
         </p:nvSpPr>
         <p:spPr/>
         <p:txBody>
-          <a:bodyPr>
-            <a:normAutofit/>
-          </a:bodyPr>
-          <a:lstStyle/>
-          <a:p>
+          <a:bodyPr/>
+          <a:lstStyle/>
+          <a:p>
+            <a:pPr marL="0" indent="0">
+              <a:buNone/>
+            </a:pPr>
+            <a:r>
+              <a:rPr kumimoji="1" lang="zh-CN" altLang="en-US" dirty="0"/>
+              <a:t>建议做建材类一站式解决方案</a:t>
+            </a:r>
+            <a:r>
+              <a:rPr kumimoji="1" lang="en-US" altLang="zh-CN" dirty="0"/>
+              <a:t>,</a:t>
+            </a:r>
             <a:r>
               <a:rPr lang="zh-CN" altLang="en-US" dirty="0"/>
-              <a:t>找钢网从最开始的钢铁交易平台，慢慢做到走出国门，甚至在今年拿到国家主权基金“中俄投资基金”的投资，成为</a:t>
+              <a:t>与找子头差异化竞争</a:t>
+            </a:r>
+            <a:endParaRPr lang="en-US" altLang="zh-CN" dirty="0"/>
+          </a:p>
+          <a:p>
+            <a:pPr marL="0" indent="0">
+              <a:buNone/>
+            </a:pPr>
+            <a:endParaRPr lang="en-US" altLang="zh-CN" dirty="0"/>
+          </a:p>
+          <a:p>
+            <a:pPr marL="0" indent="0">
+              <a:buNone/>
+            </a:pPr>
+            <a:r>
+              <a:rPr lang="zh-CN" altLang="en-US" dirty="0"/>
+              <a:t>支付上做创新</a:t>
             </a:r>
             <a:r>
               <a:rPr lang="en-US" altLang="zh-CN" dirty="0"/>
-              <a:t>500</a:t>
+              <a:t>(</a:t>
             </a:r>
             <a:r>
               <a:rPr lang="zh-CN" altLang="en-US" dirty="0"/>
-              <a:t>强企业</a:t>
+              <a:t>小宗交易建议直接支付</a:t>
             </a:r>
             <a:r>
               <a:rPr lang="en-US" altLang="zh-CN" dirty="0"/>
-              <a:t>.</a:t>
-            </a:r>
-            <a:br>
+              <a:t>,</a:t>
+            </a:r>
+            <a:r>
               <a:rPr lang="zh-CN" altLang="en-US" dirty="0"/>
-            </a:br>
-            <a:endParaRPr lang="en-US" altLang="zh-CN" dirty="0"/>
-          </a:p>
-          <a:p>
-            <a:r>
-              <a:rPr lang="zh-CN" altLang="en-US" dirty="0"/>
-              <a:t>找钢网自创立以来，到现在成为全国最大的钢铁电商平台，它所创建的找钢网上市模式被三百多家钢铁电商所模仿，不仅如此，它还影响了众多大宗商品行业，什么找塑料网、找纸浆网、找化工网等相继出现，这么看来，找钢网俨然就是国内“找字辈”电商的鼻祖。</a:t>
-            </a:r>
-          </a:p>
-          <a:p>
-            <a:r>
-              <a:rPr lang="zh-CN" altLang="en-US" dirty="0"/>
-              <a:t>然而三年亏损近</a:t>
+              <a:t>大宗交易建议做反向保理</a:t>
             </a:r>
             <a:r>
               <a:rPr lang="en-US" altLang="zh-CN" dirty="0"/>
-              <a:t>20</a:t>
-            </a:r>
-            <a:r>
-              <a:rPr lang="zh-CN" altLang="en-US" dirty="0"/>
-              <a:t>亿 找钢网再递招股书放弃上市</a:t>
-            </a:r>
-            <a:r>
-              <a:rPr lang="en-US" altLang="zh-CN" dirty="0"/>
-              <a:t>.</a:t>
-            </a:r>
-            <a:endParaRPr kumimoji="1" lang="zh-CN" altLang="en-US" dirty="0"/>
-          </a:p>
-          <a:p>
-            <a:endParaRPr kumimoji="1" lang="zh-CN" altLang="en-US" dirty="0"/>
+              <a:t>)</a:t>
+            </a:r>
           </a:p>
         </p:txBody>
       </p:sp>
     </p:spTree>
     <p:extLst>
       <p:ext uri="{BB962C8B-B14F-4D97-AF65-F5344CB8AC3E}">
-        <p14:creationId xmlns:p14="http://schemas.microsoft.com/office/powerpoint/2010/main" val="1970406261"/>
+        <p14:creationId xmlns:p14="http://schemas.microsoft.com/office/powerpoint/2010/main" val="573681592"/>
       </p:ext>
     </p:extLst>
   </p:cSld>
@@ -3488,7 +3528,7 @@
           <p:cNvPr id="2" name="标题 1">
             <a:extLst>
               <a:ext uri="{FF2B5EF4-FFF2-40B4-BE49-F238E27FC236}">
-                <a16:creationId xmlns:a16="http://schemas.microsoft.com/office/drawing/2014/main" id="{8F891772-BE83-C441-A40F-BA6E1E3572D5}"/>
+                <a16:creationId xmlns:a16="http://schemas.microsoft.com/office/drawing/2014/main" id="{723F984C-2F5A-7346-B0BD-55579DB9BE0D}"/>
               </a:ext>
             </a:extLst>
           </p:cNvPr>
@@ -3506,7 +3546,7 @@
           <a:p>
             <a:r>
               <a:rPr lang="zh-CN" altLang="en-US" b="1" dirty="0"/>
-              <a:t>产品规划</a:t>
+              <a:t>产品定位</a:t>
             </a:r>
             <a:endParaRPr kumimoji="1" lang="zh-CN" altLang="en-US" dirty="0"/>
           </a:p>
@@ -3517,7 +3557,7 @@
           <p:cNvPr id="3" name="内容占位符 2">
             <a:extLst>
               <a:ext uri="{FF2B5EF4-FFF2-40B4-BE49-F238E27FC236}">
-                <a16:creationId xmlns:a16="http://schemas.microsoft.com/office/drawing/2014/main" id="{6152BE8B-E992-2B49-911A-D7C5B6CB08AA}"/>
+                <a16:creationId xmlns:a16="http://schemas.microsoft.com/office/drawing/2014/main" id="{10272F9B-3167-B743-9E3E-8ACCF8DB6BF6}"/>
               </a:ext>
             </a:extLst>
           </p:cNvPr>
@@ -3533,56 +3573,19 @@
           <a:bodyPr/>
           <a:lstStyle/>
           <a:p>
-            <a:pPr marL="0" indent="0">
-              <a:buNone/>
-            </a:pPr>
+            <a:r>
+              <a:rPr lang="zh-CN" altLang="en-US" dirty="0"/>
+              <a:t>撮合建筑材料供应商、需求方、金融机构</a:t>
+            </a:r>
+            <a:r>
+              <a:rPr lang="en-US" altLang="zh-CN" dirty="0"/>
+              <a:t>.</a:t>
+            </a:r>
+          </a:p>
+          <a:p>
             <a:r>
               <a:rPr kumimoji="1" lang="zh-CN" altLang="en-US" dirty="0"/>
-              <a:t>建议做建材类一站式解决方案</a:t>
-            </a:r>
-            <a:r>
-              <a:rPr kumimoji="1" lang="en-US" altLang="zh-CN" dirty="0"/>
-              <a:t>,</a:t>
-            </a:r>
-            <a:r>
-              <a:rPr lang="zh-CN" altLang="en-US" dirty="0"/>
-              <a:t>与找子头差异化竞争</a:t>
-            </a:r>
-            <a:endParaRPr lang="en-US" altLang="zh-CN" dirty="0"/>
-          </a:p>
-          <a:p>
-            <a:pPr marL="0" indent="0">
-              <a:buNone/>
-            </a:pPr>
-            <a:endParaRPr lang="en-US" altLang="zh-CN" dirty="0"/>
-          </a:p>
-          <a:p>
-            <a:pPr marL="0" indent="0">
-              <a:buNone/>
-            </a:pPr>
-            <a:r>
-              <a:rPr lang="zh-CN" altLang="en-US" dirty="0"/>
-              <a:t>支付上做创新</a:t>
-            </a:r>
-            <a:r>
-              <a:rPr lang="en-US" altLang="zh-CN" dirty="0"/>
-              <a:t>(</a:t>
-            </a:r>
-            <a:r>
-              <a:rPr lang="zh-CN" altLang="en-US" dirty="0"/>
-              <a:t>小宗交易建议直接支付</a:t>
-            </a:r>
-            <a:r>
-              <a:rPr lang="en-US" altLang="zh-CN" dirty="0"/>
-              <a:t>,</a:t>
-            </a:r>
-            <a:r>
-              <a:rPr lang="zh-CN" altLang="en-US" dirty="0"/>
-              <a:t>大宗交易建议做反向保理</a:t>
-            </a:r>
-            <a:r>
-              <a:rPr lang="en-US" altLang="zh-CN" dirty="0"/>
-              <a:t>)</a:t>
+              <a:t>提供定制的供应链综合解决方案</a:t>
             </a:r>
           </a:p>
         </p:txBody>
@@ -3590,7 +3593,7 @@
     </p:spTree>
     <p:extLst>
       <p:ext uri="{BB962C8B-B14F-4D97-AF65-F5344CB8AC3E}">
-        <p14:creationId xmlns:p14="http://schemas.microsoft.com/office/powerpoint/2010/main" val="573681592"/>
+        <p14:creationId xmlns:p14="http://schemas.microsoft.com/office/powerpoint/2010/main" val="2671284339"/>
       </p:ext>
     </p:extLst>
   </p:cSld>
@@ -3622,103 +3625,6 @@
           <p:cNvPr id="2" name="标题 1">
             <a:extLst>
               <a:ext uri="{FF2B5EF4-FFF2-40B4-BE49-F238E27FC236}">
-                <a16:creationId xmlns:a16="http://schemas.microsoft.com/office/drawing/2014/main" id="{723F984C-2F5A-7346-B0BD-55579DB9BE0D}"/>
-              </a:ext>
-            </a:extLst>
-          </p:cNvPr>
-          <p:cNvSpPr>
-            <a:spLocks noGrp="1"/>
-          </p:cNvSpPr>
-          <p:nvPr>
-            <p:ph type="title"/>
-          </p:nvPr>
-        </p:nvSpPr>
-        <p:spPr/>
-        <p:txBody>
-          <a:bodyPr/>
-          <a:lstStyle/>
-          <a:p>
-            <a:r>
-              <a:rPr lang="zh-CN" altLang="en-US" b="1" dirty="0"/>
-              <a:t>产品定位</a:t>
-            </a:r>
-            <a:endParaRPr kumimoji="1" lang="zh-CN" altLang="en-US" dirty="0"/>
-          </a:p>
-        </p:txBody>
-      </p:sp>
-      <p:sp>
-        <p:nvSpPr>
-          <p:cNvPr id="3" name="内容占位符 2">
-            <a:extLst>
-              <a:ext uri="{FF2B5EF4-FFF2-40B4-BE49-F238E27FC236}">
-                <a16:creationId xmlns:a16="http://schemas.microsoft.com/office/drawing/2014/main" id="{10272F9B-3167-B743-9E3E-8ACCF8DB6BF6}"/>
-              </a:ext>
-            </a:extLst>
-          </p:cNvPr>
-          <p:cNvSpPr>
-            <a:spLocks noGrp="1"/>
-          </p:cNvSpPr>
-          <p:nvPr>
-            <p:ph idx="1"/>
-          </p:nvPr>
-        </p:nvSpPr>
-        <p:spPr/>
-        <p:txBody>
-          <a:bodyPr/>
-          <a:lstStyle/>
-          <a:p>
-            <a:r>
-              <a:rPr lang="zh-CN" altLang="en-US" dirty="0"/>
-              <a:t>撮合建筑材料供应商、需求方、金融机构</a:t>
-            </a:r>
-            <a:r>
-              <a:rPr lang="en-US" altLang="zh-CN" dirty="0"/>
-              <a:t>.</a:t>
-            </a:r>
-          </a:p>
-          <a:p>
-            <a:r>
-              <a:rPr kumimoji="1" lang="zh-CN" altLang="en-US" dirty="0"/>
-              <a:t>提供定制的供应链综合解决方案</a:t>
-            </a:r>
-          </a:p>
-        </p:txBody>
-      </p:sp>
-    </p:spTree>
-    <p:extLst>
-      <p:ext uri="{BB962C8B-B14F-4D97-AF65-F5344CB8AC3E}">
-        <p14:creationId xmlns:p14="http://schemas.microsoft.com/office/powerpoint/2010/main" val="2671284339"/>
-      </p:ext>
-    </p:extLst>
-  </p:cSld>
-  <p:clrMapOvr>
-    <a:masterClrMapping/>
-  </p:clrMapOvr>
-</p:sld>
-</file>
-
-<file path=ppt/slides/slide14.xml><?xml version="1.0" encoding="utf-8"?>
-<p:sld xmlns:a="http://schemas.openxmlformats.org/drawingml/2006/main" xmlns:r="http://schemas.openxmlformats.org/officeDocument/2006/relationships" xmlns:p="http://schemas.openxmlformats.org/presentationml/2006/main">
-  <p:cSld>
-    <p:spTree>
-      <p:nvGrpSpPr>
-        <p:cNvPr id="1" name=""/>
-        <p:cNvGrpSpPr/>
-        <p:nvPr/>
-      </p:nvGrpSpPr>
-      <p:grpSpPr>
-        <a:xfrm>
-          <a:off x="0" y="0"/>
-          <a:ext cx="0" cy="0"/>
-          <a:chOff x="0" y="0"/>
-          <a:chExt cx="0" cy="0"/>
-        </a:xfrm>
-      </p:grpSpPr>
-      <p:sp>
-        <p:nvSpPr>
-          <p:cNvPr id="2" name="标题 1">
-            <a:extLst>
-              <a:ext uri="{FF2B5EF4-FFF2-40B4-BE49-F238E27FC236}">
                 <a16:creationId xmlns:a16="http://schemas.microsoft.com/office/drawing/2014/main" id="{1814BB56-DEBA-DF4B-BF25-DE679D59D517}"/>
               </a:ext>
             </a:extLst>
@@ -3790,7 +3696,7 @@
 </p:sld>
 </file>
 
-<file path=ppt/slides/slide15.xml><?xml version="1.0" encoding="utf-8"?>
+<file path=ppt/slides/slide14.xml><?xml version="1.0" encoding="utf-8"?>
 <p:sld xmlns:a="http://schemas.openxmlformats.org/drawingml/2006/main" xmlns:r="http://schemas.openxmlformats.org/officeDocument/2006/relationships" xmlns:p="http://schemas.openxmlformats.org/presentationml/2006/main">
   <p:cSld>
     <p:spTree>
@@ -3910,6 +3816,93 @@
 </p:sld>
 </file>
 
+<file path=ppt/slides/slide15.xml><?xml version="1.0" encoding="utf-8"?>
+<p:sld xmlns:a="http://schemas.openxmlformats.org/drawingml/2006/main" xmlns:r="http://schemas.openxmlformats.org/officeDocument/2006/relationships" xmlns:p="http://schemas.openxmlformats.org/presentationml/2006/main">
+  <p:cSld>
+    <p:spTree>
+      <p:nvGrpSpPr>
+        <p:cNvPr id="1" name=""/>
+        <p:cNvGrpSpPr/>
+        <p:nvPr/>
+      </p:nvGrpSpPr>
+      <p:grpSpPr>
+        <a:xfrm>
+          <a:off x="0" y="0"/>
+          <a:ext cx="0" cy="0"/>
+          <a:chOff x="0" y="0"/>
+          <a:chExt cx="0" cy="0"/>
+        </a:xfrm>
+      </p:grpSpPr>
+      <p:sp>
+        <p:nvSpPr>
+          <p:cNvPr id="2" name="标题 1">
+            <a:extLst>
+              <a:ext uri="{FF2B5EF4-FFF2-40B4-BE49-F238E27FC236}">
+                <a16:creationId xmlns:a16="http://schemas.microsoft.com/office/drawing/2014/main" id="{298E28D4-2452-5F48-993B-0228EFAF9243}"/>
+              </a:ext>
+            </a:extLst>
+          </p:cNvPr>
+          <p:cNvSpPr>
+            <a:spLocks noGrp="1"/>
+          </p:cNvSpPr>
+          <p:nvPr>
+            <p:ph type="title"/>
+          </p:nvPr>
+        </p:nvSpPr>
+        <p:spPr/>
+        <p:txBody>
+          <a:bodyPr/>
+          <a:lstStyle/>
+          <a:p>
+            <a:r>
+              <a:rPr lang="zh-CN" altLang="en-US" b="1" dirty="0"/>
+              <a:t>运营规划</a:t>
+            </a:r>
+            <a:br>
+              <a:rPr lang="zh-CN" altLang="en-US" b="1" dirty="0"/>
+            </a:br>
+            <a:endParaRPr kumimoji="1" lang="zh-CN" altLang="en-US" dirty="0"/>
+          </a:p>
+        </p:txBody>
+      </p:sp>
+      <p:sp>
+        <p:nvSpPr>
+          <p:cNvPr id="3" name="内容占位符 2">
+            <a:extLst>
+              <a:ext uri="{FF2B5EF4-FFF2-40B4-BE49-F238E27FC236}">
+                <a16:creationId xmlns:a16="http://schemas.microsoft.com/office/drawing/2014/main" id="{A5185738-A5D5-E043-A3E7-F2B2E127B743}"/>
+              </a:ext>
+            </a:extLst>
+          </p:cNvPr>
+          <p:cNvSpPr>
+            <a:spLocks noGrp="1"/>
+          </p:cNvSpPr>
+          <p:nvPr>
+            <p:ph idx="1"/>
+          </p:nvPr>
+        </p:nvSpPr>
+        <p:spPr/>
+        <p:txBody>
+          <a:bodyPr/>
+          <a:lstStyle/>
+          <a:p>
+            <a:endParaRPr kumimoji="1" lang="zh-CN" altLang="en-US" dirty="0"/>
+          </a:p>
+        </p:txBody>
+      </p:sp>
+    </p:spTree>
+    <p:extLst>
+      <p:ext uri="{BB962C8B-B14F-4D97-AF65-F5344CB8AC3E}">
+        <p14:creationId xmlns:p14="http://schemas.microsoft.com/office/powerpoint/2010/main" val="1706349286"/>
+      </p:ext>
+    </p:extLst>
+  </p:cSld>
+  <p:clrMapOvr>
+    <a:masterClrMapping/>
+  </p:clrMapOvr>
+</p:sld>
+</file>
+
 <file path=ppt/slides/slide16.xml><?xml version="1.0" encoding="utf-8"?>
 <p:sld xmlns:a="http://schemas.openxmlformats.org/drawingml/2006/main" xmlns:r="http://schemas.openxmlformats.org/officeDocument/2006/relationships" xmlns:p="http://schemas.openxmlformats.org/presentationml/2006/main">
   <p:cSld>
@@ -3932,7 +3925,7 @@
           <p:cNvPr id="2" name="标题 1">
             <a:extLst>
               <a:ext uri="{FF2B5EF4-FFF2-40B4-BE49-F238E27FC236}">
-                <a16:creationId xmlns:a16="http://schemas.microsoft.com/office/drawing/2014/main" id="{298E28D4-2452-5F48-993B-0228EFAF9243}"/>
+                <a16:creationId xmlns:a16="http://schemas.microsoft.com/office/drawing/2014/main" id="{574D60C7-51C2-1840-B6FB-5647180E31B5}"/>
               </a:ext>
             </a:extLst>
           </p:cNvPr>
@@ -3950,36 +3943,70 @@
           <a:p>
             <a:r>
               <a:rPr lang="zh-CN" altLang="en-US" b="1" dirty="0"/>
-              <a:t>运营规划</a:t>
+              <a:t>内容运营</a:t>
+            </a:r>
+            <a:endParaRPr kumimoji="1" lang="zh-CN" altLang="en-US" dirty="0"/>
+          </a:p>
+        </p:txBody>
+      </p:sp>
+      <p:sp>
+        <p:nvSpPr>
+          <p:cNvPr id="3" name="内容占位符 2">
+            <a:extLst>
+              <a:ext uri="{FF2B5EF4-FFF2-40B4-BE49-F238E27FC236}">
+                <a16:creationId xmlns:a16="http://schemas.microsoft.com/office/drawing/2014/main" id="{E847CC5F-AA62-D544-83C7-C6462A6D1763}"/>
+              </a:ext>
+            </a:extLst>
+          </p:cNvPr>
+          <p:cNvSpPr>
+            <a:spLocks noGrp="1"/>
+          </p:cNvSpPr>
+          <p:nvPr>
+            <p:ph idx="1"/>
+          </p:nvPr>
+        </p:nvSpPr>
+        <p:spPr/>
+        <p:txBody>
+          <a:bodyPr/>
+          <a:lstStyle/>
+          <a:p>
+            <a:endParaRPr lang="en-US" altLang="zh-CN" dirty="0"/>
+          </a:p>
+          <a:p>
+            <a:r>
+              <a:rPr lang="zh-CN" altLang="en-US" dirty="0"/>
+              <a:t>各个材料价格和涨跌数据</a:t>
+            </a:r>
+            <a:endParaRPr lang="en-US" altLang="zh-CN" dirty="0"/>
+          </a:p>
+          <a:p>
+            <a:r>
+              <a:rPr lang="zh-CN" altLang="en-US" dirty="0"/>
+              <a:t>商品信息价格</a:t>
+            </a:r>
+            <a:r>
+              <a:rPr lang="en-US" altLang="zh-CN" dirty="0"/>
+              <a:t>,</a:t>
+            </a:r>
+            <a:r>
+              <a:rPr lang="zh-CN" altLang="en-US" dirty="0"/>
+              <a:t>产地</a:t>
+            </a:r>
+            <a:r>
+              <a:rPr lang="en-US" altLang="zh-CN" dirty="0"/>
+              <a:t>(</a:t>
+            </a:r>
+            <a:r>
+              <a:rPr lang="zh-CN" altLang="en-US" dirty="0"/>
+              <a:t>材料供应商</a:t>
+            </a:r>
+            <a:r>
+              <a:rPr lang="en-US" altLang="zh-CN" dirty="0"/>
+              <a:t>)</a:t>
             </a:r>
             <a:br>
-              <a:rPr lang="zh-CN" altLang="en-US" b="1" dirty="0"/>
+              <a:rPr lang="zh-CN" altLang="en-US" dirty="0"/>
             </a:br>
-            <a:endParaRPr kumimoji="1" lang="zh-CN" altLang="en-US" dirty="0"/>
-          </a:p>
-        </p:txBody>
-      </p:sp>
-      <p:sp>
-        <p:nvSpPr>
-          <p:cNvPr id="3" name="内容占位符 2">
-            <a:extLst>
-              <a:ext uri="{FF2B5EF4-FFF2-40B4-BE49-F238E27FC236}">
-                <a16:creationId xmlns:a16="http://schemas.microsoft.com/office/drawing/2014/main" id="{A5185738-A5D5-E043-A3E7-F2B2E127B743}"/>
-              </a:ext>
-            </a:extLst>
-          </p:cNvPr>
-          <p:cNvSpPr>
-            <a:spLocks noGrp="1"/>
-          </p:cNvSpPr>
-          <p:nvPr>
-            <p:ph idx="1"/>
-          </p:nvPr>
-        </p:nvSpPr>
-        <p:spPr/>
-        <p:txBody>
-          <a:bodyPr/>
-          <a:lstStyle/>
-          <a:p>
             <a:endParaRPr kumimoji="1" lang="zh-CN" altLang="en-US" dirty="0"/>
           </a:p>
         </p:txBody>
@@ -3987,7 +4014,7 @@
     </p:spTree>
     <p:extLst>
       <p:ext uri="{BB962C8B-B14F-4D97-AF65-F5344CB8AC3E}">
-        <p14:creationId xmlns:p14="http://schemas.microsoft.com/office/powerpoint/2010/main" val="1706349286"/>
+        <p14:creationId xmlns:p14="http://schemas.microsoft.com/office/powerpoint/2010/main" val="2652026173"/>
       </p:ext>
     </p:extLst>
   </p:cSld>
@@ -4019,127 +4046,6 @@
           <p:cNvPr id="2" name="标题 1">
             <a:extLst>
               <a:ext uri="{FF2B5EF4-FFF2-40B4-BE49-F238E27FC236}">
-                <a16:creationId xmlns:a16="http://schemas.microsoft.com/office/drawing/2014/main" id="{574D60C7-51C2-1840-B6FB-5647180E31B5}"/>
-              </a:ext>
-            </a:extLst>
-          </p:cNvPr>
-          <p:cNvSpPr>
-            <a:spLocks noGrp="1"/>
-          </p:cNvSpPr>
-          <p:nvPr>
-            <p:ph type="title"/>
-          </p:nvPr>
-        </p:nvSpPr>
-        <p:spPr/>
-        <p:txBody>
-          <a:bodyPr/>
-          <a:lstStyle/>
-          <a:p>
-            <a:r>
-              <a:rPr lang="zh-CN" altLang="en-US" b="1" dirty="0"/>
-              <a:t>内容运营</a:t>
-            </a:r>
-            <a:endParaRPr kumimoji="1" lang="zh-CN" altLang="en-US" dirty="0"/>
-          </a:p>
-        </p:txBody>
-      </p:sp>
-      <p:sp>
-        <p:nvSpPr>
-          <p:cNvPr id="3" name="内容占位符 2">
-            <a:extLst>
-              <a:ext uri="{FF2B5EF4-FFF2-40B4-BE49-F238E27FC236}">
-                <a16:creationId xmlns:a16="http://schemas.microsoft.com/office/drawing/2014/main" id="{E847CC5F-AA62-D544-83C7-C6462A6D1763}"/>
-              </a:ext>
-            </a:extLst>
-          </p:cNvPr>
-          <p:cNvSpPr>
-            <a:spLocks noGrp="1"/>
-          </p:cNvSpPr>
-          <p:nvPr>
-            <p:ph idx="1"/>
-          </p:nvPr>
-        </p:nvSpPr>
-        <p:spPr/>
-        <p:txBody>
-          <a:bodyPr/>
-          <a:lstStyle/>
-          <a:p>
-            <a:endParaRPr lang="en-US" altLang="zh-CN" dirty="0"/>
-          </a:p>
-          <a:p>
-            <a:r>
-              <a:rPr lang="zh-CN" altLang="en-US" dirty="0"/>
-              <a:t>各个材料价格和涨跌数据</a:t>
-            </a:r>
-            <a:endParaRPr lang="en-US" altLang="zh-CN" dirty="0"/>
-          </a:p>
-          <a:p>
-            <a:r>
-              <a:rPr lang="zh-CN" altLang="en-US" dirty="0"/>
-              <a:t>商品信息价格</a:t>
-            </a:r>
-            <a:r>
-              <a:rPr lang="en-US" altLang="zh-CN" dirty="0"/>
-              <a:t>,</a:t>
-            </a:r>
-            <a:r>
-              <a:rPr lang="zh-CN" altLang="en-US" dirty="0"/>
-              <a:t>产地</a:t>
-            </a:r>
-            <a:r>
-              <a:rPr lang="en-US" altLang="zh-CN" dirty="0"/>
-              <a:t>(</a:t>
-            </a:r>
-            <a:r>
-              <a:rPr lang="zh-CN" altLang="en-US" dirty="0"/>
-              <a:t>材料供应商</a:t>
-            </a:r>
-            <a:r>
-              <a:rPr lang="en-US" altLang="zh-CN" dirty="0"/>
-              <a:t>)</a:t>
-            </a:r>
-            <a:br>
-              <a:rPr lang="zh-CN" altLang="en-US" dirty="0"/>
-            </a:br>
-            <a:endParaRPr kumimoji="1" lang="zh-CN" altLang="en-US" dirty="0"/>
-          </a:p>
-        </p:txBody>
-      </p:sp>
-    </p:spTree>
-    <p:extLst>
-      <p:ext uri="{BB962C8B-B14F-4D97-AF65-F5344CB8AC3E}">
-        <p14:creationId xmlns:p14="http://schemas.microsoft.com/office/powerpoint/2010/main" val="2652026173"/>
-      </p:ext>
-    </p:extLst>
-  </p:cSld>
-  <p:clrMapOvr>
-    <a:masterClrMapping/>
-  </p:clrMapOvr>
-</p:sld>
-</file>
-
-<file path=ppt/slides/slide18.xml><?xml version="1.0" encoding="utf-8"?>
-<p:sld xmlns:a="http://schemas.openxmlformats.org/drawingml/2006/main" xmlns:r="http://schemas.openxmlformats.org/officeDocument/2006/relationships" xmlns:p="http://schemas.openxmlformats.org/presentationml/2006/main">
-  <p:cSld>
-    <p:spTree>
-      <p:nvGrpSpPr>
-        <p:cNvPr id="1" name=""/>
-        <p:cNvGrpSpPr/>
-        <p:nvPr/>
-      </p:nvGrpSpPr>
-      <p:grpSpPr>
-        <a:xfrm>
-          <a:off x="0" y="0"/>
-          <a:ext cx="0" cy="0"/>
-          <a:chOff x="0" y="0"/>
-          <a:chExt cx="0" cy="0"/>
-        </a:xfrm>
-      </p:grpSpPr>
-      <p:sp>
-        <p:nvSpPr>
-          <p:cNvPr id="2" name="标题 1">
-            <a:extLst>
-              <a:ext uri="{FF2B5EF4-FFF2-40B4-BE49-F238E27FC236}">
                 <a16:creationId xmlns:a16="http://schemas.microsoft.com/office/drawing/2014/main" id="{960C7802-4E1F-FC4D-B013-C70E7319AC63}"/>
               </a:ext>
             </a:extLst>
@@ -4216,7 +4122,7 @@
 </p:sld>
 </file>
 
-<file path=ppt/slides/slide19.xml><?xml version="1.0" encoding="utf-8"?>
+<file path=ppt/slides/slide18.xml><?xml version="1.0" encoding="utf-8"?>
 <p:sld xmlns:a="http://schemas.openxmlformats.org/drawingml/2006/main" xmlns:r="http://schemas.openxmlformats.org/officeDocument/2006/relationships" xmlns:p="http://schemas.openxmlformats.org/presentationml/2006/main">
   <p:cSld>
     <p:spTree>
@@ -4339,6 +4245,337 @@
 </p:sld>
 </file>
 
+<file path=ppt/slides/slide19.xml><?xml version="1.0" encoding="utf-8"?>
+<p:sld xmlns:a="http://schemas.openxmlformats.org/drawingml/2006/main" xmlns:r="http://schemas.openxmlformats.org/officeDocument/2006/relationships" xmlns:p="http://schemas.openxmlformats.org/presentationml/2006/main">
+  <p:cSld>
+    <p:spTree>
+      <p:nvGrpSpPr>
+        <p:cNvPr id="1" name=""/>
+        <p:cNvGrpSpPr/>
+        <p:nvPr/>
+      </p:nvGrpSpPr>
+      <p:grpSpPr>
+        <a:xfrm>
+          <a:off x="0" y="0"/>
+          <a:ext cx="0" cy="0"/>
+          <a:chOff x="0" y="0"/>
+          <a:chExt cx="0" cy="0"/>
+        </a:xfrm>
+      </p:grpSpPr>
+      <p:sp>
+        <p:nvSpPr>
+          <p:cNvPr id="3" name="内容占位符 2">
+            <a:extLst>
+              <a:ext uri="{FF2B5EF4-FFF2-40B4-BE49-F238E27FC236}">
+                <a16:creationId xmlns:a16="http://schemas.microsoft.com/office/drawing/2014/main" id="{0010C1A8-88E1-D547-A2A8-482DB4CBE495}"/>
+              </a:ext>
+            </a:extLst>
+          </p:cNvPr>
+          <p:cNvSpPr>
+            <a:spLocks noGrp="1"/>
+          </p:cNvSpPr>
+          <p:nvPr>
+            <p:ph idx="1"/>
+          </p:nvPr>
+        </p:nvSpPr>
+        <p:spPr>
+          <a:xfrm>
+            <a:off x="838200" y="441789"/>
+            <a:ext cx="10515600" cy="5735174"/>
+          </a:xfrm>
+        </p:spPr>
+        <p:txBody>
+          <a:bodyPr>
+            <a:normAutofit fontScale="77500" lnSpcReduction="20000"/>
+          </a:bodyPr>
+          <a:lstStyle/>
+          <a:p>
+            <a:r>
+              <a:rPr kumimoji="1" lang="zh-CN" altLang="en-US" dirty="0"/>
+              <a:t>人员成本</a:t>
+            </a:r>
+            <a:endParaRPr kumimoji="1" lang="en-US" altLang="zh-CN" dirty="0"/>
+          </a:p>
+          <a:p>
+            <a:pPr marL="0" indent="0">
+              <a:buNone/>
+            </a:pPr>
+            <a:r>
+              <a:rPr kumimoji="1" lang="zh-CN" altLang="en-US" sz="1800" dirty="0"/>
+              <a:t>产品 </a:t>
+            </a:r>
+            <a:r>
+              <a:rPr kumimoji="1" lang="en-US" altLang="zh-CN" sz="1800" dirty="0"/>
+              <a:t>1</a:t>
+            </a:r>
+          </a:p>
+          <a:p>
+            <a:pPr marL="0" indent="0">
+              <a:buNone/>
+            </a:pPr>
+            <a:r>
+              <a:rPr kumimoji="1" lang="en-US" altLang="zh-CN" sz="1800" dirty="0"/>
+              <a:t>UI</a:t>
+            </a:r>
+            <a:r>
+              <a:rPr kumimoji="1" lang="zh-CN" altLang="en-US" sz="1800" dirty="0"/>
+              <a:t>设计 </a:t>
+            </a:r>
+            <a:r>
+              <a:rPr kumimoji="1" lang="en-US" altLang="zh-CN" sz="1800" dirty="0"/>
+              <a:t>1</a:t>
+            </a:r>
+          </a:p>
+          <a:p>
+            <a:pPr marL="0" indent="0">
+              <a:buNone/>
+            </a:pPr>
+            <a:r>
+              <a:rPr kumimoji="1" lang="zh-CN" altLang="en-US" sz="1800" dirty="0"/>
+              <a:t>前端研发  </a:t>
+            </a:r>
+            <a:r>
+              <a:rPr kumimoji="1" lang="en-US" altLang="zh-CN" sz="1800" dirty="0"/>
+              <a:t>1</a:t>
+            </a:r>
+          </a:p>
+          <a:p>
+            <a:pPr marL="0" indent="0">
+              <a:buNone/>
+            </a:pPr>
+            <a:r>
+              <a:rPr kumimoji="1" lang="zh-CN" altLang="en-US" sz="1800" dirty="0"/>
+              <a:t>安卓研发 </a:t>
+            </a:r>
+            <a:r>
+              <a:rPr kumimoji="1" lang="en-US" altLang="zh-CN" sz="1800" dirty="0"/>
+              <a:t>1</a:t>
+            </a:r>
+          </a:p>
+          <a:p>
+            <a:pPr marL="0" indent="0">
+              <a:buNone/>
+            </a:pPr>
+            <a:r>
+              <a:rPr kumimoji="1" lang="zh-CN" altLang="en-US" sz="1800" dirty="0"/>
+              <a:t>后台研发 </a:t>
+            </a:r>
+            <a:r>
+              <a:rPr kumimoji="1" lang="en-US" altLang="zh-CN" sz="1800" dirty="0"/>
+              <a:t>1</a:t>
+            </a:r>
+          </a:p>
+          <a:p>
+            <a:pPr marL="0" indent="0">
+              <a:buNone/>
+            </a:pPr>
+            <a:r>
+              <a:rPr kumimoji="1" lang="zh-CN" altLang="en-US" sz="1800" dirty="0"/>
+              <a:t>测试 </a:t>
+            </a:r>
+            <a:r>
+              <a:rPr kumimoji="1" lang="en-US" altLang="zh-CN" sz="1800" dirty="0"/>
+              <a:t>1</a:t>
+            </a:r>
+            <a:r>
+              <a:rPr kumimoji="1" lang="zh-CN" altLang="en-US" sz="1800" dirty="0"/>
+              <a:t>人</a:t>
+            </a:r>
+            <a:endParaRPr kumimoji="1" lang="en-US" altLang="zh-CN" sz="1800" dirty="0"/>
+          </a:p>
+          <a:p>
+            <a:pPr marL="0" indent="0">
+              <a:buNone/>
+            </a:pPr>
+            <a:r>
+              <a:rPr kumimoji="1" lang="zh-CN" altLang="en-US" sz="1800" dirty="0"/>
+              <a:t>营销 </a:t>
+            </a:r>
+            <a:r>
+              <a:rPr kumimoji="1" lang="en-US" altLang="zh-CN" sz="1800" dirty="0"/>
+              <a:t>1</a:t>
+            </a:r>
+            <a:r>
+              <a:rPr kumimoji="1" lang="zh-CN" altLang="en-US" sz="1800" dirty="0"/>
+              <a:t>人</a:t>
+            </a:r>
+            <a:endParaRPr kumimoji="1" lang="en-US" altLang="zh-CN" sz="1800" dirty="0"/>
+          </a:p>
+          <a:p>
+            <a:pPr marL="0" indent="0">
+              <a:buNone/>
+            </a:pPr>
+            <a:r>
+              <a:rPr kumimoji="1" lang="en-US" altLang="zh-CN" sz="1800" dirty="0"/>
+              <a:t>(</a:t>
+            </a:r>
+            <a:r>
+              <a:rPr kumimoji="1" lang="zh-CN" altLang="en-US" sz="1800" dirty="0"/>
+              <a:t>前期可以错开招聘</a:t>
+            </a:r>
+            <a:r>
+              <a:rPr kumimoji="1" lang="en-US" altLang="zh-CN" sz="1800" dirty="0"/>
+              <a:t>,</a:t>
+            </a:r>
+            <a:r>
+              <a:rPr kumimoji="1" lang="zh-CN" altLang="en-US" sz="1800" dirty="0"/>
+              <a:t>可压缩一部分人力</a:t>
+            </a:r>
+            <a:r>
+              <a:rPr kumimoji="1" lang="en-US" altLang="zh-CN" sz="1800" dirty="0"/>
+              <a:t>)</a:t>
+            </a:r>
+          </a:p>
+          <a:p>
+            <a:pPr marL="0" indent="0">
+              <a:buNone/>
+            </a:pPr>
+            <a:endParaRPr kumimoji="1" lang="en-US" altLang="zh-CN" sz="1800" dirty="0"/>
+          </a:p>
+          <a:p>
+            <a:pPr marL="0" indent="0">
+              <a:buNone/>
+            </a:pPr>
+            <a:r>
+              <a:rPr kumimoji="1" lang="en-US" altLang="zh-CN" sz="1800" dirty="0"/>
+              <a:t>7-10w/</a:t>
+            </a:r>
+            <a:r>
+              <a:rPr kumimoji="1" lang="zh-CN" altLang="en-US" sz="1800" dirty="0"/>
+              <a:t>月</a:t>
+            </a:r>
+            <a:endParaRPr kumimoji="1" lang="en-US" altLang="zh-CN" sz="1800" dirty="0"/>
+          </a:p>
+          <a:p>
+            <a:pPr marL="0" indent="0">
+              <a:buNone/>
+            </a:pPr>
+            <a:r>
+              <a:rPr kumimoji="1" lang="en-US" altLang="zh-CN" sz="1800" dirty="0"/>
+              <a:t>100</a:t>
+            </a:r>
+            <a:r>
+              <a:rPr kumimoji="1" lang="zh-CN" altLang="en-US" sz="1800" dirty="0"/>
+              <a:t>万</a:t>
+            </a:r>
+            <a:r>
+              <a:rPr kumimoji="1" lang="en-US" altLang="zh-CN" sz="1800" dirty="0"/>
+              <a:t>/</a:t>
+            </a:r>
+            <a:r>
+              <a:rPr kumimoji="1" lang="zh-CN" altLang="en-US" sz="1800" dirty="0"/>
+              <a:t>年</a:t>
+            </a:r>
+            <a:endParaRPr kumimoji="1" lang="en-US" altLang="zh-CN" sz="1800" dirty="0"/>
+          </a:p>
+          <a:p>
+            <a:pPr marL="0" indent="0">
+              <a:buNone/>
+            </a:pPr>
+            <a:endParaRPr kumimoji="1" lang="en-US" altLang="zh-CN" sz="1800" dirty="0"/>
+          </a:p>
+          <a:p>
+            <a:pPr marL="0" indent="0">
+              <a:buNone/>
+            </a:pPr>
+            <a:r>
+              <a:rPr kumimoji="1" lang="zh-CN" altLang="en-US" sz="1800" dirty="0"/>
+              <a:t>办公设备成本</a:t>
+            </a:r>
+            <a:endParaRPr kumimoji="1" lang="en-US" altLang="zh-CN" sz="1800" dirty="0"/>
+          </a:p>
+          <a:p>
+            <a:pPr marL="0" indent="0">
+              <a:buNone/>
+            </a:pPr>
+            <a:r>
+              <a:rPr kumimoji="1" lang="en-US" altLang="zh-CN" sz="1800" dirty="0"/>
+              <a:t>5</a:t>
+            </a:r>
+            <a:r>
+              <a:rPr kumimoji="1" lang="zh-CN" altLang="en-US" sz="1800" dirty="0"/>
+              <a:t>万  电脑服务器成本</a:t>
+            </a:r>
+            <a:endParaRPr kumimoji="1" lang="en-US" altLang="zh-CN" sz="1800" dirty="0"/>
+          </a:p>
+          <a:p>
+            <a:pPr marL="0" indent="0">
+              <a:buNone/>
+            </a:pPr>
+            <a:r>
+              <a:rPr kumimoji="1" lang="zh-CN" altLang="en-US" sz="1800" dirty="0"/>
+              <a:t>办公地成本  </a:t>
+            </a:r>
+            <a:r>
+              <a:rPr kumimoji="1" lang="en-US" altLang="zh-CN" sz="1800" dirty="0"/>
+              <a:t>????</a:t>
+            </a:r>
+          </a:p>
+          <a:p>
+            <a:pPr marL="0" indent="0">
+              <a:buNone/>
+            </a:pPr>
+            <a:endParaRPr kumimoji="1" lang="en-US" altLang="zh-CN" sz="1800" dirty="0"/>
+          </a:p>
+          <a:p>
+            <a:pPr marL="0" indent="0">
+              <a:buNone/>
+            </a:pPr>
+            <a:r>
+              <a:rPr kumimoji="1" lang="zh-CN" altLang="en-US" sz="1800" dirty="0"/>
+              <a:t>营销推广成本</a:t>
+            </a:r>
+            <a:endParaRPr kumimoji="1" lang="en-US" altLang="zh-CN" sz="1800" dirty="0"/>
+          </a:p>
+          <a:p>
+            <a:pPr marL="0" indent="0">
+              <a:buNone/>
+            </a:pPr>
+            <a:r>
+              <a:rPr kumimoji="1" lang="zh-CN" altLang="en-US" sz="1800" dirty="0"/>
+              <a:t>推广方式  </a:t>
+            </a:r>
+            <a:r>
+              <a:rPr kumimoji="1" lang="en-US" altLang="zh-CN" sz="1800" dirty="0"/>
+              <a:t>30</a:t>
+            </a:r>
+            <a:r>
+              <a:rPr kumimoji="1" lang="zh-CN" altLang="en-US" sz="1800" dirty="0"/>
+              <a:t>万</a:t>
+            </a:r>
+            <a:r>
+              <a:rPr kumimoji="1" lang="en-US" altLang="zh-CN" sz="1800" dirty="0"/>
+              <a:t>??</a:t>
+            </a:r>
+          </a:p>
+          <a:p>
+            <a:pPr marL="0" indent="0">
+              <a:buNone/>
+            </a:pPr>
+            <a:r>
+              <a:rPr kumimoji="1" lang="zh-CN" altLang="en-US" sz="1800" dirty="0"/>
+              <a:t>备用金  </a:t>
+            </a:r>
+            <a:r>
+              <a:rPr kumimoji="1" lang="en-US" altLang="zh-CN" sz="1800" dirty="0"/>
+              <a:t>????</a:t>
+            </a:r>
+          </a:p>
+        </p:txBody>
+      </p:sp>
+    </p:spTree>
+    <p:extLst>
+      <p:ext uri="{BB962C8B-B14F-4D97-AF65-F5344CB8AC3E}">
+        <p14:creationId xmlns:p14="http://schemas.microsoft.com/office/powerpoint/2010/main" val="412315753"/>
+      </p:ext>
+    </p:extLst>
+  </p:cSld>
+  <p:clrMapOvr>
+    <a:masterClrMapping/>
+  </p:clrMapOvr>
+</p:sld>
+</file>
+
 <file path=ppt/slides/slide2.xml><?xml version="1.0" encoding="utf-8"?>
 <p:sld xmlns:a="http://schemas.openxmlformats.org/drawingml/2006/main" xmlns:r="http://schemas.openxmlformats.org/officeDocument/2006/relationships" xmlns:p="http://schemas.openxmlformats.org/presentationml/2006/main">
   <p:cSld>
@@ -4442,10 +4679,42 @@
       </p:grpSpPr>
       <p:sp>
         <p:nvSpPr>
+          <p:cNvPr id="2" name="标题 1">
+            <a:extLst>
+              <a:ext uri="{FF2B5EF4-FFF2-40B4-BE49-F238E27FC236}">
+                <a16:creationId xmlns:a16="http://schemas.microsoft.com/office/drawing/2014/main" id="{FBFFB2DF-9685-8641-B89E-D6586CF3FFBF}"/>
+              </a:ext>
+            </a:extLst>
+          </p:cNvPr>
+          <p:cNvSpPr>
+            <a:spLocks noGrp="1"/>
+          </p:cNvSpPr>
+          <p:nvPr>
+            <p:ph type="title"/>
+          </p:nvPr>
+        </p:nvSpPr>
+        <p:spPr/>
+        <p:txBody>
+          <a:bodyPr/>
+          <a:lstStyle/>
+          <a:p>
+            <a:r>
+              <a:rPr lang="zh-CN" altLang="en-US" b="1" dirty="0"/>
+              <a:t>风险与对策</a:t>
+            </a:r>
+            <a:br>
+              <a:rPr lang="zh-CN" altLang="en-US" b="1" dirty="0"/>
+            </a:br>
+            <a:endParaRPr kumimoji="1" lang="zh-CN" altLang="en-US" dirty="0"/>
+          </a:p>
+        </p:txBody>
+      </p:sp>
+      <p:sp>
+        <p:nvSpPr>
           <p:cNvPr id="3" name="内容占位符 2">
             <a:extLst>
               <a:ext uri="{FF2B5EF4-FFF2-40B4-BE49-F238E27FC236}">
-                <a16:creationId xmlns:a16="http://schemas.microsoft.com/office/drawing/2014/main" id="{0010C1A8-88E1-D547-A2A8-482DB4CBE495}"/>
+                <a16:creationId xmlns:a16="http://schemas.microsoft.com/office/drawing/2014/main" id="{104D793C-D26C-DC49-A4EC-FC0D9AF23F28}"/>
               </a:ext>
             </a:extLst>
           </p:cNvPr>
@@ -4456,295 +4725,19 @@
             <p:ph idx="1"/>
           </p:nvPr>
         </p:nvSpPr>
-        <p:spPr>
-          <a:xfrm>
-            <a:off x="838200" y="441789"/>
-            <a:ext cx="10515600" cy="5735174"/>
-          </a:xfrm>
-        </p:spPr>
-        <p:txBody>
-          <a:bodyPr>
-            <a:normAutofit fontScale="77500" lnSpcReduction="20000"/>
-          </a:bodyPr>
-          <a:lstStyle/>
-          <a:p>
-            <a:r>
-              <a:rPr kumimoji="1" lang="zh-CN" altLang="en-US" dirty="0"/>
-              <a:t>人员成本</a:t>
-            </a:r>
-            <a:endParaRPr kumimoji="1" lang="en-US" altLang="zh-CN" dirty="0"/>
-          </a:p>
-          <a:p>
-            <a:pPr marL="0" indent="0">
-              <a:buNone/>
-            </a:pPr>
-            <a:r>
-              <a:rPr kumimoji="1" lang="zh-CN" altLang="en-US" sz="1800" dirty="0"/>
-              <a:t>产品 </a:t>
-            </a:r>
-            <a:r>
-              <a:rPr kumimoji="1" lang="en-US" altLang="zh-CN" sz="1800" dirty="0"/>
-              <a:t>1</a:t>
-            </a:r>
-          </a:p>
-          <a:p>
-            <a:pPr marL="0" indent="0">
-              <a:buNone/>
-            </a:pPr>
-            <a:r>
-              <a:rPr kumimoji="1" lang="en-US" altLang="zh-CN" sz="1800" dirty="0"/>
-              <a:t>UI</a:t>
-            </a:r>
-            <a:r>
-              <a:rPr kumimoji="1" lang="zh-CN" altLang="en-US" sz="1800" dirty="0"/>
-              <a:t>设计 </a:t>
-            </a:r>
-            <a:r>
-              <a:rPr kumimoji="1" lang="en-US" altLang="zh-CN" sz="1800" dirty="0"/>
-              <a:t>1</a:t>
-            </a:r>
-          </a:p>
-          <a:p>
-            <a:pPr marL="0" indent="0">
-              <a:buNone/>
-            </a:pPr>
-            <a:r>
-              <a:rPr kumimoji="1" lang="zh-CN" altLang="en-US" sz="1800" dirty="0"/>
-              <a:t>前端研发  </a:t>
-            </a:r>
-            <a:r>
-              <a:rPr kumimoji="1" lang="en-US" altLang="zh-CN" sz="1800" dirty="0"/>
-              <a:t>1</a:t>
-            </a:r>
-          </a:p>
-          <a:p>
-            <a:pPr marL="0" indent="0">
-              <a:buNone/>
-            </a:pPr>
-            <a:r>
-              <a:rPr kumimoji="1" lang="zh-CN" altLang="en-US" sz="1800" dirty="0"/>
-              <a:t>安卓研发 </a:t>
-            </a:r>
-            <a:r>
-              <a:rPr kumimoji="1" lang="en-US" altLang="zh-CN" sz="1800" dirty="0"/>
-              <a:t>1</a:t>
-            </a:r>
-          </a:p>
-          <a:p>
-            <a:pPr marL="0" indent="0">
-              <a:buNone/>
-            </a:pPr>
-            <a:r>
-              <a:rPr kumimoji="1" lang="zh-CN" altLang="en-US" sz="1800" dirty="0"/>
-              <a:t>后台研发 </a:t>
-            </a:r>
-            <a:r>
-              <a:rPr kumimoji="1" lang="en-US" altLang="zh-CN" sz="1800" dirty="0"/>
-              <a:t>1</a:t>
-            </a:r>
-          </a:p>
-          <a:p>
-            <a:pPr marL="0" indent="0">
-              <a:buNone/>
-            </a:pPr>
-            <a:r>
-              <a:rPr kumimoji="1" lang="zh-CN" altLang="en-US" sz="1800" dirty="0"/>
-              <a:t>测试 </a:t>
-            </a:r>
-            <a:r>
-              <a:rPr kumimoji="1" lang="en-US" altLang="zh-CN" sz="1800" dirty="0"/>
-              <a:t>1</a:t>
-            </a:r>
-            <a:r>
-              <a:rPr kumimoji="1" lang="zh-CN" altLang="en-US" sz="1800" dirty="0"/>
-              <a:t>人</a:t>
-            </a:r>
-            <a:endParaRPr kumimoji="1" lang="en-US" altLang="zh-CN" sz="1800" dirty="0"/>
-          </a:p>
-          <a:p>
-            <a:pPr marL="0" indent="0">
-              <a:buNone/>
-            </a:pPr>
-            <a:r>
-              <a:rPr kumimoji="1" lang="zh-CN" altLang="en-US" sz="1800" dirty="0"/>
-              <a:t>营销 </a:t>
-            </a:r>
-            <a:r>
-              <a:rPr kumimoji="1" lang="en-US" altLang="zh-CN" sz="1800" dirty="0"/>
-              <a:t>1</a:t>
-            </a:r>
-            <a:r>
-              <a:rPr kumimoji="1" lang="zh-CN" altLang="en-US" sz="1800" dirty="0"/>
-              <a:t>人</a:t>
-            </a:r>
-            <a:endParaRPr kumimoji="1" lang="en-US" altLang="zh-CN" sz="1800" dirty="0"/>
-          </a:p>
-          <a:p>
-            <a:pPr marL="0" indent="0">
-              <a:buNone/>
-            </a:pPr>
-            <a:r>
-              <a:rPr kumimoji="1" lang="en-US" altLang="zh-CN" sz="1800" dirty="0"/>
-              <a:t>(</a:t>
-            </a:r>
-            <a:r>
-              <a:rPr kumimoji="1" lang="zh-CN" altLang="en-US" sz="1800" dirty="0"/>
-              <a:t>前期可以错开招聘</a:t>
-            </a:r>
-            <a:r>
-              <a:rPr kumimoji="1" lang="en-US" altLang="zh-CN" sz="1800" dirty="0"/>
-              <a:t>,</a:t>
-            </a:r>
-            <a:r>
-              <a:rPr kumimoji="1" lang="zh-CN" altLang="en-US" sz="1800" dirty="0"/>
-              <a:t>可压缩一部分人力</a:t>
-            </a:r>
-            <a:r>
-              <a:rPr kumimoji="1" lang="en-US" altLang="zh-CN" sz="1800" dirty="0"/>
-              <a:t>)</a:t>
-            </a:r>
-          </a:p>
-          <a:p>
-            <a:pPr marL="0" indent="0">
-              <a:buNone/>
-            </a:pPr>
-            <a:endParaRPr kumimoji="1" lang="en-US" altLang="zh-CN" sz="1800" dirty="0"/>
-          </a:p>
-          <a:p>
-            <a:pPr marL="0" indent="0">
-              <a:buNone/>
-            </a:pPr>
-            <a:r>
-              <a:rPr kumimoji="1" lang="en-US" altLang="zh-CN" sz="1800" dirty="0"/>
-              <a:t>7-10w/</a:t>
-            </a:r>
-            <a:r>
-              <a:rPr kumimoji="1" lang="zh-CN" altLang="en-US" sz="1800" dirty="0"/>
-              <a:t>月</a:t>
-            </a:r>
-            <a:endParaRPr kumimoji="1" lang="en-US" altLang="zh-CN" sz="1800" dirty="0"/>
-          </a:p>
-          <a:p>
-            <a:pPr marL="0" indent="0">
-              <a:buNone/>
-            </a:pPr>
-            <a:r>
-              <a:rPr kumimoji="1" lang="en-US" altLang="zh-CN" sz="1800" dirty="0"/>
-              <a:t>100</a:t>
-            </a:r>
-            <a:r>
-              <a:rPr kumimoji="1" lang="zh-CN" altLang="en-US" sz="1800" dirty="0"/>
-              <a:t>万</a:t>
-            </a:r>
-            <a:r>
-              <a:rPr kumimoji="1" lang="en-US" altLang="zh-CN" sz="1800" dirty="0"/>
-              <a:t>/</a:t>
-            </a:r>
-            <a:r>
-              <a:rPr kumimoji="1" lang="zh-CN" altLang="en-US" sz="1800" dirty="0"/>
-              <a:t>年</a:t>
-            </a:r>
-            <a:endParaRPr kumimoji="1" lang="en-US" altLang="zh-CN" sz="1800" dirty="0"/>
-          </a:p>
-          <a:p>
-            <a:pPr marL="0" indent="0">
-              <a:buNone/>
-            </a:pPr>
-            <a:endParaRPr kumimoji="1" lang="en-US" altLang="zh-CN" sz="1800" dirty="0"/>
-          </a:p>
-          <a:p>
-            <a:pPr marL="0" indent="0">
-              <a:buNone/>
-            </a:pPr>
-            <a:r>
-              <a:rPr kumimoji="1" lang="zh-CN" altLang="en-US" sz="1800" dirty="0"/>
-              <a:t>办公设备成本</a:t>
-            </a:r>
-            <a:endParaRPr kumimoji="1" lang="en-US" altLang="zh-CN" sz="1800" dirty="0"/>
-          </a:p>
-          <a:p>
-            <a:pPr marL="0" indent="0">
-              <a:buNone/>
-            </a:pPr>
-            <a:r>
-              <a:rPr kumimoji="1" lang="en-US" altLang="zh-CN" sz="1800" dirty="0"/>
-              <a:t>5</a:t>
-            </a:r>
-            <a:r>
-              <a:rPr kumimoji="1" lang="zh-CN" altLang="en-US" sz="1800" dirty="0"/>
-              <a:t>万  电脑服务器成本</a:t>
-            </a:r>
-            <a:endParaRPr kumimoji="1" lang="en-US" altLang="zh-CN" sz="1800" dirty="0"/>
-          </a:p>
-          <a:p>
-            <a:pPr marL="0" indent="0">
-              <a:buNone/>
-            </a:pPr>
-            <a:r>
-              <a:rPr kumimoji="1" lang="zh-CN" altLang="en-US" sz="1800" dirty="0"/>
-              <a:t>办公地成本  </a:t>
-            </a:r>
-            <a:r>
-              <a:rPr kumimoji="1" lang="en-US" altLang="zh-CN" sz="1800" dirty="0"/>
-              <a:t>????</a:t>
-            </a:r>
-          </a:p>
-          <a:p>
-            <a:pPr marL="0" indent="0">
-              <a:buNone/>
-            </a:pPr>
-            <a:endParaRPr kumimoji="1" lang="en-US" altLang="zh-CN" sz="1800" dirty="0"/>
-          </a:p>
-          <a:p>
-            <a:pPr marL="0" indent="0">
-              <a:buNone/>
-            </a:pPr>
-            <a:r>
-              <a:rPr kumimoji="1" lang="zh-CN" altLang="en-US" sz="1800" dirty="0"/>
-              <a:t>营销推广成本</a:t>
-            </a:r>
-            <a:endParaRPr kumimoji="1" lang="en-US" altLang="zh-CN" sz="1800" dirty="0"/>
-          </a:p>
-          <a:p>
-            <a:pPr marL="0" indent="0">
-              <a:buNone/>
-            </a:pPr>
-            <a:r>
-              <a:rPr kumimoji="1" lang="zh-CN" altLang="en-US" sz="1800" dirty="0"/>
-              <a:t>推广方式  </a:t>
-            </a:r>
-            <a:r>
-              <a:rPr kumimoji="1" lang="en-US" altLang="zh-CN" sz="1800" dirty="0"/>
-              <a:t>30</a:t>
-            </a:r>
-            <a:r>
-              <a:rPr kumimoji="1" lang="zh-CN" altLang="en-US" sz="1800" dirty="0"/>
-              <a:t>万</a:t>
-            </a:r>
-            <a:r>
-              <a:rPr kumimoji="1" lang="en-US" altLang="zh-CN" sz="1800" dirty="0"/>
-              <a:t>??</a:t>
-            </a:r>
-          </a:p>
-          <a:p>
-            <a:pPr marL="0" indent="0">
-              <a:buNone/>
-            </a:pPr>
-            <a:r>
-              <a:rPr kumimoji="1" lang="zh-CN" altLang="en-US" sz="1800" dirty="0"/>
-              <a:t>备用金  </a:t>
-            </a:r>
-            <a:r>
-              <a:rPr kumimoji="1" lang="en-US" altLang="zh-CN" sz="1800" dirty="0"/>
-              <a:t>????</a:t>
-            </a:r>
+        <p:spPr/>
+        <p:txBody>
+          <a:bodyPr/>
+          <a:lstStyle/>
+          <a:p>
+            <a:endParaRPr kumimoji="1" lang="zh-CN" altLang="en-US" dirty="0"/>
           </a:p>
         </p:txBody>
       </p:sp>
     </p:spTree>
     <p:extLst>
       <p:ext uri="{BB962C8B-B14F-4D97-AF65-F5344CB8AC3E}">
-        <p14:creationId xmlns:p14="http://schemas.microsoft.com/office/powerpoint/2010/main" val="412315753"/>
+        <p14:creationId xmlns:p14="http://schemas.microsoft.com/office/powerpoint/2010/main" val="1925169669"/>
       </p:ext>
     </p:extLst>
   </p:cSld>
@@ -4776,7 +4769,7 @@
           <p:cNvPr id="2" name="标题 1">
             <a:extLst>
               <a:ext uri="{FF2B5EF4-FFF2-40B4-BE49-F238E27FC236}">
-                <a16:creationId xmlns:a16="http://schemas.microsoft.com/office/drawing/2014/main" id="{FBFFB2DF-9685-8641-B89E-D6586CF3FFBF}"/>
+                <a16:creationId xmlns:a16="http://schemas.microsoft.com/office/drawing/2014/main" id="{C1A280A4-79E7-8545-911E-50F2A1DB01CE}"/>
               </a:ext>
             </a:extLst>
           </p:cNvPr>
@@ -4792,37 +4785,71 @@
           <a:bodyPr/>
           <a:lstStyle/>
           <a:p>
-            <a:r>
-              <a:rPr lang="zh-CN" altLang="en-US" b="1" dirty="0"/>
-              <a:t>风险与对策</a:t>
-            </a:r>
+            <a:endParaRPr kumimoji="1" lang="zh-CN" altLang="en-US"/>
+          </a:p>
+        </p:txBody>
+      </p:sp>
+      <p:sp>
+        <p:nvSpPr>
+          <p:cNvPr id="3" name="内容占位符 2">
+            <a:extLst>
+              <a:ext uri="{FF2B5EF4-FFF2-40B4-BE49-F238E27FC236}">
+                <a16:creationId xmlns:a16="http://schemas.microsoft.com/office/drawing/2014/main" id="{4A11175E-0D3C-0044-9FA2-C3114758A383}"/>
+              </a:ext>
+            </a:extLst>
+          </p:cNvPr>
+          <p:cNvSpPr>
+            <a:spLocks noGrp="1"/>
+          </p:cNvSpPr>
+          <p:nvPr>
+            <p:ph idx="1"/>
+          </p:nvPr>
+        </p:nvSpPr>
+        <p:spPr/>
+        <p:txBody>
+          <a:bodyPr/>
+          <a:lstStyle/>
+          <a:p>
+            <a:r>
+              <a:rPr lang="zh-CN" altLang="en-US" dirty="0"/>
+              <a:t>是指由于某种全局性的因素弓</a:t>
+            </a:r>
+            <a:r>
+              <a:rPr lang="en-US" altLang="zh-CN" dirty="0"/>
+              <a:t>|</a:t>
+            </a:r>
+            <a:r>
+              <a:rPr lang="zh-CN" altLang="en-US" dirty="0"/>
+              <a:t>起的投资收益的可能变动，这些因素来自公司外部，是公司无法控制和回避的。</a:t>
+            </a:r>
+          </a:p>
+          <a:p>
             <a:br>
-              <a:rPr lang="zh-CN" altLang="en-US" b="1" dirty="0"/>
+              <a:rPr lang="zh-CN" altLang="en-US" dirty="0"/>
             </a:br>
-            <a:endParaRPr kumimoji="1" lang="zh-CN" altLang="en-US" dirty="0"/>
-          </a:p>
-        </p:txBody>
-      </p:sp>
-      <p:sp>
-        <p:nvSpPr>
-          <p:cNvPr id="3" name="内容占位符 2">
-            <a:extLst>
-              <a:ext uri="{FF2B5EF4-FFF2-40B4-BE49-F238E27FC236}">
-                <a16:creationId xmlns:a16="http://schemas.microsoft.com/office/drawing/2014/main" id="{104D793C-D26C-DC49-A4EC-FC0D9AF23F28}"/>
-              </a:ext>
-            </a:extLst>
-          </p:cNvPr>
-          <p:cNvSpPr>
-            <a:spLocks noGrp="1"/>
-          </p:cNvSpPr>
-          <p:nvPr>
-            <p:ph idx="1"/>
-          </p:nvPr>
-        </p:nvSpPr>
-        <p:spPr/>
-        <p:txBody>
-          <a:bodyPr/>
-          <a:lstStyle/>
+            <a:r>
+              <a:rPr lang="en" altLang="zh-CN" dirty="0"/>
+              <a:t>SWOT</a:t>
+            </a:r>
+            <a:r>
+              <a:rPr lang="zh-CN" altLang="en-US" dirty="0"/>
+              <a:t>分析：优势、劣势、机会、威胁；（</a:t>
+            </a:r>
+            <a:r>
+              <a:rPr lang="en" altLang="zh-CN" dirty="0"/>
+              <a:t>SWOT</a:t>
+            </a:r>
+            <a:r>
+              <a:rPr lang="zh-CN" altLang="en-US" dirty="0"/>
+              <a:t>就不多叙述了，网站内有详细的介绍哦）</a:t>
+            </a:r>
+          </a:p>
+          <a:p>
+            <a:r>
+              <a:rPr lang="zh-CN" altLang="en-US" dirty="0"/>
+              <a:t>风险分析与对策：</a:t>
+            </a:r>
+          </a:p>
           <a:p>
             <a:endParaRPr kumimoji="1" lang="zh-CN" altLang="en-US" dirty="0"/>
           </a:p>
@@ -4831,7 +4858,7 @@
     </p:spTree>
     <p:extLst>
       <p:ext uri="{BB962C8B-B14F-4D97-AF65-F5344CB8AC3E}">
-        <p14:creationId xmlns:p14="http://schemas.microsoft.com/office/powerpoint/2010/main" val="1925169669"/>
+        <p14:creationId xmlns:p14="http://schemas.microsoft.com/office/powerpoint/2010/main" val="2039835555"/>
       </p:ext>
     </p:extLst>
   </p:cSld>
@@ -4863,7 +4890,7 @@
           <p:cNvPr id="2" name="标题 1">
             <a:extLst>
               <a:ext uri="{FF2B5EF4-FFF2-40B4-BE49-F238E27FC236}">
-                <a16:creationId xmlns:a16="http://schemas.microsoft.com/office/drawing/2014/main" id="{C1A280A4-79E7-8545-911E-50F2A1DB01CE}"/>
+                <a16:creationId xmlns:a16="http://schemas.microsoft.com/office/drawing/2014/main" id="{79CD60C8-E7A8-104A-A244-C5B0225D35EA}"/>
               </a:ext>
             </a:extLst>
           </p:cNvPr>
@@ -4879,7 +4906,11 @@
           <a:bodyPr/>
           <a:lstStyle/>
           <a:p>
-            <a:endParaRPr kumimoji="1" lang="zh-CN" altLang="en-US"/>
+            <a:r>
+              <a:rPr lang="zh-CN" altLang="en-US" b="1" dirty="0"/>
+              <a:t>市场风险</a:t>
+            </a:r>
+            <a:endParaRPr kumimoji="1" lang="zh-CN" altLang="en-US" dirty="0"/>
           </a:p>
         </p:txBody>
       </p:sp>
@@ -4888,7 +4919,7 @@
           <p:cNvPr id="3" name="内容占位符 2">
             <a:extLst>
               <a:ext uri="{FF2B5EF4-FFF2-40B4-BE49-F238E27FC236}">
-                <a16:creationId xmlns:a16="http://schemas.microsoft.com/office/drawing/2014/main" id="{4A11175E-0D3C-0044-9FA2-C3114758A383}"/>
+                <a16:creationId xmlns:a16="http://schemas.microsoft.com/office/drawing/2014/main" id="{E7601B04-DC92-8C4B-957E-90FC055D9EE1}"/>
               </a:ext>
             </a:extLst>
           </p:cNvPr>
@@ -4904,47 +4935,112 @@
           <a:bodyPr/>
           <a:lstStyle/>
           <a:p>
+            <a:endParaRPr lang="en-US" altLang="zh-CN" dirty="0"/>
+          </a:p>
+          <a:p>
             <a:r>
               <a:rPr lang="zh-CN" altLang="en-US" dirty="0"/>
-              <a:t>是指由于某种全局性的因素弓</a:t>
+              <a:t> 房地产行业如果加速衰退</a:t>
             </a:r>
             <a:r>
               <a:rPr lang="en-US" altLang="zh-CN" dirty="0"/>
-              <a:t>|</a:t>
+              <a:t>,</a:t>
             </a:r>
             <a:r>
               <a:rPr lang="zh-CN" altLang="en-US" dirty="0"/>
-              <a:t>起的投资收益的可能变动，这些因素来自公司外部，是公司无法控制和回避的。</a:t>
-            </a:r>
-          </a:p>
-          <a:p>
+              <a:t>可能造成商城方式的衰退</a:t>
+            </a:r>
+            <a:endParaRPr lang="en-US" altLang="zh-CN" dirty="0"/>
+          </a:p>
+          <a:p>
+            <a:r>
+              <a:rPr lang="zh-CN" altLang="en-US" dirty="0"/>
+              <a:t>但反向保理业务</a:t>
+            </a:r>
+            <a:r>
+              <a:rPr lang="en-US" altLang="zh-CN" dirty="0"/>
+              <a:t>,</a:t>
+            </a:r>
+            <a:r>
+              <a:rPr lang="zh-CN" altLang="en-US" dirty="0"/>
+              <a:t>由于资金问题可能发展较好</a:t>
+            </a:r>
+            <a:r>
+              <a:rPr lang="en-US" altLang="zh-CN" dirty="0"/>
+              <a:t>,</a:t>
+            </a:r>
+            <a:r>
+              <a:rPr lang="zh-CN" altLang="en-US" dirty="0"/>
+              <a:t>但国家对相关资质的限制</a:t>
+            </a:r>
+            <a:r>
+              <a:rPr lang="en-US" altLang="zh-CN" dirty="0"/>
+              <a:t>,</a:t>
+            </a:r>
+            <a:r>
+              <a:rPr lang="zh-CN" altLang="en-US" dirty="0"/>
+              <a:t>无法开展保理和支付相关的业务</a:t>
+            </a:r>
+            <a:r>
+              <a:rPr lang="en-US" altLang="zh-CN" dirty="0"/>
+              <a:t>.</a:t>
+            </a:r>
+          </a:p>
+          <a:p>
+            <a:r>
+              <a:rPr lang="zh-CN" altLang="en-US" dirty="0"/>
+              <a:t>软件方面核心秘密无法长久保密的</a:t>
+            </a:r>
+            <a:r>
+              <a:rPr lang="en-US" altLang="zh-CN" dirty="0"/>
+              <a:t>,</a:t>
+            </a:r>
+            <a:r>
+              <a:rPr lang="zh-CN" altLang="en-US" dirty="0"/>
+              <a:t>如果做的成功</a:t>
+            </a:r>
+            <a:r>
+              <a:rPr lang="en-US" altLang="zh-CN" dirty="0"/>
+              <a:t>,</a:t>
+            </a:r>
+            <a:r>
+              <a:rPr lang="zh-CN" altLang="en-US" dirty="0"/>
+              <a:t>最多一年就会有大量仿品</a:t>
+            </a:r>
+            <a:r>
+              <a:rPr lang="en-US" altLang="zh-CN" dirty="0"/>
+              <a:t>,</a:t>
+            </a:r>
+            <a:r>
+              <a:rPr lang="zh-CN" altLang="en-US" dirty="0"/>
+              <a:t>所以要保证核心资源</a:t>
+            </a:r>
+            <a:endParaRPr lang="en-US" altLang="zh-CN" dirty="0"/>
+          </a:p>
+          <a:p>
+            <a:r>
+              <a:rPr lang="zh-CN" altLang="en-US" dirty="0"/>
+              <a:t>市场上现已存在大量相似的公司</a:t>
+            </a:r>
+            <a:r>
+              <a:rPr lang="en-US" altLang="zh-CN" dirty="0"/>
+              <a:t>,</a:t>
+            </a:r>
+            <a:r>
+              <a:rPr lang="zh-CN" altLang="en-US" dirty="0"/>
+              <a:t>需要 微创新</a:t>
+            </a:r>
+            <a:r>
+              <a:rPr lang="en-US" altLang="zh-CN" dirty="0"/>
+              <a:t>,</a:t>
+            </a:r>
+            <a:r>
+              <a:rPr lang="zh-CN" altLang="en-US" dirty="0"/>
+              <a:t>错位竞争</a:t>
+            </a:r>
             <a:br>
               <a:rPr lang="zh-CN" altLang="en-US" dirty="0"/>
             </a:br>
-            <a:r>
-              <a:rPr lang="en" altLang="zh-CN" dirty="0"/>
-              <a:t>SWOT</a:t>
-            </a:r>
-            <a:r>
-              <a:rPr lang="zh-CN" altLang="en-US" dirty="0"/>
-              <a:t>分析：优势、劣势、机会、威胁；（</a:t>
-            </a:r>
-            <a:r>
-              <a:rPr lang="en" altLang="zh-CN" dirty="0"/>
-              <a:t>SWOT</a:t>
-            </a:r>
-            <a:r>
-              <a:rPr lang="zh-CN" altLang="en-US" dirty="0"/>
-              <a:t>就不多叙述了，网站内有详细的介绍哦）</a:t>
-            </a:r>
-          </a:p>
-          <a:p>
-            <a:r>
-              <a:rPr lang="zh-CN" altLang="en-US" dirty="0"/>
-              <a:t>风险分析与对策：</a:t>
-            </a:r>
-          </a:p>
-          <a:p>
             <a:endParaRPr kumimoji="1" lang="zh-CN" altLang="en-US" dirty="0"/>
           </a:p>
         </p:txBody>
@@ -4952,7 +5048,7 @@
     </p:spTree>
     <p:extLst>
       <p:ext uri="{BB962C8B-B14F-4D97-AF65-F5344CB8AC3E}">
-        <p14:creationId xmlns:p14="http://schemas.microsoft.com/office/powerpoint/2010/main" val="2039835555"/>
+        <p14:creationId xmlns:p14="http://schemas.microsoft.com/office/powerpoint/2010/main" val="784101920"/>
       </p:ext>
     </p:extLst>
   </p:cSld>
@@ -4984,7 +5080,7 @@
           <p:cNvPr id="2" name="标题 1">
             <a:extLst>
               <a:ext uri="{FF2B5EF4-FFF2-40B4-BE49-F238E27FC236}">
-                <a16:creationId xmlns:a16="http://schemas.microsoft.com/office/drawing/2014/main" id="{79CD60C8-E7A8-104A-A244-C5B0225D35EA}"/>
+                <a16:creationId xmlns:a16="http://schemas.microsoft.com/office/drawing/2014/main" id="{3C067899-8C71-3C47-9970-BF2584B5CDA3}"/>
               </a:ext>
             </a:extLst>
           </p:cNvPr>
@@ -5002,7 +5098,7 @@
           <a:p>
             <a:r>
               <a:rPr lang="zh-CN" altLang="en-US" b="1" dirty="0"/>
-              <a:t>市场风险</a:t>
+              <a:t>技术风险</a:t>
             </a:r>
             <a:endParaRPr kumimoji="1" lang="zh-CN" altLang="en-US" dirty="0"/>
           </a:p>
@@ -5013,7 +5109,7 @@
           <p:cNvPr id="3" name="内容占位符 2">
             <a:extLst>
               <a:ext uri="{FF2B5EF4-FFF2-40B4-BE49-F238E27FC236}">
-                <a16:creationId xmlns:a16="http://schemas.microsoft.com/office/drawing/2014/main" id="{E7601B04-DC92-8C4B-957E-90FC055D9EE1}"/>
+                <a16:creationId xmlns:a16="http://schemas.microsoft.com/office/drawing/2014/main" id="{D3C387C4-7BB7-664D-BD6E-8A55569BBAE6}"/>
               </a:ext>
             </a:extLst>
           </p:cNvPr>
@@ -5034,7 +5130,15 @@
           <a:p>
             <a:r>
               <a:rPr lang="zh-CN" altLang="en-US" dirty="0"/>
-              <a:t> 房地产行业如果加速衰退</a:t>
+              <a:t>建材</a:t>
+            </a:r>
+            <a:r>
+              <a:rPr lang="en-US" altLang="zh-CN" dirty="0"/>
+              <a:t>B2B</a:t>
+            </a:r>
+            <a:r>
+              <a:rPr lang="zh-CN" altLang="en-US" dirty="0"/>
+              <a:t>业务了解不深刻</a:t>
             </a:r>
             <a:r>
               <a:rPr lang="en-US" altLang="zh-CN" dirty="0"/>
@@ -5042,95 +5146,14 @@
             </a:r>
             <a:r>
               <a:rPr lang="zh-CN" altLang="en-US" dirty="0"/>
-              <a:t>可能造成商城方式的衰退</a:t>
+              <a:t>可能作出产品与设想差别太大</a:t>
             </a:r>
             <a:endParaRPr lang="en-US" altLang="zh-CN" dirty="0"/>
           </a:p>
           <a:p>
             <a:r>
               <a:rPr lang="zh-CN" altLang="en-US" dirty="0"/>
-              <a:t>但反向保理业务</a:t>
-            </a:r>
-            <a:r>
-              <a:rPr lang="en-US" altLang="zh-CN" dirty="0"/>
-              <a:t>,</a:t>
-            </a:r>
-            <a:r>
-              <a:rPr lang="zh-CN" altLang="en-US" dirty="0"/>
-              <a:t>由于资金问题可能发展较好</a:t>
-            </a:r>
-            <a:r>
-              <a:rPr lang="en-US" altLang="zh-CN" dirty="0"/>
-              <a:t>,</a:t>
-            </a:r>
-            <a:r>
-              <a:rPr lang="zh-CN" altLang="en-US" dirty="0"/>
-              <a:t>但国家对相关资质的限制</a:t>
-            </a:r>
-            <a:r>
-              <a:rPr lang="en-US" altLang="zh-CN" dirty="0"/>
-              <a:t>,</a:t>
-            </a:r>
-            <a:r>
-              <a:rPr lang="zh-CN" altLang="en-US" dirty="0"/>
-              <a:t>无法开展保理和支付相关的业务</a:t>
-            </a:r>
-            <a:r>
-              <a:rPr lang="en-US" altLang="zh-CN" dirty="0"/>
-              <a:t>.</a:t>
-            </a:r>
-          </a:p>
-          <a:p>
-            <a:r>
-              <a:rPr lang="zh-CN" altLang="en-US" dirty="0"/>
-              <a:t>软件方面核心秘密无法长久保密的</a:t>
-            </a:r>
-            <a:r>
-              <a:rPr lang="en-US" altLang="zh-CN" dirty="0"/>
-              <a:t>,</a:t>
-            </a:r>
-            <a:r>
-              <a:rPr lang="zh-CN" altLang="en-US" dirty="0"/>
-              <a:t>如果做的成功</a:t>
-            </a:r>
-            <a:r>
-              <a:rPr lang="en-US" altLang="zh-CN" dirty="0"/>
-              <a:t>,</a:t>
-            </a:r>
-            <a:r>
-              <a:rPr lang="zh-CN" altLang="en-US" dirty="0"/>
-              <a:t>最多一年就会有大量仿品</a:t>
-            </a:r>
-            <a:r>
-              <a:rPr lang="en-US" altLang="zh-CN" dirty="0"/>
-              <a:t>,</a:t>
-            </a:r>
-            <a:r>
-              <a:rPr lang="zh-CN" altLang="en-US" dirty="0"/>
-              <a:t>所以要保证核心资源</a:t>
-            </a:r>
-            <a:endParaRPr lang="en-US" altLang="zh-CN" dirty="0"/>
-          </a:p>
-          <a:p>
-            <a:r>
-              <a:rPr lang="zh-CN" altLang="en-US" dirty="0"/>
-              <a:t>市场上现已存在大量相似的公司</a:t>
-            </a:r>
-            <a:r>
-              <a:rPr lang="en-US" altLang="zh-CN" dirty="0"/>
-              <a:t>,</a:t>
-            </a:r>
-            <a:r>
-              <a:rPr lang="zh-CN" altLang="en-US" dirty="0"/>
-              <a:t>需要 微创新</a:t>
-            </a:r>
-            <a:r>
-              <a:rPr lang="en-US" altLang="zh-CN" dirty="0"/>
-              <a:t>,</a:t>
-            </a:r>
-            <a:r>
-              <a:rPr lang="zh-CN" altLang="en-US" dirty="0"/>
-              <a:t>错位竞争</a:t>
+              <a:t>业务可能出现无法在规定时间内完成初始版本的情况</a:t>
             </a:r>
             <a:br>
               <a:rPr lang="zh-CN" altLang="en-US" dirty="0"/>
@@ -5142,7 +5165,7 @@
     </p:spTree>
     <p:extLst>
       <p:ext uri="{BB962C8B-B14F-4D97-AF65-F5344CB8AC3E}">
-        <p14:creationId xmlns:p14="http://schemas.microsoft.com/office/powerpoint/2010/main" val="784101920"/>
+        <p14:creationId xmlns:p14="http://schemas.microsoft.com/office/powerpoint/2010/main" val="1375993471"/>
       </p:ext>
     </p:extLst>
   </p:cSld>
@@ -5174,7 +5197,7 @@
           <p:cNvPr id="2" name="标题 1">
             <a:extLst>
               <a:ext uri="{FF2B5EF4-FFF2-40B4-BE49-F238E27FC236}">
-                <a16:creationId xmlns:a16="http://schemas.microsoft.com/office/drawing/2014/main" id="{3C067899-8C71-3C47-9970-BF2584B5CDA3}"/>
+                <a16:creationId xmlns:a16="http://schemas.microsoft.com/office/drawing/2014/main" id="{843DA5B6-BDD2-C74F-A4DF-1845E48C37A6}"/>
               </a:ext>
             </a:extLst>
           </p:cNvPr>
@@ -5192,7 +5215,7 @@
           <a:p>
             <a:r>
               <a:rPr lang="zh-CN" altLang="en-US" b="1" dirty="0"/>
-              <a:t>技术风险</a:t>
+              <a:t>财务风险</a:t>
             </a:r>
             <a:endParaRPr kumimoji="1" lang="zh-CN" altLang="en-US" dirty="0"/>
           </a:p>
@@ -5203,7 +5226,7 @@
           <p:cNvPr id="3" name="内容占位符 2">
             <a:extLst>
               <a:ext uri="{FF2B5EF4-FFF2-40B4-BE49-F238E27FC236}">
-                <a16:creationId xmlns:a16="http://schemas.microsoft.com/office/drawing/2014/main" id="{D3C387C4-7BB7-664D-BD6E-8A55569BBAE6}"/>
+                <a16:creationId xmlns:a16="http://schemas.microsoft.com/office/drawing/2014/main" id="{77C7C6A2-0E4B-304E-9DD8-AB140D793EEC}"/>
               </a:ext>
             </a:extLst>
           </p:cNvPr>
@@ -5219,20 +5242,9 @@
           <a:bodyPr/>
           <a:lstStyle/>
           <a:p>
-            <a:endParaRPr lang="en-US" altLang="zh-CN" dirty="0"/>
-          </a:p>
-          <a:p>
             <a:r>
               <a:rPr lang="zh-CN" altLang="en-US" dirty="0"/>
-              <a:t>建材</a:t>
-            </a:r>
-            <a:r>
-              <a:rPr lang="en-US" altLang="zh-CN" dirty="0"/>
-              <a:t>B2B</a:t>
-            </a:r>
-            <a:r>
-              <a:rPr lang="zh-CN" altLang="en-US" dirty="0"/>
-              <a:t>业务了解不深刻</a:t>
+              <a:t>如果项目无法在半年内跑通业务模型</a:t>
             </a:r>
             <a:r>
               <a:rPr lang="en-US" altLang="zh-CN" dirty="0"/>
@@ -5240,14 +5252,33 @@
             </a:r>
             <a:r>
               <a:rPr lang="zh-CN" altLang="en-US" dirty="0"/>
-              <a:t>可能作出产品与设想差别太大</a:t>
+              <a:t>一年内实现收支平衡则由于员工工资的持续消耗</a:t>
+            </a:r>
+            <a:r>
+              <a:rPr lang="en-US" altLang="zh-CN" dirty="0"/>
+              <a:t>,</a:t>
+            </a:r>
+            <a:r>
+              <a:rPr lang="zh-CN" altLang="en-US" dirty="0"/>
+              <a:t>很快就会资金枯竭</a:t>
             </a:r>
             <a:endParaRPr lang="en-US" altLang="zh-CN" dirty="0"/>
           </a:p>
           <a:p>
+            <a:endParaRPr lang="en-US" altLang="zh-CN" dirty="0"/>
+          </a:p>
+          <a:p>
             <a:r>
               <a:rPr lang="zh-CN" altLang="en-US" dirty="0"/>
-              <a:t>业务可能出现无法在规定时间内完成初始版本的情况</a:t>
+              <a:t>外部环境开始进入资本寒冬</a:t>
+            </a:r>
+            <a:r>
+              <a:rPr lang="en-US" altLang="zh-CN" dirty="0"/>
+              <a:t>,</a:t>
+            </a:r>
+            <a:r>
+              <a:rPr lang="zh-CN" altLang="en-US" dirty="0"/>
+              <a:t>融资可能会出现一定困难</a:t>
             </a:r>
             <a:br>
               <a:rPr lang="zh-CN" altLang="en-US" dirty="0"/>
@@ -5259,7 +5290,7 @@
     </p:spTree>
     <p:extLst>
       <p:ext uri="{BB962C8B-B14F-4D97-AF65-F5344CB8AC3E}">
-        <p14:creationId xmlns:p14="http://schemas.microsoft.com/office/powerpoint/2010/main" val="1375993471"/>
+        <p14:creationId xmlns:p14="http://schemas.microsoft.com/office/powerpoint/2010/main" val="2843615070"/>
       </p:ext>
     </p:extLst>
   </p:cSld>
@@ -5291,7 +5322,7 @@
           <p:cNvPr id="2" name="标题 1">
             <a:extLst>
               <a:ext uri="{FF2B5EF4-FFF2-40B4-BE49-F238E27FC236}">
-                <a16:creationId xmlns:a16="http://schemas.microsoft.com/office/drawing/2014/main" id="{843DA5B6-BDD2-C74F-A4DF-1845E48C37A6}"/>
+                <a16:creationId xmlns:a16="http://schemas.microsoft.com/office/drawing/2014/main" id="{EF8D0D5E-FD1D-B046-AE38-A5365A58A069}"/>
               </a:ext>
             </a:extLst>
           </p:cNvPr>
@@ -5308,10 +5339,9 @@
           <a:lstStyle/>
           <a:p>
             <a:r>
-              <a:rPr lang="zh-CN" altLang="en-US" b="1" dirty="0"/>
-              <a:t>财务风险</a:t>
-            </a:r>
-            <a:endParaRPr kumimoji="1" lang="zh-CN" altLang="en-US" dirty="0"/>
+              <a:rPr kumimoji="1" lang="zh-CN" altLang="en-US" dirty="0"/>
+              <a:t>前提</a:t>
+            </a:r>
           </a:p>
         </p:txBody>
       </p:sp>
@@ -5320,7 +5350,7 @@
           <p:cNvPr id="3" name="内容占位符 2">
             <a:extLst>
               <a:ext uri="{FF2B5EF4-FFF2-40B4-BE49-F238E27FC236}">
-                <a16:creationId xmlns:a16="http://schemas.microsoft.com/office/drawing/2014/main" id="{77C7C6A2-0E4B-304E-9DD8-AB140D793EEC}"/>
+                <a16:creationId xmlns:a16="http://schemas.microsoft.com/office/drawing/2014/main" id="{8EC7FA67-05E2-744C-9D18-B07E0680E412}"/>
               </a:ext>
             </a:extLst>
           </p:cNvPr>
@@ -5337,54 +5367,37 @@
           <a:lstStyle/>
           <a:p>
             <a:r>
-              <a:rPr lang="zh-CN" altLang="en-US" dirty="0"/>
-              <a:t>如果项目无法在半年内跑通业务模型</a:t>
-            </a:r>
-            <a:r>
-              <a:rPr lang="en-US" altLang="zh-CN" dirty="0"/>
-              <a:t>,</a:t>
-            </a:r>
-            <a:r>
-              <a:rPr lang="zh-CN" altLang="en-US" dirty="0"/>
-              <a:t>一年内实现收支平衡则由于员工工资的持续消耗</a:t>
-            </a:r>
-            <a:r>
-              <a:rPr lang="en-US" altLang="zh-CN" dirty="0"/>
-              <a:t>,</a:t>
-            </a:r>
-            <a:r>
-              <a:rPr lang="zh-CN" altLang="en-US" dirty="0"/>
-              <a:t>很快就会资金枯竭</a:t>
-            </a:r>
-            <a:endParaRPr lang="en-US" altLang="zh-CN" dirty="0"/>
-          </a:p>
-          <a:p>
-            <a:endParaRPr lang="en-US" altLang="zh-CN" dirty="0"/>
-          </a:p>
-          <a:p>
-            <a:r>
-              <a:rPr lang="zh-CN" altLang="en-US" dirty="0"/>
-              <a:t>外部环境开始进入资本寒冬</a:t>
-            </a:r>
-            <a:r>
-              <a:rPr lang="en-US" altLang="zh-CN" dirty="0"/>
-              <a:t>,</a:t>
-            </a:r>
-            <a:r>
-              <a:rPr lang="zh-CN" altLang="en-US" dirty="0"/>
-              <a:t>融资可能会出现一定困难</a:t>
-            </a:r>
-            <a:br>
-              <a:rPr lang="zh-CN" altLang="en-US" dirty="0"/>
-            </a:br>
-            <a:endParaRPr kumimoji="1" lang="zh-CN" altLang="en-US" dirty="0"/>
+              <a:rPr kumimoji="1" lang="zh-CN" altLang="en-US" dirty="0"/>
+              <a:t>确定拍板人</a:t>
+            </a:r>
+            <a:endParaRPr kumimoji="1" lang="en-US" altLang="zh-CN" dirty="0"/>
+          </a:p>
+          <a:p>
+            <a:r>
+              <a:rPr kumimoji="1" lang="zh-CN" altLang="en-US" dirty="0"/>
+              <a:t>意见统一</a:t>
+            </a:r>
+            <a:endParaRPr kumimoji="1" lang="en-US" altLang="zh-CN" dirty="0"/>
+          </a:p>
+          <a:p>
+            <a:r>
+              <a:rPr kumimoji="1" lang="zh-CN" altLang="en-US" dirty="0"/>
+              <a:t>在商言商</a:t>
+            </a:r>
+            <a:endParaRPr kumimoji="1" lang="en-US" altLang="zh-CN" dirty="0"/>
+          </a:p>
+          <a:p>
+            <a:r>
+              <a:rPr kumimoji="1" lang="zh-CN" altLang="en-US"/>
+              <a:t>坦坦正途</a:t>
+            </a:r>
           </a:p>
         </p:txBody>
       </p:sp>
     </p:spTree>
     <p:extLst>
       <p:ext uri="{BB962C8B-B14F-4D97-AF65-F5344CB8AC3E}">
-        <p14:creationId xmlns:p14="http://schemas.microsoft.com/office/powerpoint/2010/main" val="2843615070"/>
+        <p14:creationId xmlns:p14="http://schemas.microsoft.com/office/powerpoint/2010/main" val="3126329087"/>
       </p:ext>
     </p:extLst>
   </p:cSld>
@@ -5416,7 +5429,7 @@
           <p:cNvPr id="2" name="标题 1">
             <a:extLst>
               <a:ext uri="{FF2B5EF4-FFF2-40B4-BE49-F238E27FC236}">
-                <a16:creationId xmlns:a16="http://schemas.microsoft.com/office/drawing/2014/main" id="{EF8D0D5E-FD1D-B046-AE38-A5365A58A069}"/>
+                <a16:creationId xmlns:a16="http://schemas.microsoft.com/office/drawing/2014/main" id="{1C289AC6-10C9-7943-8F88-77C2C80CA39E}"/>
               </a:ext>
             </a:extLst>
           </p:cNvPr>
@@ -5434,7 +5447,7 @@
           <a:p>
             <a:r>
               <a:rPr kumimoji="1" lang="zh-CN" altLang="en-US" dirty="0"/>
-              <a:t>前提</a:t>
+              <a:t>心理准备</a:t>
             </a:r>
           </a:p>
         </p:txBody>
@@ -5444,7 +5457,7 @@
           <p:cNvPr id="3" name="内容占位符 2">
             <a:extLst>
               <a:ext uri="{FF2B5EF4-FFF2-40B4-BE49-F238E27FC236}">
-                <a16:creationId xmlns:a16="http://schemas.microsoft.com/office/drawing/2014/main" id="{8EC7FA67-05E2-744C-9D18-B07E0680E412}"/>
+                <a16:creationId xmlns:a16="http://schemas.microsoft.com/office/drawing/2014/main" id="{2A658C5C-0C2D-0247-8B30-0E6B30D41F82}"/>
               </a:ext>
             </a:extLst>
           </p:cNvPr>
@@ -5462,36 +5475,26 @@
           <a:p>
             <a:r>
               <a:rPr kumimoji="1" lang="zh-CN" altLang="en-US" dirty="0"/>
-              <a:t>确定拍板人</a:t>
+              <a:t>前路不好走</a:t>
             </a:r>
             <a:endParaRPr kumimoji="1" lang="en-US" altLang="zh-CN" dirty="0"/>
           </a:p>
           <a:p>
             <a:r>
               <a:rPr kumimoji="1" lang="zh-CN" altLang="en-US" dirty="0"/>
-              <a:t>意见统一</a:t>
+              <a:t>创业风险很大</a:t>
             </a:r>
             <a:endParaRPr kumimoji="1" lang="en-US" altLang="zh-CN" dirty="0"/>
           </a:p>
           <a:p>
-            <a:r>
-              <a:rPr kumimoji="1" lang="zh-CN" altLang="en-US" dirty="0"/>
-              <a:t>在商言商</a:t>
-            </a:r>
-            <a:endParaRPr kumimoji="1" lang="en-US" altLang="zh-CN" dirty="0"/>
-          </a:p>
-          <a:p>
-            <a:r>
-              <a:rPr kumimoji="1" lang="zh-CN" altLang="en-US"/>
-              <a:t>坦坦正途</a:t>
-            </a:r>
+            <a:endParaRPr kumimoji="1" lang="zh-CN" altLang="en-US" dirty="0"/>
           </a:p>
         </p:txBody>
       </p:sp>
     </p:spTree>
     <p:extLst>
       <p:ext uri="{BB962C8B-B14F-4D97-AF65-F5344CB8AC3E}">
-        <p14:creationId xmlns:p14="http://schemas.microsoft.com/office/powerpoint/2010/main" val="3126329087"/>
+        <p14:creationId xmlns:p14="http://schemas.microsoft.com/office/powerpoint/2010/main" val="2377383159"/>
       </p:ext>
     </p:extLst>
   </p:cSld>
@@ -5523,7 +5526,7 @@
           <p:cNvPr id="2" name="标题 1">
             <a:extLst>
               <a:ext uri="{FF2B5EF4-FFF2-40B4-BE49-F238E27FC236}">
-                <a16:creationId xmlns:a16="http://schemas.microsoft.com/office/drawing/2014/main" id="{1C289AC6-10C9-7943-8F88-77C2C80CA39E}"/>
+                <a16:creationId xmlns:a16="http://schemas.microsoft.com/office/drawing/2014/main" id="{BA72997A-03FE-C74A-BDF1-FA357B74D290}"/>
               </a:ext>
             </a:extLst>
           </p:cNvPr>
@@ -5541,7 +5544,7 @@
           <a:p>
             <a:r>
               <a:rPr kumimoji="1" lang="zh-CN" altLang="en-US" dirty="0"/>
-              <a:t>心理准备</a:t>
+              <a:t>公司形式</a:t>
             </a:r>
           </a:p>
         </p:txBody>
@@ -5551,7 +5554,7 @@
           <p:cNvPr id="3" name="内容占位符 2">
             <a:extLst>
               <a:ext uri="{FF2B5EF4-FFF2-40B4-BE49-F238E27FC236}">
-                <a16:creationId xmlns:a16="http://schemas.microsoft.com/office/drawing/2014/main" id="{2A658C5C-0C2D-0247-8B30-0E6B30D41F82}"/>
+                <a16:creationId xmlns:a16="http://schemas.microsoft.com/office/drawing/2014/main" id="{873DECB3-B53E-224D-BB83-AB40004C5138}"/>
               </a:ext>
             </a:extLst>
           </p:cNvPr>
@@ -5569,26 +5572,15 @@
           <a:p>
             <a:r>
               <a:rPr kumimoji="1" lang="zh-CN" altLang="en-US" dirty="0"/>
-              <a:t>前路不好走</a:t>
-            </a:r>
-            <a:endParaRPr kumimoji="1" lang="en-US" altLang="zh-CN" dirty="0"/>
-          </a:p>
-          <a:p>
-            <a:r>
-              <a:rPr kumimoji="1" lang="zh-CN" altLang="en-US" dirty="0"/>
-              <a:t>创业风险很大</a:t>
-            </a:r>
-            <a:endParaRPr kumimoji="1" lang="en-US" altLang="zh-CN" dirty="0"/>
-          </a:p>
-          <a:p>
-            <a:endParaRPr kumimoji="1" lang="zh-CN" altLang="en-US" dirty="0"/>
+              <a:t>合伙人制度</a:t>
+            </a:r>
           </a:p>
         </p:txBody>
       </p:sp>
     </p:spTree>
     <p:extLst>
       <p:ext uri="{BB962C8B-B14F-4D97-AF65-F5344CB8AC3E}">
-        <p14:creationId xmlns:p14="http://schemas.microsoft.com/office/powerpoint/2010/main" val="2377383159"/>
+        <p14:creationId xmlns:p14="http://schemas.microsoft.com/office/powerpoint/2010/main" val="2888042878"/>
       </p:ext>
     </p:extLst>
   </p:cSld>
@@ -5620,278 +5612,6 @@
           <p:cNvPr id="2" name="标题 1">
             <a:extLst>
               <a:ext uri="{FF2B5EF4-FFF2-40B4-BE49-F238E27FC236}">
-                <a16:creationId xmlns:a16="http://schemas.microsoft.com/office/drawing/2014/main" id="{8319EFF8-32DB-6D49-A8F3-DF35C928FFD3}"/>
-              </a:ext>
-            </a:extLst>
-          </p:cNvPr>
-          <p:cNvSpPr>
-            <a:spLocks noGrp="1"/>
-          </p:cNvSpPr>
-          <p:nvPr>
-            <p:ph type="title"/>
-          </p:nvPr>
-        </p:nvSpPr>
-        <p:spPr/>
-        <p:txBody>
-          <a:bodyPr/>
-          <a:lstStyle/>
-          <a:p>
-            <a:endParaRPr kumimoji="1" lang="zh-CN" altLang="en-US"/>
-          </a:p>
-        </p:txBody>
-      </p:sp>
-      <p:sp>
-        <p:nvSpPr>
-          <p:cNvPr id="3" name="内容占位符 2">
-            <a:extLst>
-              <a:ext uri="{FF2B5EF4-FFF2-40B4-BE49-F238E27FC236}">
-                <a16:creationId xmlns:a16="http://schemas.microsoft.com/office/drawing/2014/main" id="{383CDE2A-9793-134C-AEAC-5161543CFDED}"/>
-              </a:ext>
-            </a:extLst>
-          </p:cNvPr>
-          <p:cNvSpPr>
-            <a:spLocks noGrp="1"/>
-          </p:cNvSpPr>
-          <p:nvPr>
-            <p:ph idx="1"/>
-          </p:nvPr>
-        </p:nvSpPr>
-        <p:spPr/>
-        <p:txBody>
-          <a:bodyPr/>
-          <a:lstStyle/>
-          <a:p>
-            <a:r>
-              <a:rPr kumimoji="1" lang="zh-CN" altLang="en-US" dirty="0"/>
-              <a:t>建材类商城</a:t>
-            </a:r>
-            <a:r>
-              <a:rPr kumimoji="1" lang="en-US" altLang="zh-CN" dirty="0"/>
-              <a:t>(</a:t>
-            </a:r>
-            <a:r>
-              <a:rPr kumimoji="1" lang="zh-CN" altLang="en-US" dirty="0"/>
-              <a:t>核心在支付</a:t>
-            </a:r>
-            <a:r>
-              <a:rPr kumimoji="1" lang="en-US" altLang="zh-CN" dirty="0"/>
-              <a:t>)</a:t>
-            </a:r>
-          </a:p>
-          <a:p>
-            <a:r>
-              <a:rPr kumimoji="1" lang="zh-CN" altLang="en-US" dirty="0"/>
-              <a:t>招投标</a:t>
-            </a:r>
-            <a:r>
-              <a:rPr kumimoji="1" lang="en-US" altLang="zh-CN" dirty="0"/>
-              <a:t>(</a:t>
-            </a:r>
-            <a:r>
-              <a:rPr kumimoji="1" lang="zh-CN" altLang="en-US" dirty="0"/>
-              <a:t>邀请核心企业进行招标</a:t>
-            </a:r>
-            <a:r>
-              <a:rPr kumimoji="1" lang="en-US" altLang="zh-CN" dirty="0"/>
-              <a:t>)</a:t>
-            </a:r>
-          </a:p>
-          <a:p>
-            <a:r>
-              <a:rPr kumimoji="1" lang="en" altLang="zh-CN" dirty="0"/>
-              <a:t>http://</a:t>
-            </a:r>
-            <a:r>
-              <a:rPr kumimoji="1" lang="en" altLang="zh-CN" dirty="0" err="1"/>
-              <a:t>www.zhaojiancai.com</a:t>
-            </a:r>
-            <a:r>
-              <a:rPr kumimoji="1" lang="en" altLang="zh-CN" dirty="0"/>
-              <a:t>/</a:t>
-            </a:r>
-            <a:endParaRPr kumimoji="1" lang="zh-CN" altLang="en-US" dirty="0"/>
-          </a:p>
-        </p:txBody>
-      </p:sp>
-    </p:spTree>
-    <p:extLst>
-      <p:ext uri="{BB962C8B-B14F-4D97-AF65-F5344CB8AC3E}">
-        <p14:creationId xmlns:p14="http://schemas.microsoft.com/office/powerpoint/2010/main" val="984303370"/>
-      </p:ext>
-    </p:extLst>
-  </p:cSld>
-  <p:clrMapOvr>
-    <a:masterClrMapping/>
-  </p:clrMapOvr>
-</p:sld>
-</file>
-
-<file path=ppt/slides/slide4.xml><?xml version="1.0" encoding="utf-8"?>
-<p:sld xmlns:a="http://schemas.openxmlformats.org/drawingml/2006/main" xmlns:r="http://schemas.openxmlformats.org/officeDocument/2006/relationships" xmlns:p="http://schemas.openxmlformats.org/presentationml/2006/main">
-  <p:cSld>
-    <p:spTree>
-      <p:nvGrpSpPr>
-        <p:cNvPr id="1" name=""/>
-        <p:cNvGrpSpPr/>
-        <p:nvPr/>
-      </p:nvGrpSpPr>
-      <p:grpSpPr>
-        <a:xfrm>
-          <a:off x="0" y="0"/>
-          <a:ext cx="0" cy="0"/>
-          <a:chOff x="0" y="0"/>
-          <a:chExt cx="0" cy="0"/>
-        </a:xfrm>
-      </p:grpSpPr>
-      <p:sp>
-        <p:nvSpPr>
-          <p:cNvPr id="2" name="标题 1">
-            <a:extLst>
-              <a:ext uri="{FF2B5EF4-FFF2-40B4-BE49-F238E27FC236}">
-                <a16:creationId xmlns:a16="http://schemas.microsoft.com/office/drawing/2014/main" id="{31618B1B-EA98-B448-A37C-65CCD989A640}"/>
-              </a:ext>
-            </a:extLst>
-          </p:cNvPr>
-          <p:cNvSpPr>
-            <a:spLocks noGrp="1"/>
-          </p:cNvSpPr>
-          <p:nvPr>
-            <p:ph type="title"/>
-          </p:nvPr>
-        </p:nvSpPr>
-        <p:spPr/>
-        <p:txBody>
-          <a:bodyPr/>
-          <a:lstStyle/>
-          <a:p>
-            <a:endParaRPr kumimoji="1" lang="zh-CN" altLang="en-US"/>
-          </a:p>
-        </p:txBody>
-      </p:sp>
-      <p:sp>
-        <p:nvSpPr>
-          <p:cNvPr id="3" name="内容占位符 2">
-            <a:extLst>
-              <a:ext uri="{FF2B5EF4-FFF2-40B4-BE49-F238E27FC236}">
-                <a16:creationId xmlns:a16="http://schemas.microsoft.com/office/drawing/2014/main" id="{6B31D3BD-CE0D-8D43-888F-5DAD0267AE5B}"/>
-              </a:ext>
-            </a:extLst>
-          </p:cNvPr>
-          <p:cNvSpPr>
-            <a:spLocks noGrp="1"/>
-          </p:cNvSpPr>
-          <p:nvPr>
-            <p:ph idx="1"/>
-          </p:nvPr>
-        </p:nvSpPr>
-        <p:spPr/>
-        <p:txBody>
-          <a:bodyPr>
-            <a:normAutofit fontScale="85000" lnSpcReduction="20000"/>
-          </a:bodyPr>
-          <a:lstStyle/>
-          <a:p>
-            <a:r>
-              <a:rPr lang="zh-CN" altLang="en-US" dirty="0"/>
-              <a:t>其实在</a:t>
-            </a:r>
-            <a:r>
-              <a:rPr lang="en" altLang="zh-CN" dirty="0"/>
-              <a:t>B2B</a:t>
-            </a:r>
-            <a:r>
-              <a:rPr lang="zh-CN" altLang="en-US" dirty="0"/>
-              <a:t>行业内，找钢网上市应该算无人不知无人不晓，找钢网从最开始的钢铁交易平台，慢慢做到走出国门，甚至在今年拿到国家主权基金“中俄投资基金”的投资，成为</a:t>
-            </a:r>
-            <a:r>
-              <a:rPr lang="en-US" altLang="zh-CN" dirty="0"/>
-              <a:t>500</a:t>
-            </a:r>
-            <a:r>
-              <a:rPr lang="zh-CN" altLang="en-US" dirty="0"/>
-              <a:t>强企业，一波过一波真让人大开眼界，真正实现开挂式企业里程碑。</a:t>
-            </a:r>
-          </a:p>
-          <a:p>
-            <a:r>
-              <a:rPr lang="zh-CN" altLang="en-US" dirty="0"/>
-              <a:t>所以，我特别想谈谈找钢网上市的影响力这个问题，作为一个累计融资金额超过</a:t>
-            </a:r>
-            <a:r>
-              <a:rPr lang="en-US" altLang="zh-CN" dirty="0"/>
-              <a:t>20</a:t>
-            </a:r>
-            <a:r>
-              <a:rPr lang="zh-CN" altLang="en-US" dirty="0"/>
-              <a:t>亿元人民币的钢材行业</a:t>
-            </a:r>
-            <a:r>
-              <a:rPr lang="en" altLang="zh-CN" dirty="0"/>
-              <a:t>B2B</a:t>
-            </a:r>
-            <a:r>
-              <a:rPr lang="zh-CN" altLang="en-US" dirty="0"/>
-              <a:t>平台，找钢网的影响力到底有多大？</a:t>
-            </a:r>
-          </a:p>
-          <a:p>
-            <a:r>
-              <a:rPr lang="zh-CN" altLang="en-US" dirty="0"/>
-              <a:t>就像江湖传言那样，你要看一个事物的影响力有多大，就看山寨它的人有多少。</a:t>
-            </a:r>
-          </a:p>
-          <a:p>
-            <a:r>
-              <a:rPr lang="zh-CN" altLang="en-US" dirty="0"/>
-              <a:t>找钢网自创立以来，到现在成为全国最大的钢铁电商平台，它所创建的找钢网上市模式被三百多家钢铁电商所模仿，不仅如此，它还影响了众多大宗商品行业，什么找塑料网、找纸浆网、找化工网等相继出现，这么看来，找钢网俨然就是国内“找字辈”电商的鼻祖。</a:t>
-            </a:r>
-          </a:p>
-          <a:p>
-            <a:r>
-              <a:rPr lang="zh-CN" altLang="en-US" dirty="0"/>
-              <a:t>所有。商业转载请联系作者获得授权，非商业转载请注明出处。</a:t>
-            </a:r>
-          </a:p>
-          <a:p>
-            <a:endParaRPr kumimoji="1" lang="zh-CN" altLang="en-US" dirty="0"/>
-          </a:p>
-        </p:txBody>
-      </p:sp>
-    </p:spTree>
-    <p:extLst>
-      <p:ext uri="{BB962C8B-B14F-4D97-AF65-F5344CB8AC3E}">
-        <p14:creationId xmlns:p14="http://schemas.microsoft.com/office/powerpoint/2010/main" val="488665616"/>
-      </p:ext>
-    </p:extLst>
-  </p:cSld>
-  <p:clrMapOvr>
-    <a:masterClrMapping/>
-  </p:clrMapOvr>
-</p:sld>
-</file>
-
-<file path=ppt/slides/slide5.xml><?xml version="1.0" encoding="utf-8"?>
-<p:sld xmlns:a="http://schemas.openxmlformats.org/drawingml/2006/main" xmlns:r="http://schemas.openxmlformats.org/officeDocument/2006/relationships" xmlns:p="http://schemas.openxmlformats.org/presentationml/2006/main">
-  <p:cSld>
-    <p:spTree>
-      <p:nvGrpSpPr>
-        <p:cNvPr id="1" name=""/>
-        <p:cNvGrpSpPr/>
-        <p:nvPr/>
-      </p:nvGrpSpPr>
-      <p:grpSpPr>
-        <a:xfrm>
-          <a:off x="0" y="0"/>
-          <a:ext cx="0" cy="0"/>
-          <a:chOff x="0" y="0"/>
-          <a:chExt cx="0" cy="0"/>
-        </a:xfrm>
-      </p:grpSpPr>
-      <p:sp>
-        <p:nvSpPr>
-          <p:cNvPr id="2" name="标题 1">
-            <a:extLst>
-              <a:ext uri="{FF2B5EF4-FFF2-40B4-BE49-F238E27FC236}">
                 <a16:creationId xmlns:a16="http://schemas.microsoft.com/office/drawing/2014/main" id="{57DECFA4-9EAF-104A-9D10-217FD7956C01}"/>
               </a:ext>
             </a:extLst>
@@ -5954,7 +5674,7 @@
 </p:sld>
 </file>
 
-<file path=ppt/slides/slide6.xml><?xml version="1.0" encoding="utf-8"?>
+<file path=ppt/slides/slide4.xml><?xml version="1.0" encoding="utf-8"?>
 <p:sld xmlns:a="http://schemas.openxmlformats.org/drawingml/2006/main" xmlns:r="http://schemas.openxmlformats.org/officeDocument/2006/relationships" xmlns:p="http://schemas.openxmlformats.org/presentationml/2006/main">
   <p:cSld>
     <p:spTree>
@@ -6222,7 +5942,7 @@
 </p:sld>
 </file>
 
-<file path=ppt/slides/slide7.xml><?xml version="1.0" encoding="utf-8"?>
+<file path=ppt/slides/slide5.xml><?xml version="1.0" encoding="utf-8"?>
 <p:sld xmlns:a="http://schemas.openxmlformats.org/drawingml/2006/main" xmlns:r="http://schemas.openxmlformats.org/officeDocument/2006/relationships" xmlns:p="http://schemas.openxmlformats.org/presentationml/2006/main">
   <p:cSld>
     <p:spTree>
@@ -6550,7 +6270,7 @@
 </p:sld>
 </file>
 
-<file path=ppt/slides/slide8.xml><?xml version="1.0" encoding="utf-8"?>
+<file path=ppt/slides/slide6.xml><?xml version="1.0" encoding="utf-8"?>
 <p:sld xmlns:a="http://schemas.openxmlformats.org/drawingml/2006/main" xmlns:r="http://schemas.openxmlformats.org/officeDocument/2006/relationships" xmlns:p="http://schemas.openxmlformats.org/presentationml/2006/main">
   <p:cSld>
     <p:spTree>
@@ -6708,7 +6428,7 @@
 </p:sld>
 </file>
 
-<file path=ppt/slides/slide9.xml><?xml version="1.0" encoding="utf-8"?>
+<file path=ppt/slides/slide7.xml><?xml version="1.0" encoding="utf-8"?>
 <p:sld xmlns:a="http://schemas.openxmlformats.org/drawingml/2006/main" xmlns:r="http://schemas.openxmlformats.org/officeDocument/2006/relationships" xmlns:p="http://schemas.openxmlformats.org/presentationml/2006/main">
   <p:cSld>
     <p:spTree>
@@ -7140,6 +6860,267 @@
     <p:extLst>
       <p:ext uri="{BB962C8B-B14F-4D97-AF65-F5344CB8AC3E}">
         <p14:creationId xmlns:p14="http://schemas.microsoft.com/office/powerpoint/2010/main" val="407760817"/>
+      </p:ext>
+    </p:extLst>
+  </p:cSld>
+  <p:clrMapOvr>
+    <a:masterClrMapping/>
+  </p:clrMapOvr>
+</p:sld>
+</file>
+
+<file path=ppt/slides/slide8.xml><?xml version="1.0" encoding="utf-8"?>
+<p:sld xmlns:a="http://schemas.openxmlformats.org/drawingml/2006/main" xmlns:r="http://schemas.openxmlformats.org/officeDocument/2006/relationships" xmlns:p="http://schemas.openxmlformats.org/presentationml/2006/main">
+  <p:cSld>
+    <p:spTree>
+      <p:nvGrpSpPr>
+        <p:cNvPr id="1" name=""/>
+        <p:cNvGrpSpPr/>
+        <p:nvPr/>
+      </p:nvGrpSpPr>
+      <p:grpSpPr>
+        <a:xfrm>
+          <a:off x="0" y="0"/>
+          <a:ext cx="0" cy="0"/>
+          <a:chOff x="0" y="0"/>
+          <a:chExt cx="0" cy="0"/>
+        </a:xfrm>
+      </p:grpSpPr>
+      <p:sp>
+        <p:nvSpPr>
+          <p:cNvPr id="2" name="标题 1">
+            <a:extLst>
+              <a:ext uri="{FF2B5EF4-FFF2-40B4-BE49-F238E27FC236}">
+                <a16:creationId xmlns:a16="http://schemas.microsoft.com/office/drawing/2014/main" id="{B95709DD-0EB1-3441-89D4-E1BCD52D3CBE}"/>
+              </a:ext>
+            </a:extLst>
+          </p:cNvPr>
+          <p:cNvSpPr>
+            <a:spLocks noGrp="1"/>
+          </p:cNvSpPr>
+          <p:nvPr>
+            <p:ph type="title"/>
+          </p:nvPr>
+        </p:nvSpPr>
+        <p:spPr/>
+        <p:txBody>
+          <a:bodyPr/>
+          <a:lstStyle/>
+          <a:p>
+            <a:r>
+              <a:rPr lang="zh-CN" altLang="en-US" b="1" dirty="0"/>
+              <a:t>发展趋势</a:t>
+            </a:r>
+            <a:endParaRPr kumimoji="1" lang="zh-CN" altLang="en-US" dirty="0"/>
+          </a:p>
+        </p:txBody>
+      </p:sp>
+      <p:sp>
+        <p:nvSpPr>
+          <p:cNvPr id="3" name="内容占位符 2">
+            <a:extLst>
+              <a:ext uri="{FF2B5EF4-FFF2-40B4-BE49-F238E27FC236}">
+                <a16:creationId xmlns:a16="http://schemas.microsoft.com/office/drawing/2014/main" id="{01A9921D-121D-C14A-A744-7129A3ACF4C2}"/>
+              </a:ext>
+            </a:extLst>
+          </p:cNvPr>
+          <p:cNvSpPr>
+            <a:spLocks noGrp="1"/>
+          </p:cNvSpPr>
+          <p:nvPr>
+            <p:ph idx="1"/>
+          </p:nvPr>
+        </p:nvSpPr>
+        <p:spPr/>
+        <p:txBody>
+          <a:bodyPr/>
+          <a:lstStyle/>
+          <a:p>
+            <a:r>
+              <a:rPr kumimoji="1" lang="zh-CN" altLang="en-US" dirty="0"/>
+              <a:t>从</a:t>
+            </a:r>
+            <a:r>
+              <a:rPr kumimoji="1" lang="en-US" altLang="zh-CN" dirty="0"/>
+              <a:t>2010</a:t>
+            </a:r>
+            <a:r>
+              <a:rPr kumimoji="1" lang="zh-CN" altLang="en-US" dirty="0"/>
+              <a:t>年开始逐渐有大量公司开展相关服务</a:t>
+            </a:r>
+            <a:endParaRPr kumimoji="1" lang="en-US" altLang="zh-CN" dirty="0"/>
+          </a:p>
+          <a:p>
+            <a:r>
+              <a:rPr kumimoji="1" lang="zh-CN" altLang="en-US" dirty="0"/>
+              <a:t>但是暂时没有建材类相关的大型互联网公司</a:t>
+            </a:r>
+            <a:endParaRPr kumimoji="1" lang="en-US" altLang="zh-CN" dirty="0"/>
+          </a:p>
+          <a:p>
+            <a:r>
+              <a:rPr kumimoji="1" lang="en-US" altLang="zh-CN" dirty="0"/>
+              <a:t>2020</a:t>
+            </a:r>
+            <a:r>
+              <a:rPr kumimoji="1" lang="zh-CN" altLang="en-US" dirty="0"/>
+              <a:t>年大量互联网公司进入企业</a:t>
+            </a:r>
+            <a:r>
+              <a:rPr kumimoji="1" lang="en-US" altLang="zh-CN" dirty="0"/>
+              <a:t>SAAS</a:t>
+            </a:r>
+            <a:r>
+              <a:rPr kumimoji="1" lang="zh-CN" altLang="en-US" dirty="0"/>
+              <a:t>服务相关领域</a:t>
+            </a:r>
+            <a:endParaRPr kumimoji="1" lang="en-US" altLang="zh-CN" dirty="0"/>
+          </a:p>
+          <a:p>
+            <a:endParaRPr kumimoji="1" lang="en-US" altLang="zh-CN" dirty="0"/>
+          </a:p>
+          <a:p>
+            <a:endParaRPr kumimoji="1" lang="en-US" altLang="zh-CN" dirty="0"/>
+          </a:p>
+        </p:txBody>
+      </p:sp>
+    </p:spTree>
+    <p:extLst>
+      <p:ext uri="{BB962C8B-B14F-4D97-AF65-F5344CB8AC3E}">
+        <p14:creationId xmlns:p14="http://schemas.microsoft.com/office/powerpoint/2010/main" val="4135372465"/>
+      </p:ext>
+    </p:extLst>
+  </p:cSld>
+  <p:clrMapOvr>
+    <a:masterClrMapping/>
+  </p:clrMapOvr>
+</p:sld>
+</file>
+
+<file path=ppt/slides/slide9.xml><?xml version="1.0" encoding="utf-8"?>
+<p:sld xmlns:a="http://schemas.openxmlformats.org/drawingml/2006/main" xmlns:r="http://schemas.openxmlformats.org/officeDocument/2006/relationships" xmlns:p="http://schemas.openxmlformats.org/presentationml/2006/main">
+  <p:cSld>
+    <p:spTree>
+      <p:nvGrpSpPr>
+        <p:cNvPr id="1" name=""/>
+        <p:cNvGrpSpPr/>
+        <p:nvPr/>
+      </p:nvGrpSpPr>
+      <p:grpSpPr>
+        <a:xfrm>
+          <a:off x="0" y="0"/>
+          <a:ext cx="0" cy="0"/>
+          <a:chOff x="0" y="0"/>
+          <a:chExt cx="0" cy="0"/>
+        </a:xfrm>
+      </p:grpSpPr>
+      <p:sp>
+        <p:nvSpPr>
+          <p:cNvPr id="2" name="标题 1">
+            <a:extLst>
+              <a:ext uri="{FF2B5EF4-FFF2-40B4-BE49-F238E27FC236}">
+                <a16:creationId xmlns:a16="http://schemas.microsoft.com/office/drawing/2014/main" id="{1289F460-8251-FC43-B641-9A208F4376BB}"/>
+              </a:ext>
+            </a:extLst>
+          </p:cNvPr>
+          <p:cNvSpPr>
+            <a:spLocks noGrp="1"/>
+          </p:cNvSpPr>
+          <p:nvPr>
+            <p:ph type="title"/>
+          </p:nvPr>
+        </p:nvSpPr>
+        <p:spPr/>
+        <p:txBody>
+          <a:bodyPr/>
+          <a:lstStyle/>
+          <a:p>
+            <a:r>
+              <a:rPr lang="zh-CN" altLang="en-US" b="1" dirty="0"/>
+              <a:t>竞争对手发展情况</a:t>
+            </a:r>
+            <a:endParaRPr kumimoji="1" lang="zh-CN" altLang="en-US" dirty="0"/>
+          </a:p>
+        </p:txBody>
+      </p:sp>
+      <p:sp>
+        <p:nvSpPr>
+          <p:cNvPr id="3" name="内容占位符 2">
+            <a:extLst>
+              <a:ext uri="{FF2B5EF4-FFF2-40B4-BE49-F238E27FC236}">
+                <a16:creationId xmlns:a16="http://schemas.microsoft.com/office/drawing/2014/main" id="{666BCBC3-6B34-614D-8D9D-7DD26E488D83}"/>
+              </a:ext>
+            </a:extLst>
+          </p:cNvPr>
+          <p:cNvSpPr>
+            <a:spLocks noGrp="1"/>
+          </p:cNvSpPr>
+          <p:nvPr>
+            <p:ph idx="1"/>
+          </p:nvPr>
+        </p:nvSpPr>
+        <p:spPr/>
+        <p:txBody>
+          <a:bodyPr>
+            <a:normAutofit/>
+          </a:bodyPr>
+          <a:lstStyle/>
+          <a:p>
+            <a:r>
+              <a:rPr lang="zh-CN" altLang="en-US" dirty="0"/>
+              <a:t>找钢网从最开始的钢铁交易平台，慢慢做到走出国门，甚至在今年拿到国家主权基金“中俄投资基金”的投资，成为</a:t>
+            </a:r>
+            <a:r>
+              <a:rPr lang="en-US" altLang="zh-CN" dirty="0"/>
+              <a:t>500</a:t>
+            </a:r>
+            <a:r>
+              <a:rPr lang="zh-CN" altLang="en-US" dirty="0"/>
+              <a:t>强企业</a:t>
+            </a:r>
+            <a:r>
+              <a:rPr lang="en-US" altLang="zh-CN" dirty="0"/>
+              <a:t>.</a:t>
+            </a:r>
+            <a:br>
+              <a:rPr lang="zh-CN" altLang="en-US" dirty="0"/>
+            </a:br>
+            <a:endParaRPr lang="en-US" altLang="zh-CN" dirty="0"/>
+          </a:p>
+          <a:p>
+            <a:r>
+              <a:rPr lang="zh-CN" altLang="en-US" dirty="0"/>
+              <a:t>找钢网自创立以来，到现在成为全国最大的钢铁电商平台，它所创建的找钢网上市模式被三百多家钢铁电商所模仿，不仅如此，它还影响了众多大宗商品行业，什么找塑料网、找纸浆网、找化工网等相继出现，这么看来，找钢网俨然就是国内“找字辈”电商的鼻祖。</a:t>
+            </a:r>
+          </a:p>
+          <a:p>
+            <a:r>
+              <a:rPr lang="zh-CN" altLang="en-US" dirty="0"/>
+              <a:t>然而三年亏损近</a:t>
+            </a:r>
+            <a:r>
+              <a:rPr lang="en-US" altLang="zh-CN" dirty="0"/>
+              <a:t>20</a:t>
+            </a:r>
+            <a:r>
+              <a:rPr lang="zh-CN" altLang="en-US" dirty="0"/>
+              <a:t>亿 找钢网再递招股书放弃上市</a:t>
+            </a:r>
+            <a:r>
+              <a:rPr lang="en-US" altLang="zh-CN" dirty="0"/>
+              <a:t>.</a:t>
+            </a:r>
+            <a:endParaRPr kumimoji="1" lang="zh-CN" altLang="en-US" dirty="0"/>
+          </a:p>
+          <a:p>
+            <a:endParaRPr kumimoji="1" lang="zh-CN" altLang="en-US" dirty="0"/>
+          </a:p>
+        </p:txBody>
+      </p:sp>
+    </p:spTree>
+    <p:extLst>
+      <p:ext uri="{BB962C8B-B14F-4D97-AF65-F5344CB8AC3E}">
+        <p14:creationId xmlns:p14="http://schemas.microsoft.com/office/powerpoint/2010/main" val="1970406261"/>
       </p:ext>
     </p:extLst>
   </p:cSld>
